--- a/Day 7/Slides/12. Navigation and Routing Additional Techniques/navigation-and-routing-additional-techniques-slides.pptx
+++ b/Day 7/Slides/12. Navigation and Routing Additional Techniques/navigation-and-routing-additional-techniques-slides.pptx
@@ -5,35 +5,36 @@
     <p:sldMasterId id="2147483648" r:id="rId1"/>
   </p:sldMasterIdLst>
   <p:notesMasterIdLst>
-    <p:notesMasterId r:id="rId28"/>
+    <p:notesMasterId r:id="rId30"/>
   </p:notesMasterIdLst>
   <p:sldIdLst>
-    <p:sldId id="256" r:id="rId2"/>
-    <p:sldId id="257" r:id="rId3"/>
-    <p:sldId id="258" r:id="rId4"/>
-    <p:sldId id="259" r:id="rId5"/>
-    <p:sldId id="260" r:id="rId6"/>
-    <p:sldId id="261" r:id="rId7"/>
-    <p:sldId id="262" r:id="rId8"/>
-    <p:sldId id="263" r:id="rId9"/>
-    <p:sldId id="264" r:id="rId10"/>
-    <p:sldId id="265" r:id="rId11"/>
-    <p:sldId id="266" r:id="rId12"/>
-    <p:sldId id="267" r:id="rId13"/>
-    <p:sldId id="268" r:id="rId14"/>
-    <p:sldId id="269" r:id="rId15"/>
-    <p:sldId id="270" r:id="rId16"/>
-    <p:sldId id="271" r:id="rId17"/>
-    <p:sldId id="272" r:id="rId18"/>
-    <p:sldId id="273" r:id="rId19"/>
-    <p:sldId id="274" r:id="rId20"/>
-    <p:sldId id="275" r:id="rId21"/>
-    <p:sldId id="276" r:id="rId22"/>
-    <p:sldId id="277" r:id="rId23"/>
-    <p:sldId id="278" r:id="rId24"/>
-    <p:sldId id="280" r:id="rId25"/>
-    <p:sldId id="281" r:id="rId26"/>
-    <p:sldId id="282" r:id="rId27"/>
+    <p:sldId id="256" r:id="rId3"/>
+    <p:sldId id="257" r:id="rId4"/>
+    <p:sldId id="258" r:id="rId5"/>
+    <p:sldId id="259" r:id="rId6"/>
+    <p:sldId id="260" r:id="rId7"/>
+    <p:sldId id="261" r:id="rId8"/>
+    <p:sldId id="262" r:id="rId9"/>
+    <p:sldId id="263" r:id="rId10"/>
+    <p:sldId id="264" r:id="rId11"/>
+    <p:sldId id="265" r:id="rId12"/>
+    <p:sldId id="266" r:id="rId13"/>
+    <p:sldId id="267" r:id="rId14"/>
+    <p:sldId id="268" r:id="rId15"/>
+    <p:sldId id="269" r:id="rId16"/>
+    <p:sldId id="270" r:id="rId17"/>
+    <p:sldId id="271" r:id="rId18"/>
+    <p:sldId id="272" r:id="rId19"/>
+    <p:sldId id="273" r:id="rId20"/>
+    <p:sldId id="274" r:id="rId21"/>
+    <p:sldId id="283" r:id="rId22"/>
+    <p:sldId id="275" r:id="rId23"/>
+    <p:sldId id="276" r:id="rId24"/>
+    <p:sldId id="277" r:id="rId25"/>
+    <p:sldId id="278" r:id="rId26"/>
+    <p:sldId id="280" r:id="rId27"/>
+    <p:sldId id="281" r:id="rId28"/>
+    <p:sldId id="282" r:id="rId29"/>
   </p:sldIdLst>
   <p:sldSz cx="18288000" cy="10287000"/>
   <p:notesSz cx="18288000" cy="10287000"/>
@@ -129,22 +130,6 @@
       </a:defRPr>
     </a:lvl9pPr>
   </p:defaultTextStyle>
-  <p:extLst>
-    <p:ext uri="{EFAFB233-063F-42B5-8137-9DF3F51BA10A}">
-      <p15:sldGuideLst xmlns:p15="http://schemas.microsoft.com/office/powerpoint/2012/main">
-        <p15:guide id="1" orient="horz" pos="2880">
-          <p15:clr>
-            <a:srgbClr val="A4A3A4"/>
-          </p15:clr>
-        </p15:guide>
-        <p15:guide id="2" pos="2160">
-          <p15:clr>
-            <a:srgbClr val="A4A3A4"/>
-          </p15:clr>
-        </p15:guide>
-      </p15:sldGuideLst>
-    </p:ext>
-  </p:extLst>
 </p:presentation>
 </file>
 
@@ -230,7 +215,6 @@
           <a:p>
             <a:fld id="{3EFD42F7-718C-4B98-AAEC-167E6DDD60A7}" type="datetimeFigureOut">
               <a:rPr lang="en-US" smtClean="0"/>
-              <a:t>5/6/2023</a:t>
             </a:fld>
             <a:endParaRPr lang="en-US"/>
           </a:p>
@@ -297,6 +281,7 @@
               <a:rPr lang="en-US"/>
               <a:t>Click to edit Master text styles</a:t>
             </a:r>
+            <a:endParaRPr lang="en-US"/>
           </a:p>
           <a:p>
             <a:pPr lvl="1"/>
@@ -304,6 +289,7 @@
               <a:rPr lang="en-US"/>
               <a:t>Second level</a:t>
             </a:r>
+            <a:endParaRPr lang="en-US"/>
           </a:p>
           <a:p>
             <a:pPr lvl="2"/>
@@ -311,6 +297,7 @@
               <a:rPr lang="en-US"/>
               <a:t>Third level</a:t>
             </a:r>
+            <a:endParaRPr lang="en-US"/>
           </a:p>
           <a:p>
             <a:pPr lvl="3"/>
@@ -318,6 +305,7 @@
               <a:rPr lang="en-US"/>
               <a:t>Fourth level</a:t>
             </a:r>
+            <a:endParaRPr lang="en-US"/>
           </a:p>
           <a:p>
             <a:pPr lvl="4"/>
@@ -325,6 +313,7 @@
               <a:rPr lang="en-US"/>
               <a:t>Fifth level</a:t>
             </a:r>
+            <a:endParaRPr lang="en-US"/>
           </a:p>
         </p:txBody>
       </p:sp>
@@ -388,7 +377,6 @@
           <a:p>
             <a:fld id="{21B2AA4F-B828-4D7C-AFD3-893933DAFCB4}" type="slidenum">
               <a:rPr lang="en-US" smtClean="0"/>
-              <a:t>‹#›</a:t>
             </a:fld>
             <a:endParaRPr lang="en-US"/>
           </a:p>
@@ -493,7 +481,7 @@
 </file>
 
 <file path=ppt/slideLayouts/slideLayout1.xml><?xml version="1.0" encoding="utf-8"?>
-<p:sldLayout xmlns:a="http://schemas.openxmlformats.org/drawingml/2006/main" xmlns:r="http://schemas.openxmlformats.org/officeDocument/2006/relationships" xmlns:p="http://schemas.openxmlformats.org/presentationml/2006/main" showMasterSp="0" type="obj" preserve="1">
+<p:sldLayout xmlns:a="http://schemas.openxmlformats.org/drawingml/2006/main" xmlns:r="http://schemas.openxmlformats.org/officeDocument/2006/relationships" xmlns:p="http://schemas.openxmlformats.org/presentationml/2006/main" type="obj" preserve="1" showMasterSp="0">
   <p:cSld name="Title Slide">
     <p:bg>
       <p:bgPr>
@@ -604,9 +592,7 @@
               <a:defRPr/>
             </a:lvl1pPr>
           </a:lstStyle>
-          <a:p>
-            <a:endParaRPr/>
-          </a:p>
+          <a:p/>
         </p:txBody>
       </p:sp>
       <p:sp>
@@ -633,9 +619,7 @@
               </a:defRPr>
             </a:lvl1pPr>
           </a:lstStyle>
-          <a:p>
-            <a:endParaRPr/>
-          </a:p>
+          <a:p/>
         </p:txBody>
       </p:sp>
       <p:sp>
@@ -665,7 +649,6 @@
           <a:p>
             <a:fld id="{1D8BD707-D9CF-40AE-B4C6-C98DA3205C09}" type="datetimeFigureOut">
               <a:rPr lang="en-US"/>
-              <a:t>5/6/2023</a:t>
             </a:fld>
             <a:endParaRPr lang="en-US"/>
           </a:p>
@@ -698,7 +681,6 @@
           <a:p>
             <a:fld id="{B6F15528-21DE-4FAA-801E-634DDDAF4B2B}" type="slidenum">
               <a:rPr/>
-              <a:t>‹#›</a:t>
             </a:fld>
             <a:endParaRPr/>
           </a:p>
@@ -754,9 +736,7 @@
               </a:defRPr>
             </a:lvl1pPr>
           </a:lstStyle>
-          <a:p>
-            <a:endParaRPr/>
-          </a:p>
+          <a:p/>
         </p:txBody>
       </p:sp>
       <p:sp>
@@ -783,9 +763,7 @@
               </a:defRPr>
             </a:lvl1pPr>
           </a:lstStyle>
-          <a:p>
-            <a:endParaRPr/>
-          </a:p>
+          <a:p/>
         </p:txBody>
       </p:sp>
       <p:sp>
@@ -812,9 +790,7 @@
               </a:defRPr>
             </a:lvl1pPr>
           </a:lstStyle>
-          <a:p>
-            <a:endParaRPr/>
-          </a:p>
+          <a:p/>
         </p:txBody>
       </p:sp>
       <p:sp>
@@ -844,7 +820,6 @@
           <a:p>
             <a:fld id="{1D8BD707-D9CF-40AE-B4C6-C98DA3205C09}" type="datetimeFigureOut">
               <a:rPr lang="en-US"/>
-              <a:t>5/6/2023</a:t>
             </a:fld>
             <a:endParaRPr lang="en-US"/>
           </a:p>
@@ -877,7 +852,6 @@
           <a:p>
             <a:fld id="{B6F15528-21DE-4FAA-801E-634DDDAF4B2B}" type="slidenum">
               <a:rPr/>
-              <a:t>‹#›</a:t>
             </a:fld>
             <a:endParaRPr/>
           </a:p>
@@ -933,9 +907,7 @@
               </a:defRPr>
             </a:lvl1pPr>
           </a:lstStyle>
-          <a:p>
-            <a:endParaRPr/>
-          </a:p>
+          <a:p/>
         </p:txBody>
       </p:sp>
       <p:sp>
@@ -966,9 +938,7 @@
               <a:defRPr/>
             </a:lvl1pPr>
           </a:lstStyle>
-          <a:p>
-            <a:endParaRPr/>
-          </a:p>
+          <a:p/>
         </p:txBody>
       </p:sp>
       <p:sp>
@@ -999,9 +969,7 @@
               <a:defRPr/>
             </a:lvl1pPr>
           </a:lstStyle>
-          <a:p>
-            <a:endParaRPr/>
-          </a:p>
+          <a:p/>
         </p:txBody>
       </p:sp>
       <p:sp>
@@ -1028,9 +996,7 @@
               </a:defRPr>
             </a:lvl1pPr>
           </a:lstStyle>
-          <a:p>
-            <a:endParaRPr/>
-          </a:p>
+          <a:p/>
         </p:txBody>
       </p:sp>
       <p:sp>
@@ -1060,7 +1026,6 @@
           <a:p>
             <a:fld id="{1D8BD707-D9CF-40AE-B4C6-C98DA3205C09}" type="datetimeFigureOut">
               <a:rPr lang="en-US"/>
-              <a:t>5/6/2023</a:t>
             </a:fld>
             <a:endParaRPr lang="en-US"/>
           </a:p>
@@ -1093,7 +1058,6 @@
           <a:p>
             <a:fld id="{B6F15528-21DE-4FAA-801E-634DDDAF4B2B}" type="slidenum">
               <a:rPr/>
-              <a:t>‹#›</a:t>
             </a:fld>
             <a:endParaRPr/>
           </a:p>
@@ -1149,9 +1113,7 @@
               </a:defRPr>
             </a:lvl1pPr>
           </a:lstStyle>
-          <a:p>
-            <a:endParaRPr/>
-          </a:p>
+          <a:p/>
         </p:txBody>
       </p:sp>
       <p:sp>
@@ -1178,9 +1140,7 @@
               </a:defRPr>
             </a:lvl1pPr>
           </a:lstStyle>
-          <a:p>
-            <a:endParaRPr/>
-          </a:p>
+          <a:p/>
         </p:txBody>
       </p:sp>
       <p:sp>
@@ -1210,7 +1170,6 @@
           <a:p>
             <a:fld id="{1D8BD707-D9CF-40AE-B4C6-C98DA3205C09}" type="datetimeFigureOut">
               <a:rPr lang="en-US"/>
-              <a:t>5/6/2023</a:t>
             </a:fld>
             <a:endParaRPr lang="en-US"/>
           </a:p>
@@ -1243,7 +1202,6 @@
           <a:p>
             <a:fld id="{B6F15528-21DE-4FAA-801E-634DDDAF4B2B}" type="slidenum">
               <a:rPr/>
-              <a:t>‹#›</a:t>
             </a:fld>
             <a:endParaRPr/>
           </a:p>
@@ -1299,9 +1257,7 @@
               </a:defRPr>
             </a:lvl1pPr>
           </a:lstStyle>
-          <a:p>
-            <a:endParaRPr/>
-          </a:p>
+          <a:p/>
         </p:txBody>
       </p:sp>
       <p:sp>
@@ -1331,7 +1287,6 @@
           <a:p>
             <a:fld id="{1D8BD707-D9CF-40AE-B4C6-C98DA3205C09}" type="datetimeFigureOut">
               <a:rPr lang="en-US"/>
-              <a:t>5/6/2023</a:t>
             </a:fld>
             <a:endParaRPr lang="en-US"/>
           </a:p>
@@ -1364,7 +1319,6 @@
           <a:p>
             <a:fld id="{B6F15528-21DE-4FAA-801E-634DDDAF4B2B}" type="slidenum">
               <a:rPr/>
-              <a:t>‹#›</a:t>
             </a:fld>
             <a:endParaRPr/>
           </a:p>
@@ -1376,6 +1330,171 @@
     <a:masterClrMapping/>
   </p:clrMapOvr>
   <p:hf hdr="0" ftr="0" dt="0"/>
+</p:sldLayout>
+</file>
+
+<file path=ppt/slideLayouts/slideLayout6.xml><?xml version="1.0" encoding="utf-8"?>
+<p:sldLayout xmlns:a="http://schemas.openxmlformats.org/drawingml/2006/main" xmlns:r="http://schemas.openxmlformats.org/officeDocument/2006/relationships" xmlns:p="http://schemas.openxmlformats.org/presentationml/2006/main" type="tx" preserve="1">
+  <p:cSld name="Title and Text">
+    <p:spTree>
+      <p:nvGrpSpPr>
+        <p:cNvPr id="1" name=""/>
+        <p:cNvGrpSpPr/>
+        <p:nvPr/>
+      </p:nvGrpSpPr>
+      <p:grpSpPr>
+        <a:xfrm>
+          <a:off x="0" y="0"/>
+          <a:ext cx="0" cy="0"/>
+          <a:chOff x="0" y="0"/>
+          <a:chExt cx="0" cy="0"/>
+        </a:xfrm>
+      </p:grpSpPr>
+      <p:sp>
+        <p:nvSpPr>
+          <p:cNvPr id="2" name="Title 1"/>
+          <p:cNvSpPr>
+            <a:spLocks noGrp="1"/>
+          </p:cNvSpPr>
+          <p:nvPr>
+            <p:ph type="title"/>
+          </p:nvPr>
+        </p:nvSpPr>
+        <p:spPr/>
+        <p:txBody>
+          <a:bodyPr/>
+          <a:lstStyle/>
+          <a:p>
+            <a:r>
+              <a:rPr lang="en-US" smtClean="0"/>
+              <a:t>Click to edit Master title style</a:t>
+            </a:r>
+            <a:endParaRPr lang="en-US"/>
+          </a:p>
+        </p:txBody>
+      </p:sp>
+      <p:sp>
+        <p:nvSpPr>
+          <p:cNvPr id="3" name="Text Placeholder 2"/>
+          <p:cNvSpPr>
+            <a:spLocks noGrp="1"/>
+          </p:cNvSpPr>
+          <p:nvPr>
+            <p:ph type="body" idx="1"/>
+          </p:nvPr>
+        </p:nvSpPr>
+        <p:spPr/>
+        <p:txBody>
+          <a:bodyPr/>
+          <a:lstStyle/>
+          <a:p>
+            <a:pPr lvl="0"/>
+            <a:r>
+              <a:rPr lang="en-US" smtClean="0"/>
+              <a:t>Click to edit Master text styles</a:t>
+            </a:r>
+            <a:endParaRPr lang="en-US" smtClean="0"/>
+          </a:p>
+          <a:p>
+            <a:pPr lvl="1"/>
+            <a:r>
+              <a:rPr lang="en-US" smtClean="0"/>
+              <a:t>Second level</a:t>
+            </a:r>
+            <a:endParaRPr lang="en-US" smtClean="0"/>
+          </a:p>
+          <a:p>
+            <a:pPr lvl="2"/>
+            <a:r>
+              <a:rPr lang="en-US" smtClean="0"/>
+              <a:t>Third level</a:t>
+            </a:r>
+            <a:endParaRPr lang="en-US" smtClean="0"/>
+          </a:p>
+          <a:p>
+            <a:pPr lvl="3"/>
+            <a:r>
+              <a:rPr lang="en-US" smtClean="0"/>
+              <a:t>Fourth level</a:t>
+            </a:r>
+            <a:endParaRPr lang="en-US" smtClean="0"/>
+          </a:p>
+          <a:p>
+            <a:pPr lvl="4"/>
+            <a:r>
+              <a:rPr lang="en-US" smtClean="0"/>
+              <a:t>Fifth level</a:t>
+            </a:r>
+            <a:endParaRPr lang="en-US"/>
+          </a:p>
+        </p:txBody>
+      </p:sp>
+      <p:sp>
+        <p:nvSpPr>
+          <p:cNvPr id="4" name="Date Placeholder 3"/>
+          <p:cNvSpPr>
+            <a:spLocks noGrp="1"/>
+          </p:cNvSpPr>
+          <p:nvPr>
+            <p:ph type="dt" sz="half" idx="10"/>
+          </p:nvPr>
+        </p:nvSpPr>
+        <p:spPr/>
+        <p:txBody>
+          <a:bodyPr/>
+          <a:lstStyle/>
+          <a:p>
+            <a:fld id="{1D8BD707-D9CF-40AE-B4C6-C98DA3205C09}" type="datetimeFigureOut">
+              <a:rPr lang="en-US"/>
+            </a:fld>
+            <a:endParaRPr lang="en-US"/>
+          </a:p>
+        </p:txBody>
+      </p:sp>
+      <p:sp>
+        <p:nvSpPr>
+          <p:cNvPr id="5" name="Footer Placeholder 4"/>
+          <p:cNvSpPr>
+            <a:spLocks noGrp="1"/>
+          </p:cNvSpPr>
+          <p:nvPr>
+            <p:ph type="ftr" sz="quarter" idx="11"/>
+          </p:nvPr>
+        </p:nvSpPr>
+        <p:spPr/>
+        <p:txBody>
+          <a:bodyPr/>
+          <a:lstStyle/>
+          <a:p/>
+        </p:txBody>
+      </p:sp>
+      <p:sp>
+        <p:nvSpPr>
+          <p:cNvPr id="6" name="Slide Number Placeholder 5"/>
+          <p:cNvSpPr>
+            <a:spLocks noGrp="1"/>
+          </p:cNvSpPr>
+          <p:nvPr>
+            <p:ph type="sldNum" sz="quarter" idx="12"/>
+          </p:nvPr>
+        </p:nvSpPr>
+        <p:spPr/>
+        <p:txBody>
+          <a:bodyPr/>
+          <a:lstStyle/>
+          <a:p>
+            <a:fld id="{B6F15528-21DE-4FAA-801E-634DDDAF4B2B}" type="slidenum">
+              <a:rPr/>
+            </a:fld>
+            <a:endParaRPr/>
+          </a:p>
+        </p:txBody>
+      </p:sp>
+    </p:spTree>
+  </p:cSld>
+  <p:clrMapOvr>
+    <a:masterClrMapping/>
+  </p:clrMapOvr>
 </p:sldLayout>
 </file>
 
@@ -1438,9 +1557,7 @@
               </a:defRPr>
             </a:lvl1pPr>
           </a:lstStyle>
-          <a:p>
-            <a:endParaRPr/>
-          </a:p>
+          <a:p/>
         </p:txBody>
       </p:sp>
       <p:sp>
@@ -1477,9 +1594,7 @@
               </a:defRPr>
             </a:lvl1pPr>
           </a:lstStyle>
-          <a:p>
-            <a:endParaRPr/>
-          </a:p>
+          <a:p/>
         </p:txBody>
       </p:sp>
       <p:sp>
@@ -1516,9 +1631,7 @@
               </a:defRPr>
             </a:lvl1pPr>
           </a:lstStyle>
-          <a:p>
-            <a:endParaRPr/>
-          </a:p>
+          <a:p/>
         </p:txBody>
       </p:sp>
       <p:sp>
@@ -1558,7 +1671,6 @@
           <a:p>
             <a:fld id="{1D8BD707-D9CF-40AE-B4C6-C98DA3205C09}" type="datetimeFigureOut">
               <a:rPr lang="en-US"/>
-              <a:t>5/6/2023</a:t>
             </a:fld>
             <a:endParaRPr lang="en-US"/>
           </a:p>
@@ -1601,7 +1713,6 @@
           <a:p>
             <a:fld id="{B6F15528-21DE-4FAA-801E-634DDDAF4B2B}" type="slidenum">
               <a:rPr/>
-              <a:t>‹#›</a:t>
             </a:fld>
             <a:endParaRPr/>
           </a:p>
@@ -1616,6 +1727,7 @@
     <p:sldLayoutId id="2147483651" r:id="rId3"/>
     <p:sldLayoutId id="2147483652" r:id="rId4"/>
     <p:sldLayoutId id="2147483653" r:id="rId5"/>
+    <p:sldLayoutId id="2147483654" r:id="rId6"/>
   </p:sldLayoutIdLst>
   <p:hf hdr="0" ftr="0" dt="0"/>
   <p:txStyles>
@@ -1786,7 +1898,7 @@
           <p:nvPr/>
         </p:nvPicPr>
         <p:blipFill>
-          <a:blip r:embed="rId2" cstate="print"/>
+          <a:blip r:embed="rId1" cstate="print"/>
           <a:stretch>
             <a:fillRect/>
           </a:stretch>
@@ -1921,7 +2033,6 @@
           <a:p>
             <a:fld id="{B6F15528-21DE-4FAA-801E-634DDDAF4B2B}" type="slidenum">
               <a:rPr/>
-              <a:t>1</a:t>
             </a:fld>
             <a:endParaRPr/>
           </a:p>
@@ -1989,9 +2100,7 @@
         <p:txBody>
           <a:bodyPr wrap="square" lIns="0" tIns="0" rIns="0" bIns="0" rtlCol="0"/>
           <a:lstStyle/>
-          <a:p>
-            <a:endParaRPr/>
-          </a:p>
+          <a:p/>
         </p:txBody>
       </p:sp>
       <p:sp>
@@ -2031,9 +2140,7 @@
         <p:txBody>
           <a:bodyPr wrap="square" lIns="0" tIns="0" rIns="0" bIns="0" rtlCol="0"/>
           <a:lstStyle/>
-          <a:p>
-            <a:endParaRPr/>
-          </a:p>
+          <a:p/>
         </p:txBody>
       </p:sp>
       <p:sp>
@@ -2073,9 +2180,7 @@
         <p:txBody>
           <a:bodyPr wrap="square" lIns="0" tIns="0" rIns="0" bIns="0" rtlCol="0"/>
           <a:lstStyle/>
-          <a:p>
-            <a:endParaRPr/>
-          </a:p>
+          <a:p/>
         </p:txBody>
       </p:sp>
       <p:sp>
@@ -2143,6 +2248,7 @@
               <a:rPr spc="15" dirty="0"/>
               <a:t>Route</a:t>
             </a:r>
+            <a:endParaRPr spc="15" dirty="0"/>
           </a:p>
         </p:txBody>
       </p:sp>
@@ -3124,7 +3230,7 @@
           <p:nvPr/>
         </p:nvPicPr>
         <p:blipFill>
-          <a:blip r:embed="rId2" cstate="print"/>
+          <a:blip r:embed="rId1" cstate="print"/>
           <a:stretch>
             <a:fillRect/>
           </a:stretch>
@@ -3146,7 +3252,7 @@
           <p:nvPr/>
         </p:nvPicPr>
         <p:blipFill>
-          <a:blip r:embed="rId3" cstate="print"/>
+          <a:blip r:embed="rId2" cstate="print"/>
           <a:stretch>
             <a:fillRect/>
           </a:stretch>
@@ -3300,7 +3406,7 @@
           <p:nvPr/>
         </p:nvPicPr>
         <p:blipFill>
-          <a:blip r:embed="rId4" cstate="print"/>
+          <a:blip r:embed="rId3" cstate="print"/>
           <a:stretch>
             <a:fillRect/>
           </a:stretch>
@@ -3332,7 +3438,6 @@
           <a:p>
             <a:fld id="{B6F15528-21DE-4FAA-801E-634DDDAF4B2B}" type="slidenum">
               <a:rPr/>
-              <a:t>10</a:t>
             </a:fld>
             <a:endParaRPr/>
           </a:p>
@@ -3572,7 +3677,6 @@
           <a:p>
             <a:fld id="{B6F15528-21DE-4FAA-801E-634DDDAF4B2B}" type="slidenum">
               <a:rPr/>
-              <a:t>11</a:t>
             </a:fld>
             <a:endParaRPr/>
           </a:p>
@@ -3792,7 +3896,6 @@
           <a:p>
             <a:fld id="{B6F15528-21DE-4FAA-801E-634DDDAF4B2B}" type="slidenum">
               <a:rPr/>
-              <a:t>12</a:t>
             </a:fld>
             <a:endParaRPr/>
           </a:p>
@@ -3892,6 +3995,7 @@
               <a:rPr spc="80" dirty="0"/>
               <a:t>Code</a:t>
             </a:r>
+            <a:endParaRPr spc="80" dirty="0"/>
           </a:p>
         </p:txBody>
       </p:sp>
@@ -3902,7 +4006,7 @@
           <p:nvPr/>
         </p:nvPicPr>
         <p:blipFill>
-          <a:blip r:embed="rId2" cstate="print"/>
+          <a:blip r:embed="rId1" cstate="print"/>
           <a:stretch>
             <a:fillRect/>
           </a:stretch>
@@ -3934,7 +4038,6 @@
           <a:p>
             <a:fld id="{B6F15528-21DE-4FAA-801E-634DDDAF4B2B}" type="slidenum">
               <a:rPr/>
-              <a:t>13</a:t>
             </a:fld>
             <a:endParaRPr/>
           </a:p>
@@ -4034,6 +4137,7 @@
               <a:rPr spc="80" dirty="0"/>
               <a:t>Code</a:t>
             </a:r>
+            <a:endParaRPr spc="80" dirty="0"/>
           </a:p>
         </p:txBody>
       </p:sp>
@@ -4098,9 +4202,7 @@
           <p:txBody>
             <a:bodyPr wrap="square" lIns="0" tIns="0" rIns="0" bIns="0" rtlCol="0"/>
             <a:lstStyle/>
-            <a:p>
-              <a:endParaRPr/>
-            </a:p>
+            <a:p/>
           </p:txBody>
         </p:sp>
         <p:sp>
@@ -4148,9 +4250,7 @@
           <p:txBody>
             <a:bodyPr wrap="square" lIns="0" tIns="0" rIns="0" bIns="0" rtlCol="0"/>
             <a:lstStyle/>
-            <a:p>
-              <a:endParaRPr/>
-            </a:p>
+            <a:p/>
           </p:txBody>
         </p:sp>
         <p:sp>
@@ -4200,9 +4300,7 @@
           <p:txBody>
             <a:bodyPr wrap="square" lIns="0" tIns="0" rIns="0" bIns="0" rtlCol="0"/>
             <a:lstStyle/>
-            <a:p>
-              <a:endParaRPr/>
-            </a:p>
+            <a:p/>
           </p:txBody>
         </p:sp>
       </p:grpSp>
@@ -4573,7 +4671,6 @@
           <a:p>
             <a:fld id="{B6F15528-21DE-4FAA-801E-634DDDAF4B2B}" type="slidenum">
               <a:rPr/>
-              <a:t>14</a:t>
             </a:fld>
             <a:endParaRPr/>
           </a:p>
@@ -4641,9 +4738,7 @@
         <p:txBody>
           <a:bodyPr wrap="square" lIns="0" tIns="0" rIns="0" bIns="0" rtlCol="0"/>
           <a:lstStyle/>
-          <a:p>
-            <a:endParaRPr/>
-          </a:p>
+          <a:p/>
         </p:txBody>
       </p:sp>
       <p:sp>
@@ -4683,9 +4778,7 @@
         <p:txBody>
           <a:bodyPr wrap="square" lIns="0" tIns="0" rIns="0" bIns="0" rtlCol="0"/>
           <a:lstStyle/>
-          <a:p>
-            <a:endParaRPr/>
-          </a:p>
+          <a:p/>
         </p:txBody>
       </p:sp>
       <p:sp>
@@ -4725,9 +4818,7 @@
         <p:txBody>
           <a:bodyPr wrap="square" lIns="0" tIns="0" rIns="0" bIns="0" rtlCol="0"/>
           <a:lstStyle/>
-          <a:p>
-            <a:endParaRPr/>
-          </a:p>
+          <a:p/>
         </p:txBody>
       </p:sp>
       <p:sp>
@@ -4791,6 +4882,7 @@
               <a:rPr spc="-5" dirty="0"/>
               <a:t>Guards</a:t>
             </a:r>
+            <a:endParaRPr spc="-5" dirty="0"/>
           </a:p>
         </p:txBody>
       </p:sp>
@@ -5199,7 +5291,7 @@
           <p:nvPr/>
         </p:nvPicPr>
         <p:blipFill>
-          <a:blip r:embed="rId2" cstate="print"/>
+          <a:blip r:embed="rId1" cstate="print"/>
           <a:stretch>
             <a:fillRect/>
           </a:stretch>
@@ -5221,7 +5313,7 @@
           <p:nvPr/>
         </p:nvPicPr>
         <p:blipFill>
-          <a:blip r:embed="rId3" cstate="print"/>
+          <a:blip r:embed="rId2" cstate="print"/>
           <a:stretch>
             <a:fillRect/>
           </a:stretch>
@@ -5243,7 +5335,7 @@
           <p:nvPr/>
         </p:nvPicPr>
         <p:blipFill>
-          <a:blip r:embed="rId4" cstate="print"/>
+          <a:blip r:embed="rId3" cstate="print"/>
           <a:stretch>
             <a:fillRect/>
           </a:stretch>
@@ -5275,7 +5367,6 @@
           <a:p>
             <a:fld id="{B6F15528-21DE-4FAA-801E-634DDDAF4B2B}" type="slidenum">
               <a:rPr/>
-              <a:t>15</a:t>
             </a:fld>
             <a:endParaRPr/>
           </a:p>
@@ -5343,9 +5434,7 @@
         <p:txBody>
           <a:bodyPr wrap="square" lIns="0" tIns="0" rIns="0" bIns="0" rtlCol="0"/>
           <a:lstStyle/>
-          <a:p>
-            <a:endParaRPr/>
-          </a:p>
+          <a:p/>
         </p:txBody>
       </p:sp>
       <p:sp>
@@ -5897,7 +5986,7 @@
           <p:nvPr/>
         </p:nvPicPr>
         <p:blipFill>
-          <a:blip r:embed="rId2" cstate="print"/>
+          <a:blip r:embed="rId1" cstate="print"/>
           <a:stretch>
             <a:fillRect/>
           </a:stretch>
@@ -5973,6 +6062,7 @@
               <a:rPr spc="-5" dirty="0"/>
               <a:t>Guards</a:t>
             </a:r>
+            <a:endParaRPr spc="-5" dirty="0"/>
           </a:p>
         </p:txBody>
       </p:sp>
@@ -5993,7 +6083,6 @@
           <a:p>
             <a:fld id="{B6F15528-21DE-4FAA-801E-634DDDAF4B2B}" type="slidenum">
               <a:rPr/>
-              <a:t>16</a:t>
             </a:fld>
             <a:endParaRPr/>
           </a:p>
@@ -6077,6 +6166,7 @@
               <a:rPr spc="45" dirty="0"/>
               <a:t>Guard</a:t>
             </a:r>
+            <a:endParaRPr spc="45" dirty="0"/>
           </a:p>
         </p:txBody>
       </p:sp>
@@ -6141,9 +6231,7 @@
           <p:txBody>
             <a:bodyPr wrap="square" lIns="0" tIns="0" rIns="0" bIns="0" rtlCol="0"/>
             <a:lstStyle/>
-            <a:p>
-              <a:endParaRPr/>
-            </a:p>
+            <a:p/>
           </p:txBody>
         </p:sp>
         <p:sp>
@@ -6191,9 +6279,7 @@
           <p:txBody>
             <a:bodyPr wrap="square" lIns="0" tIns="0" rIns="0" bIns="0" rtlCol="0"/>
             <a:lstStyle/>
-            <a:p>
-              <a:endParaRPr/>
-            </a:p>
+            <a:p/>
           </p:txBody>
         </p:sp>
         <p:sp>
@@ -6243,9 +6329,7 @@
           <p:txBody>
             <a:bodyPr wrap="square" lIns="0" tIns="0" rIns="0" bIns="0" rtlCol="0"/>
             <a:lstStyle/>
-            <a:p>
-              <a:endParaRPr/>
-            </a:p>
+            <a:p/>
           </p:txBody>
         </p:sp>
       </p:grpSp>
@@ -6756,7 +6840,6 @@
           <a:p>
             <a:fld id="{B6F15528-21DE-4FAA-801E-634DDDAF4B2B}" type="slidenum">
               <a:rPr/>
-              <a:t>17</a:t>
             </a:fld>
             <a:endParaRPr/>
           </a:p>
@@ -6840,6 +6923,7 @@
               <a:rPr spc="45" dirty="0"/>
               <a:t>Guard</a:t>
             </a:r>
+            <a:endParaRPr spc="45" dirty="0"/>
           </a:p>
         </p:txBody>
       </p:sp>
@@ -6902,9 +6986,7 @@
           <p:txBody>
             <a:bodyPr wrap="square" lIns="0" tIns="0" rIns="0" bIns="0" rtlCol="0"/>
             <a:lstStyle/>
-            <a:p>
-              <a:endParaRPr/>
-            </a:p>
+            <a:p/>
           </p:txBody>
         </p:sp>
         <p:sp>
@@ -6954,9 +7036,7 @@
           <p:txBody>
             <a:bodyPr wrap="square" lIns="0" tIns="0" rIns="0" bIns="0" rtlCol="0"/>
             <a:lstStyle/>
-            <a:p>
-              <a:endParaRPr/>
-            </a:p>
+            <a:p/>
           </p:txBody>
         </p:sp>
         <p:sp>
@@ -7006,9 +7086,7 @@
           <p:txBody>
             <a:bodyPr wrap="square" lIns="0" tIns="0" rIns="0" bIns="0" rtlCol="0"/>
             <a:lstStyle/>
-            <a:p>
-              <a:endParaRPr/>
-            </a:p>
+            <a:p/>
           </p:txBody>
         </p:sp>
       </p:grpSp>
@@ -7606,7 +7684,6 @@
           <a:p>
             <a:fld id="{B6F15528-21DE-4FAA-801E-634DDDAF4B2B}" type="slidenum">
               <a:rPr/>
-              <a:t>18</a:t>
             </a:fld>
             <a:endParaRPr/>
           </a:p>
@@ -7826,7 +7903,6 @@
           <a:p>
             <a:fld id="{B6F15528-21DE-4FAA-801E-634DDDAF4B2B}" type="slidenum">
               <a:rPr/>
-              <a:t>19</a:t>
             </a:fld>
             <a:endParaRPr/>
           </a:p>
@@ -7902,9 +7978,7 @@
         <p:txBody>
           <a:bodyPr wrap="square" lIns="0" tIns="0" rIns="0" bIns="0" rtlCol="0"/>
           <a:lstStyle/>
-          <a:p>
-            <a:endParaRPr/>
-          </a:p>
+          <a:p/>
         </p:txBody>
       </p:sp>
       <p:pic>
@@ -7914,7 +7988,7 @@
           <p:nvPr/>
         </p:nvPicPr>
         <p:blipFill>
-          <a:blip r:embed="rId2" cstate="print"/>
+          <a:blip r:embed="rId1" cstate="print"/>
           <a:stretch>
             <a:fillRect/>
           </a:stretch>
@@ -7946,7 +8020,6 @@
           <a:p>
             <a:fld id="{B6F15528-21DE-4FAA-801E-634DDDAF4B2B}" type="slidenum">
               <a:rPr/>
-              <a:t>2</a:t>
             </a:fld>
             <a:endParaRPr/>
           </a:p>
@@ -7961,7 +8034,7 @@
 </file>
 
 <file path=ppt/slides/slide20.xml><?xml version="1.0" encoding="utf-8"?>
-<p:sld xmlns:a="http://schemas.openxmlformats.org/drawingml/2006/main" xmlns:r="http://schemas.openxmlformats.org/officeDocument/2006/relationships" xmlns:p="http://schemas.openxmlformats.org/presentationml/2006/main" showMasterSp="0">
+<p:sld xmlns:a="http://schemas.openxmlformats.org/drawingml/2006/main" xmlns:r="http://schemas.openxmlformats.org/officeDocument/2006/relationships" xmlns:p="http://schemas.openxmlformats.org/presentationml/2006/main">
   <p:cSld>
     <p:spTree>
       <p:nvGrpSpPr>
@@ -7969,207 +8042,11 @@
         <p:cNvGrpSpPr/>
         <p:nvPr/>
       </p:nvGrpSpPr>
-      <p:grpSpPr>
-        <a:xfrm>
-          <a:off x="0" y="0"/>
-          <a:ext cx="0" cy="0"/>
-          <a:chOff x="0" y="0"/>
-          <a:chExt cx="0" cy="0"/>
-        </a:xfrm>
-      </p:grpSpPr>
-      <p:grpSp>
-        <p:nvGrpSpPr>
-          <p:cNvPr id="2" name="object 2"/>
-          <p:cNvGrpSpPr/>
-          <p:nvPr/>
-        </p:nvGrpSpPr>
-        <p:grpSpPr>
-          <a:xfrm>
-            <a:off x="0" y="0"/>
-            <a:ext cx="3657600" cy="10287000"/>
-            <a:chOff x="0" y="0"/>
-            <a:chExt cx="3657600" cy="10287000"/>
-          </a:xfrm>
-        </p:grpSpPr>
-        <p:sp>
-          <p:nvSpPr>
-            <p:cNvPr id="3" name="object 3"/>
-            <p:cNvSpPr/>
-            <p:nvPr/>
-          </p:nvSpPr>
-          <p:spPr>
-            <a:xfrm>
-              <a:off x="0" y="0"/>
-              <a:ext cx="3657600" cy="10287000"/>
-            </a:xfrm>
-            <a:custGeom>
-              <a:avLst/>
-              <a:gdLst/>
-              <a:ahLst/>
-              <a:cxnLst/>
-              <a:rect l="l" t="t" r="r" b="b"/>
-              <a:pathLst>
-                <a:path w="3657600" h="10287000">
-                  <a:moveTo>
-                    <a:pt x="3657600" y="0"/>
-                  </a:moveTo>
-                  <a:lnTo>
-                    <a:pt x="0" y="0"/>
-                  </a:lnTo>
-                  <a:lnTo>
-                    <a:pt x="0" y="10286999"/>
-                  </a:lnTo>
-                  <a:lnTo>
-                    <a:pt x="3657600" y="10286999"/>
-                  </a:lnTo>
-                  <a:lnTo>
-                    <a:pt x="3657600" y="0"/>
-                  </a:lnTo>
-                  <a:close/>
-                </a:path>
-              </a:pathLst>
-            </a:custGeom>
-            <a:solidFill>
-              <a:srgbClr val="9BC850"/>
-            </a:solidFill>
-          </p:spPr>
-          <p:txBody>
-            <a:bodyPr wrap="square" lIns="0" tIns="0" rIns="0" bIns="0" rtlCol="0"/>
-            <a:lstStyle/>
-            <a:p>
-              <a:endParaRPr/>
-            </a:p>
-          </p:txBody>
-        </p:sp>
-        <p:sp>
-          <p:nvSpPr>
-            <p:cNvPr id="4" name="object 4"/>
-            <p:cNvSpPr/>
-            <p:nvPr/>
-          </p:nvSpPr>
-          <p:spPr>
-            <a:xfrm>
-              <a:off x="320736" y="4016010"/>
-              <a:ext cx="2689225" cy="2255520"/>
-            </a:xfrm>
-            <a:custGeom>
-              <a:avLst/>
-              <a:gdLst/>
-              <a:ahLst/>
-              <a:cxnLst/>
-              <a:rect l="l" t="t" r="r" b="b"/>
-              <a:pathLst>
-                <a:path w="2689225" h="2255520">
-                  <a:moveTo>
-                    <a:pt x="2688950" y="0"/>
-                  </a:moveTo>
-                  <a:lnTo>
-                    <a:pt x="0" y="0"/>
-                  </a:lnTo>
-                  <a:lnTo>
-                    <a:pt x="0" y="2254977"/>
-                  </a:lnTo>
-                  <a:lnTo>
-                    <a:pt x="2688950" y="2254977"/>
-                  </a:lnTo>
-                  <a:lnTo>
-                    <a:pt x="2688950" y="0"/>
-                  </a:lnTo>
-                  <a:close/>
-                </a:path>
-              </a:pathLst>
-            </a:custGeom>
-            <a:solidFill>
-              <a:srgbClr val="FFFFFF"/>
-            </a:solidFill>
-          </p:spPr>
-          <p:txBody>
-            <a:bodyPr wrap="square" lIns="0" tIns="0" rIns="0" bIns="0" rtlCol="0"/>
-            <a:lstStyle/>
-            <a:p>
-              <a:endParaRPr/>
-            </a:p>
-          </p:txBody>
-        </p:sp>
-        <p:sp>
-          <p:nvSpPr>
-            <p:cNvPr id="5" name="object 5"/>
-            <p:cNvSpPr/>
-            <p:nvPr/>
-          </p:nvSpPr>
-          <p:spPr>
-            <a:xfrm>
-              <a:off x="320736" y="4016010"/>
-              <a:ext cx="2689225" cy="2255520"/>
-            </a:xfrm>
-            <a:custGeom>
-              <a:avLst/>
-              <a:gdLst/>
-              <a:ahLst/>
-              <a:cxnLst/>
-              <a:rect l="l" t="t" r="r" b="b"/>
-              <a:pathLst>
-                <a:path w="2689225" h="2255520">
-                  <a:moveTo>
-                    <a:pt x="0" y="0"/>
-                  </a:moveTo>
-                  <a:lnTo>
-                    <a:pt x="2688951" y="0"/>
-                  </a:lnTo>
-                  <a:lnTo>
-                    <a:pt x="2688951" y="2254977"/>
-                  </a:lnTo>
-                  <a:lnTo>
-                    <a:pt x="0" y="2254977"/>
-                  </a:lnTo>
-                  <a:lnTo>
-                    <a:pt x="0" y="0"/>
-                  </a:lnTo>
-                  <a:close/>
-                </a:path>
-              </a:pathLst>
-            </a:custGeom>
-            <a:ln w="50800">
-              <a:solidFill>
-                <a:srgbClr val="9BC850"/>
-              </a:solidFill>
-            </a:ln>
-          </p:spPr>
-          <p:txBody>
-            <a:bodyPr wrap="square" lIns="0" tIns="0" rIns="0" bIns="0" rtlCol="0"/>
-            <a:lstStyle/>
-            <a:p>
-              <a:endParaRPr/>
-            </a:p>
-          </p:txBody>
-        </p:sp>
-        <p:pic>
-          <p:nvPicPr>
-            <p:cNvPr id="6" name="object 6"/>
-            <p:cNvPicPr/>
-            <p:nvPr/>
-          </p:nvPicPr>
-          <p:blipFill>
-            <a:blip r:embed="rId2" cstate="print"/>
-            <a:stretch>
-              <a:fillRect/>
-            </a:stretch>
-          </p:blipFill>
-          <p:spPr>
-            <a:xfrm>
-              <a:off x="729004" y="4411124"/>
-              <a:ext cx="1872414" cy="1464749"/>
-            </a:xfrm>
-            <a:prstGeom prst="rect">
-              <a:avLst/>
-            </a:prstGeom>
-          </p:spPr>
-        </p:pic>
-      </p:grpSp>
+      <p:grpSpPr/>
       <p:sp>
         <p:nvSpPr>
-          <p:cNvPr id="7" name="object 7"/>
-          <p:cNvSpPr txBox="1">
+          <p:cNvPr id="9" name="Title 8"/>
+          <p:cNvSpPr>
             <a:spLocks noGrp="1"/>
           </p:cNvSpPr>
           <p:nvPr>
@@ -8178,970 +8055,25 @@
         </p:nvSpPr>
         <p:spPr>
           <a:xfrm>
-            <a:off x="286181" y="374395"/>
-            <a:ext cx="2292350" cy="2165350"/>
+            <a:off x="3810285" y="190500"/>
+            <a:ext cx="10713148" cy="861695"/>
           </a:xfrm>
-          <a:prstGeom prst="rect">
-            <a:avLst/>
-          </a:prstGeom>
         </p:spPr>
         <p:txBody>
-          <a:bodyPr vert="horz" wrap="square" lIns="0" tIns="30480" rIns="0" bIns="0" rtlCol="0">
-            <a:spAutoFit/>
-          </a:bodyPr>
-          <a:lstStyle/>
+          <a:bodyPr/>
           <a:p>
-            <a:pPr marL="12700" marR="5080" indent="5715">
-              <a:lnSpc>
-                <a:spcPct val="97000"/>
-              </a:lnSpc>
-              <a:spcBef>
-                <a:spcPts val="240"/>
-              </a:spcBef>
-            </a:pPr>
-            <a:r>
-              <a:rPr sz="3600" b="1" spc="10" dirty="0">
-                <a:solidFill>
-                  <a:srgbClr val="727272"/>
-                </a:solidFill>
-                <a:latin typeface="Arial" panose="020B0604020202020204"/>
-                <a:cs typeface="Arial" panose="020B0604020202020204"/>
-              </a:rPr>
-              <a:t>General </a:t>
-            </a:r>
-            <a:r>
-              <a:rPr sz="3600" b="1" spc="15" dirty="0">
-                <a:solidFill>
-                  <a:srgbClr val="727272"/>
-                </a:solidFill>
-                <a:latin typeface="Arial" panose="020B0604020202020204"/>
-                <a:cs typeface="Arial" panose="020B0604020202020204"/>
-              </a:rPr>
-              <a:t> </a:t>
-            </a:r>
-            <a:r>
-              <a:rPr sz="3600" b="1" spc="-40" dirty="0">
-                <a:solidFill>
-                  <a:srgbClr val="727272"/>
-                </a:solidFill>
-                <a:latin typeface="Arial" panose="020B0604020202020204"/>
-                <a:cs typeface="Arial" panose="020B0604020202020204"/>
-              </a:rPr>
-              <a:t>Checklist: </a:t>
-            </a:r>
-            <a:r>
-              <a:rPr sz="3600" b="1" spc="-990" dirty="0">
-                <a:solidFill>
-                  <a:srgbClr val="727272"/>
-                </a:solidFill>
-                <a:latin typeface="Arial" panose="020B0604020202020204"/>
-                <a:cs typeface="Arial" panose="020B0604020202020204"/>
-              </a:rPr>
-              <a:t> </a:t>
-            </a:r>
-            <a:r>
-              <a:rPr sz="3600" b="1" spc="-25" dirty="0">
-                <a:solidFill>
-                  <a:srgbClr val="FFFFFF"/>
-                </a:solidFill>
-                <a:latin typeface="Arial" panose="020B0604020202020204"/>
-                <a:cs typeface="Arial" panose="020B0604020202020204"/>
-              </a:rPr>
-              <a:t>Null </a:t>
-            </a:r>
-            <a:r>
-              <a:rPr sz="3600" b="1" spc="-10" dirty="0">
-                <a:solidFill>
-                  <a:srgbClr val="FFFFFF"/>
-                </a:solidFill>
-                <a:latin typeface="Arial" panose="020B0604020202020204"/>
-                <a:cs typeface="Arial" panose="020B0604020202020204"/>
-              </a:rPr>
-              <a:t>and </a:t>
-            </a:r>
-            <a:r>
-              <a:rPr sz="3600" b="1" spc="-5" dirty="0">
-                <a:solidFill>
-                  <a:srgbClr val="FFFFFF"/>
-                </a:solidFill>
-                <a:latin typeface="Arial" panose="020B0604020202020204"/>
-                <a:cs typeface="Arial" panose="020B0604020202020204"/>
-              </a:rPr>
-              <a:t> </a:t>
-            </a:r>
-            <a:r>
-              <a:rPr sz="3600" b="1" spc="-30" dirty="0">
-                <a:solidFill>
-                  <a:srgbClr val="FFFFFF"/>
-                </a:solidFill>
-                <a:latin typeface="Arial" panose="020B0604020202020204"/>
-                <a:cs typeface="Arial" panose="020B0604020202020204"/>
-              </a:rPr>
-              <a:t>U</a:t>
-            </a:r>
-            <a:r>
-              <a:rPr sz="3600" b="1" spc="-20" dirty="0">
-                <a:solidFill>
-                  <a:srgbClr val="FFFFFF"/>
-                </a:solidFill>
-                <a:latin typeface="Arial" panose="020B0604020202020204"/>
-                <a:cs typeface="Arial" panose="020B0604020202020204"/>
-              </a:rPr>
-              <a:t>n</a:t>
-            </a:r>
-            <a:r>
-              <a:rPr sz="3600" b="1" spc="25" dirty="0">
-                <a:solidFill>
-                  <a:srgbClr val="FFFFFF"/>
-                </a:solidFill>
-                <a:latin typeface="Arial" panose="020B0604020202020204"/>
-                <a:cs typeface="Arial" panose="020B0604020202020204"/>
-              </a:rPr>
-              <a:t>d</a:t>
-            </a:r>
-            <a:r>
-              <a:rPr sz="3600" b="1" spc="114" dirty="0">
-                <a:solidFill>
-                  <a:srgbClr val="FFFFFF"/>
-                </a:solidFill>
-                <a:latin typeface="Arial" panose="020B0604020202020204"/>
-                <a:cs typeface="Arial" panose="020B0604020202020204"/>
-              </a:rPr>
-              <a:t>e</a:t>
-            </a:r>
-            <a:r>
-              <a:rPr sz="3600" b="1" spc="55" dirty="0">
-                <a:solidFill>
-                  <a:srgbClr val="FFFFFF"/>
-                </a:solidFill>
-                <a:latin typeface="Arial" panose="020B0604020202020204"/>
-                <a:cs typeface="Arial" panose="020B0604020202020204"/>
-              </a:rPr>
-              <a:t>f</a:t>
-            </a:r>
-            <a:r>
-              <a:rPr sz="3600" b="1" spc="-65" dirty="0">
-                <a:solidFill>
-                  <a:srgbClr val="FFFFFF"/>
-                </a:solidFill>
-                <a:latin typeface="Arial" panose="020B0604020202020204"/>
-                <a:cs typeface="Arial" panose="020B0604020202020204"/>
-              </a:rPr>
-              <a:t>i</a:t>
-            </a:r>
-            <a:r>
-              <a:rPr sz="3600" b="1" spc="-20" dirty="0">
-                <a:solidFill>
-                  <a:srgbClr val="FFFFFF"/>
-                </a:solidFill>
-                <a:latin typeface="Arial" panose="020B0604020202020204"/>
-                <a:cs typeface="Arial" panose="020B0604020202020204"/>
-              </a:rPr>
-              <a:t>n</a:t>
-            </a:r>
-            <a:r>
-              <a:rPr sz="3600" b="1" spc="114" dirty="0">
-                <a:solidFill>
-                  <a:srgbClr val="FFFFFF"/>
-                </a:solidFill>
-                <a:latin typeface="Arial" panose="020B0604020202020204"/>
-                <a:cs typeface="Arial" panose="020B0604020202020204"/>
-              </a:rPr>
-              <a:t>e</a:t>
-            </a:r>
-            <a:r>
-              <a:rPr sz="3600" b="1" spc="25" dirty="0">
-                <a:solidFill>
-                  <a:srgbClr val="FFFFFF"/>
-                </a:solidFill>
-                <a:latin typeface="Arial" panose="020B0604020202020204"/>
-                <a:cs typeface="Arial" panose="020B0604020202020204"/>
-              </a:rPr>
-              <a:t>d</a:t>
-            </a:r>
-            <a:endParaRPr sz="3600">
-              <a:latin typeface="Arial" panose="020B0604020202020204"/>
-              <a:cs typeface="Arial" panose="020B0604020202020204"/>
-            </a:endParaRPr>
+            <a:pPr algn="ctr"/>
+            <a:r>
+              <a:rPr lang="en-US"/>
+              <a:t>Angular Routing Events</a:t>
+            </a:r>
+            <a:endParaRPr lang="en-US"/>
           </a:p>
         </p:txBody>
       </p:sp>
       <p:sp>
         <p:nvSpPr>
-          <p:cNvPr id="8" name="object 8"/>
-          <p:cNvSpPr txBox="1"/>
-          <p:nvPr/>
-        </p:nvSpPr>
-        <p:spPr>
-          <a:xfrm>
-            <a:off x="4072049" y="2648204"/>
-            <a:ext cx="9890760" cy="1120140"/>
-          </a:xfrm>
-          <a:prstGeom prst="rect">
-            <a:avLst/>
-          </a:prstGeom>
-        </p:spPr>
-        <p:txBody>
-          <a:bodyPr vert="horz" wrap="square" lIns="0" tIns="12700" rIns="0" bIns="0" rtlCol="0">
-            <a:spAutoFit/>
-          </a:bodyPr>
-          <a:lstStyle/>
-          <a:p>
-            <a:pPr marL="12700">
-              <a:lnSpc>
-                <a:spcPts val="4310"/>
-              </a:lnSpc>
-              <a:spcBef>
-                <a:spcPts val="100"/>
-              </a:spcBef>
-            </a:pPr>
-            <a:r>
-              <a:rPr sz="3600" b="1" spc="30" dirty="0">
-                <a:solidFill>
-                  <a:srgbClr val="9BC850"/>
-                </a:solidFill>
-                <a:latin typeface="Arial" panose="020B0604020202020204"/>
-                <a:cs typeface="Arial" panose="020B0604020202020204"/>
-              </a:rPr>
-              <a:t>Prevent</a:t>
-            </a:r>
-            <a:r>
-              <a:rPr sz="3600" b="1" spc="-60" dirty="0">
-                <a:solidFill>
-                  <a:srgbClr val="9BC850"/>
-                </a:solidFill>
-                <a:latin typeface="Arial" panose="020B0604020202020204"/>
-                <a:cs typeface="Arial" panose="020B0604020202020204"/>
-              </a:rPr>
-              <a:t> </a:t>
-            </a:r>
-            <a:r>
-              <a:rPr sz="3600" b="1" spc="-40" dirty="0">
-                <a:solidFill>
-                  <a:srgbClr val="9BC850"/>
-                </a:solidFill>
-                <a:latin typeface="Arial" panose="020B0604020202020204"/>
-                <a:cs typeface="Arial" panose="020B0604020202020204"/>
-              </a:rPr>
-              <a:t>null</a:t>
-            </a:r>
-            <a:r>
-              <a:rPr sz="3600" b="1" spc="-60" dirty="0">
-                <a:solidFill>
-                  <a:srgbClr val="9BC850"/>
-                </a:solidFill>
-                <a:latin typeface="Arial" panose="020B0604020202020204"/>
-                <a:cs typeface="Arial" panose="020B0604020202020204"/>
-              </a:rPr>
-              <a:t> </a:t>
-            </a:r>
-            <a:r>
-              <a:rPr sz="3600" b="1" spc="-50" dirty="0">
-                <a:solidFill>
-                  <a:srgbClr val="9BC850"/>
-                </a:solidFill>
-                <a:latin typeface="Arial" panose="020B0604020202020204"/>
-                <a:cs typeface="Arial" panose="020B0604020202020204"/>
-              </a:rPr>
-              <a:t>or</a:t>
-            </a:r>
-            <a:r>
-              <a:rPr sz="3600" b="1" spc="-60" dirty="0">
-                <a:solidFill>
-                  <a:srgbClr val="9BC850"/>
-                </a:solidFill>
-                <a:latin typeface="Arial" panose="020B0604020202020204"/>
-                <a:cs typeface="Arial" panose="020B0604020202020204"/>
-              </a:rPr>
-              <a:t> </a:t>
-            </a:r>
-            <a:r>
-              <a:rPr sz="3600" b="1" spc="25" dirty="0">
-                <a:solidFill>
-                  <a:srgbClr val="9BC850"/>
-                </a:solidFill>
-                <a:latin typeface="Arial" panose="020B0604020202020204"/>
-                <a:cs typeface="Arial" panose="020B0604020202020204"/>
-              </a:rPr>
-              <a:t>undefined</a:t>
-            </a:r>
-            <a:r>
-              <a:rPr sz="3600" b="1" spc="-60" dirty="0">
-                <a:solidFill>
-                  <a:srgbClr val="9BC850"/>
-                </a:solidFill>
-                <a:latin typeface="Arial" panose="020B0604020202020204"/>
-                <a:cs typeface="Arial" panose="020B0604020202020204"/>
-              </a:rPr>
-              <a:t> errors</a:t>
-            </a:r>
-            <a:r>
-              <a:rPr sz="3600" b="1" spc="-55" dirty="0">
-                <a:solidFill>
-                  <a:srgbClr val="9BC850"/>
-                </a:solidFill>
-                <a:latin typeface="Arial" panose="020B0604020202020204"/>
-                <a:cs typeface="Arial" panose="020B0604020202020204"/>
-              </a:rPr>
-              <a:t> </a:t>
-            </a:r>
-            <a:r>
-              <a:rPr sz="3600" b="1" spc="-45" dirty="0">
-                <a:solidFill>
-                  <a:srgbClr val="9BC850"/>
-                </a:solidFill>
-                <a:latin typeface="Arial" panose="020B0604020202020204"/>
-                <a:cs typeface="Arial" panose="020B0604020202020204"/>
-              </a:rPr>
-              <a:t>in</a:t>
-            </a:r>
-            <a:r>
-              <a:rPr sz="3600" b="1" spc="-55" dirty="0">
-                <a:solidFill>
-                  <a:srgbClr val="9BC850"/>
-                </a:solidFill>
-                <a:latin typeface="Arial" panose="020B0604020202020204"/>
-                <a:cs typeface="Arial" panose="020B0604020202020204"/>
-              </a:rPr>
-              <a:t> </a:t>
-            </a:r>
-            <a:r>
-              <a:rPr sz="3600" b="1" spc="-30" dirty="0">
-                <a:solidFill>
-                  <a:srgbClr val="9BC850"/>
-                </a:solidFill>
-                <a:latin typeface="Arial" panose="020B0604020202020204"/>
-                <a:cs typeface="Arial" panose="020B0604020202020204"/>
-              </a:rPr>
-              <a:t>a</a:t>
-            </a:r>
-            <a:r>
-              <a:rPr sz="3600" b="1" spc="-60" dirty="0">
-                <a:solidFill>
-                  <a:srgbClr val="9BC850"/>
-                </a:solidFill>
-                <a:latin typeface="Arial" panose="020B0604020202020204"/>
-                <a:cs typeface="Arial" panose="020B0604020202020204"/>
-              </a:rPr>
-              <a:t> </a:t>
-            </a:r>
-            <a:r>
-              <a:rPr sz="3600" b="1" spc="50" dirty="0">
-                <a:solidFill>
-                  <a:srgbClr val="9BC850"/>
-                </a:solidFill>
-                <a:latin typeface="Arial" panose="020B0604020202020204"/>
-                <a:cs typeface="Arial" panose="020B0604020202020204"/>
-              </a:rPr>
-              <a:t>template</a:t>
-            </a:r>
-            <a:endParaRPr sz="3600">
-              <a:latin typeface="Arial" panose="020B0604020202020204"/>
-              <a:cs typeface="Arial" panose="020B0604020202020204"/>
-            </a:endParaRPr>
-          </a:p>
-          <a:p>
-            <a:pPr marL="364490">
-              <a:lnSpc>
-                <a:spcPts val="4310"/>
-              </a:lnSpc>
-              <a:tabLst>
-                <a:tab pos="797560" algn="l"/>
-              </a:tabLst>
-            </a:pPr>
-            <a:r>
-              <a:rPr sz="2700" dirty="0">
-                <a:solidFill>
-                  <a:srgbClr val="9BC850"/>
-                </a:solidFill>
-                <a:latin typeface="Lucida Sans Unicode" panose="020B0602030504020204"/>
-                <a:cs typeface="Lucida Sans Unicode" panose="020B0602030504020204"/>
-              </a:rPr>
-              <a:t>-	</a:t>
-            </a:r>
-            <a:r>
-              <a:rPr sz="3600" b="1" spc="-25" dirty="0">
-                <a:solidFill>
-                  <a:srgbClr val="9BC850"/>
-                </a:solidFill>
-                <a:latin typeface="Arial" panose="020B0604020202020204"/>
-                <a:cs typeface="Arial" panose="020B0604020202020204"/>
-              </a:rPr>
-              <a:t>Safe</a:t>
-            </a:r>
-            <a:r>
-              <a:rPr sz="3600" b="1" spc="-70" dirty="0">
-                <a:solidFill>
-                  <a:srgbClr val="9BC850"/>
-                </a:solidFill>
-                <a:latin typeface="Arial" panose="020B0604020202020204"/>
-                <a:cs typeface="Arial" panose="020B0604020202020204"/>
-              </a:rPr>
-              <a:t> </a:t>
-            </a:r>
-            <a:r>
-              <a:rPr sz="3600" b="1" spc="-20" dirty="0">
-                <a:solidFill>
-                  <a:srgbClr val="9BC850"/>
-                </a:solidFill>
-                <a:latin typeface="Arial" panose="020B0604020202020204"/>
-                <a:cs typeface="Arial" panose="020B0604020202020204"/>
-              </a:rPr>
-              <a:t>navigation</a:t>
-            </a:r>
-            <a:r>
-              <a:rPr sz="3600" b="1" spc="-70" dirty="0">
-                <a:solidFill>
-                  <a:srgbClr val="9BC850"/>
-                </a:solidFill>
-                <a:latin typeface="Arial" panose="020B0604020202020204"/>
-                <a:cs typeface="Arial" panose="020B0604020202020204"/>
-              </a:rPr>
-              <a:t> </a:t>
-            </a:r>
-            <a:r>
-              <a:rPr sz="3600" b="1" spc="10" dirty="0">
-                <a:solidFill>
-                  <a:srgbClr val="9BC850"/>
-                </a:solidFill>
-                <a:latin typeface="Arial" panose="020B0604020202020204"/>
-                <a:cs typeface="Arial" panose="020B0604020202020204"/>
-              </a:rPr>
-              <a:t>operator</a:t>
-            </a:r>
-            <a:r>
-              <a:rPr sz="3600" b="1" spc="-75" dirty="0">
-                <a:solidFill>
-                  <a:srgbClr val="9BC850"/>
-                </a:solidFill>
-                <a:latin typeface="Arial" panose="020B0604020202020204"/>
-                <a:cs typeface="Arial" panose="020B0604020202020204"/>
-              </a:rPr>
-              <a:t> </a:t>
-            </a:r>
-            <a:r>
-              <a:rPr sz="3600" b="1" spc="-95" dirty="0">
-                <a:solidFill>
-                  <a:srgbClr val="9BC850"/>
-                </a:solidFill>
-                <a:latin typeface="Arial" panose="020B0604020202020204"/>
-                <a:cs typeface="Arial" panose="020B0604020202020204"/>
-              </a:rPr>
-              <a:t>(?)</a:t>
-            </a:r>
-            <a:endParaRPr sz="3600">
-              <a:latin typeface="Arial" panose="020B0604020202020204"/>
-              <a:cs typeface="Arial" panose="020B0604020202020204"/>
-            </a:endParaRPr>
-          </a:p>
-        </p:txBody>
-      </p:sp>
-      <p:sp>
-        <p:nvSpPr>
-          <p:cNvPr id="9" name="object 9"/>
-          <p:cNvSpPr txBox="1"/>
-          <p:nvPr/>
-        </p:nvSpPr>
-        <p:spPr>
-          <a:xfrm>
-            <a:off x="4424156" y="5391403"/>
-            <a:ext cx="3536315" cy="574040"/>
-          </a:xfrm>
-          <a:prstGeom prst="rect">
-            <a:avLst/>
-          </a:prstGeom>
-        </p:spPr>
-        <p:txBody>
-          <a:bodyPr vert="horz" wrap="square" lIns="0" tIns="12700" rIns="0" bIns="0" rtlCol="0">
-            <a:spAutoFit/>
-          </a:bodyPr>
-          <a:lstStyle/>
-          <a:p>
-            <a:pPr marL="12700">
-              <a:lnSpc>
-                <a:spcPct val="100000"/>
-              </a:lnSpc>
-              <a:spcBef>
-                <a:spcPts val="100"/>
-              </a:spcBef>
-              <a:tabLst>
-                <a:tab pos="444500" algn="l"/>
-              </a:tabLst>
-            </a:pPr>
-            <a:r>
-              <a:rPr sz="2700" dirty="0">
-                <a:solidFill>
-                  <a:srgbClr val="9BC850"/>
-                </a:solidFill>
-                <a:latin typeface="Lucida Sans Unicode" panose="020B0602030504020204"/>
-                <a:cs typeface="Lucida Sans Unicode" panose="020B0602030504020204"/>
-              </a:rPr>
-              <a:t>-	</a:t>
-            </a:r>
-            <a:r>
-              <a:rPr sz="3600" b="1" spc="25" dirty="0">
-                <a:solidFill>
-                  <a:srgbClr val="9BC850"/>
-                </a:solidFill>
-                <a:latin typeface="Arial" panose="020B0604020202020204"/>
-                <a:cs typeface="Arial" panose="020B0604020202020204"/>
-              </a:rPr>
-              <a:t>*ngIf</a:t>
-            </a:r>
-            <a:r>
-              <a:rPr sz="3600" b="1" spc="-130" dirty="0">
-                <a:solidFill>
-                  <a:srgbClr val="9BC850"/>
-                </a:solidFill>
-                <a:latin typeface="Arial" panose="020B0604020202020204"/>
-                <a:cs typeface="Arial" panose="020B0604020202020204"/>
-              </a:rPr>
-              <a:t> </a:t>
-            </a:r>
-            <a:r>
-              <a:rPr sz="3600" b="1" spc="35" dirty="0">
-                <a:solidFill>
-                  <a:srgbClr val="9BC850"/>
-                </a:solidFill>
-                <a:latin typeface="Arial" panose="020B0604020202020204"/>
-                <a:cs typeface="Arial" panose="020B0604020202020204"/>
-              </a:rPr>
-              <a:t>directive</a:t>
-            </a:r>
-            <a:endParaRPr sz="3600">
-              <a:latin typeface="Arial" panose="020B0604020202020204"/>
-              <a:cs typeface="Arial" panose="020B0604020202020204"/>
-            </a:endParaRPr>
-          </a:p>
-        </p:txBody>
-      </p:sp>
-      <p:sp>
-        <p:nvSpPr>
-          <p:cNvPr id="10" name="object 10"/>
-          <p:cNvSpPr txBox="1"/>
-          <p:nvPr/>
-        </p:nvSpPr>
-        <p:spPr>
-          <a:xfrm>
-            <a:off x="4831079" y="3854733"/>
-            <a:ext cx="9154160" cy="508000"/>
-          </a:xfrm>
-          <a:prstGeom prst="rect">
-            <a:avLst/>
-          </a:prstGeom>
-          <a:ln w="12700">
-            <a:solidFill>
-              <a:srgbClr val="9BC850"/>
-            </a:solidFill>
-          </a:ln>
-        </p:spPr>
-        <p:txBody>
-          <a:bodyPr vert="horz" wrap="square" lIns="0" tIns="20320" rIns="0" bIns="0" rtlCol="0">
-            <a:spAutoFit/>
-          </a:bodyPr>
-          <a:lstStyle/>
-          <a:p>
-            <a:pPr marL="91440">
-              <a:lnSpc>
-                <a:spcPct val="100000"/>
-              </a:lnSpc>
-              <a:spcBef>
-                <a:spcPts val="160"/>
-              </a:spcBef>
-            </a:pPr>
-            <a:r>
-              <a:rPr sz="2700" dirty="0">
-                <a:latin typeface="Consolas" panose="020B0609020204030204"/>
-                <a:cs typeface="Consolas" panose="020B0609020204030204"/>
-              </a:rPr>
-              <a:t>{{product</a:t>
-            </a:r>
-            <a:r>
-              <a:rPr sz="2700" b="1" dirty="0">
-                <a:solidFill>
-                  <a:srgbClr val="9BC850"/>
-                </a:solidFill>
-                <a:latin typeface="Consolas" panose="020B0609020204030204"/>
-                <a:cs typeface="Consolas" panose="020B0609020204030204"/>
-              </a:rPr>
-              <a:t>?</a:t>
-            </a:r>
-            <a:r>
-              <a:rPr sz="2700" dirty="0">
-                <a:latin typeface="Consolas" panose="020B0609020204030204"/>
-                <a:cs typeface="Consolas" panose="020B0609020204030204"/>
-              </a:rPr>
-              <a:t>.productName}}</a:t>
-            </a:r>
-            <a:endParaRPr sz="2700">
-              <a:latin typeface="Consolas" panose="020B0609020204030204"/>
-              <a:cs typeface="Consolas" panose="020B0609020204030204"/>
-            </a:endParaRPr>
-          </a:p>
-        </p:txBody>
-      </p:sp>
-      <p:sp>
-        <p:nvSpPr>
-          <p:cNvPr id="11" name="object 11"/>
-          <p:cNvSpPr txBox="1"/>
-          <p:nvPr/>
-        </p:nvSpPr>
-        <p:spPr>
-          <a:xfrm>
-            <a:off x="4831079" y="6122386"/>
-            <a:ext cx="9154160" cy="2585720"/>
-          </a:xfrm>
-          <a:prstGeom prst="rect">
-            <a:avLst/>
-          </a:prstGeom>
-          <a:ln w="12700">
-            <a:solidFill>
-              <a:srgbClr val="9BC850"/>
-            </a:solidFill>
-          </a:ln>
-        </p:spPr>
-        <p:txBody>
-          <a:bodyPr vert="horz" wrap="square" lIns="0" tIns="20955" rIns="0" bIns="0" rtlCol="0">
-            <a:spAutoFit/>
-          </a:bodyPr>
-          <a:lstStyle/>
-          <a:p>
-            <a:pPr marL="91440">
-              <a:lnSpc>
-                <a:spcPct val="100000"/>
-              </a:lnSpc>
-              <a:spcBef>
-                <a:spcPts val="165"/>
-              </a:spcBef>
-            </a:pPr>
-            <a:r>
-              <a:rPr sz="2700" dirty="0">
-                <a:solidFill>
-                  <a:srgbClr val="800000"/>
-                </a:solidFill>
-                <a:latin typeface="Consolas" panose="020B0609020204030204"/>
-                <a:cs typeface="Consolas" panose="020B0609020204030204"/>
-              </a:rPr>
-              <a:t>&lt;div</a:t>
-            </a:r>
-            <a:r>
-              <a:rPr sz="2700" spc="-60" dirty="0">
-                <a:solidFill>
-                  <a:srgbClr val="800000"/>
-                </a:solidFill>
-                <a:latin typeface="Consolas" panose="020B0609020204030204"/>
-                <a:cs typeface="Consolas" panose="020B0609020204030204"/>
-              </a:rPr>
-              <a:t> </a:t>
-            </a:r>
-            <a:r>
-              <a:rPr sz="2700" b="1" dirty="0">
-                <a:solidFill>
-                  <a:srgbClr val="9BC850"/>
-                </a:solidFill>
-                <a:latin typeface="Consolas" panose="020B0609020204030204"/>
-                <a:cs typeface="Consolas" panose="020B0609020204030204"/>
-              </a:rPr>
-              <a:t>*ngIf</a:t>
-            </a:r>
-            <a:r>
-              <a:rPr sz="2700" dirty="0">
-                <a:latin typeface="Consolas" panose="020B0609020204030204"/>
-                <a:cs typeface="Consolas" panose="020B0609020204030204"/>
-              </a:rPr>
-              <a:t>=</a:t>
-            </a:r>
-            <a:r>
-              <a:rPr sz="2700" dirty="0">
-                <a:solidFill>
-                  <a:srgbClr val="0000FF"/>
-                </a:solidFill>
-                <a:latin typeface="Consolas" panose="020B0609020204030204"/>
-                <a:cs typeface="Consolas" panose="020B0609020204030204"/>
-              </a:rPr>
-              <a:t>'product'</a:t>
-            </a:r>
-            <a:r>
-              <a:rPr sz="2700" dirty="0">
-                <a:solidFill>
-                  <a:srgbClr val="800000"/>
-                </a:solidFill>
-                <a:latin typeface="Consolas" panose="020B0609020204030204"/>
-                <a:cs typeface="Consolas" panose="020B0609020204030204"/>
-              </a:rPr>
-              <a:t>&gt;</a:t>
-            </a:r>
-            <a:endParaRPr sz="2700">
-              <a:latin typeface="Consolas" panose="020B0609020204030204"/>
-              <a:cs typeface="Consolas" panose="020B0609020204030204"/>
-            </a:endParaRPr>
-          </a:p>
-          <a:p>
-            <a:pPr marL="469265">
-              <a:lnSpc>
-                <a:spcPts val="3230"/>
-              </a:lnSpc>
-              <a:spcBef>
-                <a:spcPts val="45"/>
-              </a:spcBef>
-            </a:pPr>
-            <a:r>
-              <a:rPr sz="2700" dirty="0">
-                <a:solidFill>
-                  <a:srgbClr val="800000"/>
-                </a:solidFill>
-                <a:latin typeface="Consolas" panose="020B0609020204030204"/>
-                <a:cs typeface="Consolas" panose="020B0609020204030204"/>
-              </a:rPr>
-              <a:t>&lt;div&gt;</a:t>
-            </a:r>
-            <a:r>
-              <a:rPr sz="2700" dirty="0">
-                <a:latin typeface="Consolas" panose="020B0609020204030204"/>
-                <a:cs typeface="Consolas" panose="020B0609020204030204"/>
-              </a:rPr>
-              <a:t>Name:</a:t>
-            </a:r>
-            <a:r>
-              <a:rPr sz="2700" dirty="0">
-                <a:solidFill>
-                  <a:srgbClr val="800000"/>
-                </a:solidFill>
-                <a:latin typeface="Consolas" panose="020B0609020204030204"/>
-                <a:cs typeface="Consolas" panose="020B0609020204030204"/>
-              </a:rPr>
-              <a:t>&lt;/div&gt;</a:t>
-            </a:r>
-            <a:endParaRPr sz="2700">
-              <a:latin typeface="Consolas" panose="020B0609020204030204"/>
-              <a:cs typeface="Consolas" panose="020B0609020204030204"/>
-            </a:endParaRPr>
-          </a:p>
-          <a:p>
-            <a:pPr marL="469265">
-              <a:lnSpc>
-                <a:spcPts val="3230"/>
-              </a:lnSpc>
-            </a:pPr>
-            <a:r>
-              <a:rPr sz="2700" dirty="0">
-                <a:solidFill>
-                  <a:srgbClr val="800000"/>
-                </a:solidFill>
-                <a:latin typeface="Consolas" panose="020B0609020204030204"/>
-                <a:cs typeface="Consolas" panose="020B0609020204030204"/>
-              </a:rPr>
-              <a:t>&lt;div&gt;</a:t>
-            </a:r>
-            <a:r>
-              <a:rPr sz="2700" dirty="0">
-                <a:latin typeface="Consolas" panose="020B0609020204030204"/>
-                <a:cs typeface="Consolas" panose="020B0609020204030204"/>
-              </a:rPr>
-              <a:t>{{product.productName}}</a:t>
-            </a:r>
-            <a:r>
-              <a:rPr sz="2700" dirty="0">
-                <a:solidFill>
-                  <a:srgbClr val="800000"/>
-                </a:solidFill>
-                <a:latin typeface="Consolas" panose="020B0609020204030204"/>
-                <a:cs typeface="Consolas" panose="020B0609020204030204"/>
-              </a:rPr>
-              <a:t>&lt;/div&gt;</a:t>
-            </a:r>
-            <a:endParaRPr sz="2700">
-              <a:latin typeface="Consolas" panose="020B0609020204030204"/>
-              <a:cs typeface="Consolas" panose="020B0609020204030204"/>
-            </a:endParaRPr>
-          </a:p>
-          <a:p>
-            <a:pPr marL="469265">
-              <a:lnSpc>
-                <a:spcPts val="3215"/>
-              </a:lnSpc>
-              <a:spcBef>
-                <a:spcPts val="50"/>
-              </a:spcBef>
-            </a:pPr>
-            <a:r>
-              <a:rPr sz="2700" dirty="0">
-                <a:solidFill>
-                  <a:srgbClr val="800000"/>
-                </a:solidFill>
-                <a:latin typeface="Consolas" panose="020B0609020204030204"/>
-                <a:cs typeface="Consolas" panose="020B0609020204030204"/>
-              </a:rPr>
-              <a:t>&lt;div&gt;</a:t>
-            </a:r>
-            <a:r>
-              <a:rPr sz="2700" dirty="0">
-                <a:latin typeface="Consolas" panose="020B0609020204030204"/>
-                <a:cs typeface="Consolas" panose="020B0609020204030204"/>
-              </a:rPr>
-              <a:t>Description:</a:t>
-            </a:r>
-            <a:r>
-              <a:rPr sz="2700" dirty="0">
-                <a:solidFill>
-                  <a:srgbClr val="800000"/>
-                </a:solidFill>
-                <a:latin typeface="Consolas" panose="020B0609020204030204"/>
-                <a:cs typeface="Consolas" panose="020B0609020204030204"/>
-              </a:rPr>
-              <a:t>&lt;/div&gt;</a:t>
-            </a:r>
-            <a:endParaRPr sz="2700">
-              <a:latin typeface="Consolas" panose="020B0609020204030204"/>
-              <a:cs typeface="Consolas" panose="020B0609020204030204"/>
-            </a:endParaRPr>
-          </a:p>
-          <a:p>
-            <a:pPr marL="469265">
-              <a:lnSpc>
-                <a:spcPts val="3205"/>
-              </a:lnSpc>
-            </a:pPr>
-            <a:r>
-              <a:rPr sz="2700" dirty="0">
-                <a:solidFill>
-                  <a:srgbClr val="800000"/>
-                </a:solidFill>
-                <a:latin typeface="Consolas" panose="020B0609020204030204"/>
-                <a:cs typeface="Consolas" panose="020B0609020204030204"/>
-              </a:rPr>
-              <a:t>&lt;div&gt;</a:t>
-            </a:r>
-            <a:r>
-              <a:rPr sz="2700" dirty="0">
-                <a:latin typeface="Consolas" panose="020B0609020204030204"/>
-                <a:cs typeface="Consolas" panose="020B0609020204030204"/>
-              </a:rPr>
-              <a:t>{{product.description}}</a:t>
-            </a:r>
-            <a:r>
-              <a:rPr sz="2700" dirty="0">
-                <a:solidFill>
-                  <a:srgbClr val="800000"/>
-                </a:solidFill>
-                <a:latin typeface="Consolas" panose="020B0609020204030204"/>
-                <a:cs typeface="Consolas" panose="020B0609020204030204"/>
-              </a:rPr>
-              <a:t>&lt;/div&gt;</a:t>
-            </a:r>
-            <a:endParaRPr sz="2700">
-              <a:latin typeface="Consolas" panose="020B0609020204030204"/>
-              <a:cs typeface="Consolas" panose="020B0609020204030204"/>
-            </a:endParaRPr>
-          </a:p>
-          <a:p>
-            <a:pPr marL="91440">
-              <a:lnSpc>
-                <a:spcPts val="3230"/>
-              </a:lnSpc>
-            </a:pPr>
-            <a:r>
-              <a:rPr sz="2700" dirty="0">
-                <a:solidFill>
-                  <a:srgbClr val="800000"/>
-                </a:solidFill>
-                <a:latin typeface="Consolas" panose="020B0609020204030204"/>
-                <a:cs typeface="Consolas" panose="020B0609020204030204"/>
-              </a:rPr>
-              <a:t>&lt;/div&gt;</a:t>
-            </a:r>
-            <a:endParaRPr sz="2700">
-              <a:latin typeface="Consolas" panose="020B0609020204030204"/>
-              <a:cs typeface="Consolas" panose="020B0609020204030204"/>
-            </a:endParaRPr>
-          </a:p>
-        </p:txBody>
-      </p:sp>
-      <p:sp>
-        <p:nvSpPr>
-          <p:cNvPr id="12" name="object 12"/>
-          <p:cNvSpPr txBox="1"/>
-          <p:nvPr/>
-        </p:nvSpPr>
-        <p:spPr>
-          <a:xfrm>
-            <a:off x="4831079" y="4514964"/>
-            <a:ext cx="9154160" cy="508000"/>
-          </a:xfrm>
-          <a:prstGeom prst="rect">
-            <a:avLst/>
-          </a:prstGeom>
-          <a:ln w="12700">
-            <a:solidFill>
-              <a:srgbClr val="9BC850"/>
-            </a:solidFill>
-          </a:ln>
-        </p:spPr>
-        <p:txBody>
-          <a:bodyPr vert="horz" wrap="square" lIns="0" tIns="19050" rIns="0" bIns="0" rtlCol="0">
-            <a:spAutoFit/>
-          </a:bodyPr>
-          <a:lstStyle/>
-          <a:p>
-            <a:pPr marL="91440">
-              <a:lnSpc>
-                <a:spcPct val="100000"/>
-              </a:lnSpc>
-              <a:spcBef>
-                <a:spcPts val="150"/>
-              </a:spcBef>
-            </a:pPr>
-            <a:r>
-              <a:rPr sz="2700" dirty="0">
-                <a:latin typeface="Consolas" panose="020B0609020204030204"/>
-                <a:cs typeface="Consolas" panose="020B0609020204030204"/>
-              </a:rPr>
-              <a:t>{{product</a:t>
-            </a:r>
-            <a:r>
-              <a:rPr sz="2700" b="1" dirty="0">
-                <a:solidFill>
-                  <a:srgbClr val="9BC850"/>
-                </a:solidFill>
-                <a:latin typeface="Consolas" panose="020B0609020204030204"/>
-                <a:cs typeface="Consolas" panose="020B0609020204030204"/>
-              </a:rPr>
-              <a:t>?</a:t>
-            </a:r>
-            <a:r>
-              <a:rPr sz="2700" dirty="0">
-                <a:latin typeface="Consolas" panose="020B0609020204030204"/>
-                <a:cs typeface="Consolas" panose="020B0609020204030204"/>
-              </a:rPr>
-              <a:t>.supplier</a:t>
-            </a:r>
-            <a:r>
-              <a:rPr sz="2700" b="1" dirty="0">
-                <a:solidFill>
-                  <a:srgbClr val="9BC850"/>
-                </a:solidFill>
-                <a:latin typeface="Consolas" panose="020B0609020204030204"/>
-                <a:cs typeface="Consolas" panose="020B0609020204030204"/>
-              </a:rPr>
-              <a:t>?</a:t>
-            </a:r>
-            <a:r>
-              <a:rPr sz="2700" dirty="0">
-                <a:latin typeface="Consolas" panose="020B0609020204030204"/>
-                <a:cs typeface="Consolas" panose="020B0609020204030204"/>
-              </a:rPr>
-              <a:t>.companyName}}</a:t>
-            </a:r>
-            <a:endParaRPr sz="2700">
-              <a:latin typeface="Consolas" panose="020B0609020204030204"/>
-              <a:cs typeface="Consolas" panose="020B0609020204030204"/>
-            </a:endParaRPr>
-          </a:p>
-        </p:txBody>
-      </p:sp>
-      <p:sp>
-        <p:nvSpPr>
-          <p:cNvPr id="13" name="Slide Number Placeholder 12"/>
+          <p:cNvPr id="4" name="Slide Number Placeholder 3"/>
           <p:cNvSpPr>
             <a:spLocks noGrp="1"/>
           </p:cNvSpPr>
@@ -9152,16 +8084,101 @@
         <p:spPr/>
         <p:txBody>
           <a:bodyPr/>
-          <a:lstStyle/>
           <a:p>
             <a:fld id="{B6F15528-21DE-4FAA-801E-634DDDAF4B2B}" type="slidenum">
               <a:rPr/>
-              <a:t>20</a:t>
             </a:fld>
             <a:endParaRPr/>
           </a:p>
         </p:txBody>
       </p:sp>
+      <p:sp>
+        <p:nvSpPr>
+          <p:cNvPr id="12" name="Text Box 11"/>
+          <p:cNvSpPr txBox="1"/>
+          <p:nvPr/>
+        </p:nvSpPr>
+        <p:spPr>
+          <a:xfrm>
+            <a:off x="762000" y="9566910"/>
+            <a:ext cx="14042390" cy="583565"/>
+          </a:xfrm>
+          <a:prstGeom prst="rect">
+            <a:avLst/>
+          </a:prstGeom>
+          <a:noFill/>
+        </p:spPr>
+        <p:txBody>
+          <a:bodyPr wrap="square" rtlCol="0">
+            <a:spAutoFit/>
+          </a:bodyPr>
+          <a:p>
+            <a:r>
+              <a:rPr lang="en-US" sz="3200" b="1"/>
+              <a:t>Reference:</a:t>
+            </a:r>
+            <a:r>
+              <a:rPr lang="en-US" sz="3200"/>
+              <a:t> </a:t>
+            </a:r>
+            <a:r>
+              <a:rPr lang="en-US" sz="3200">
+                <a:hlinkClick r:id="rId1" tooltip="" action="ppaction://hlinkfile"/>
+              </a:rPr>
+              <a:t>https://angular.io/api/router/RouterEvent</a:t>
+            </a:r>
+            <a:endParaRPr lang="en-US" sz="3200"/>
+          </a:p>
+        </p:txBody>
+      </p:sp>
+      <p:pic>
+        <p:nvPicPr>
+          <p:cNvPr id="15" name="Picture 14"/>
+          <p:cNvPicPr>
+            <a:picLocks noChangeAspect="1"/>
+          </p:cNvPicPr>
+          <p:nvPr/>
+        </p:nvPicPr>
+        <p:blipFill>
+          <a:blip r:embed="rId2"/>
+          <a:stretch>
+            <a:fillRect/>
+          </a:stretch>
+        </p:blipFill>
+        <p:spPr>
+          <a:xfrm>
+            <a:off x="685800" y="2476500"/>
+            <a:ext cx="7359650" cy="7073265"/>
+          </a:xfrm>
+          <a:prstGeom prst="rect">
+            <a:avLst/>
+          </a:prstGeom>
+        </p:spPr>
+      </p:pic>
+      <p:pic>
+        <p:nvPicPr>
+          <p:cNvPr id="17" name="Picture 16"/>
+          <p:cNvPicPr>
+            <a:picLocks noChangeAspect="1"/>
+          </p:cNvPicPr>
+          <p:nvPr/>
+        </p:nvPicPr>
+        <p:blipFill>
+          <a:blip r:embed="rId3"/>
+          <a:stretch>
+            <a:fillRect/>
+          </a:stretch>
+        </p:blipFill>
+        <p:spPr>
+          <a:xfrm>
+            <a:off x="9829800" y="2476500"/>
+            <a:ext cx="7359650" cy="7073265"/>
+          </a:xfrm>
+          <a:prstGeom prst="rect">
+            <a:avLst/>
+          </a:prstGeom>
+        </p:spPr>
+      </p:pic>
     </p:spTree>
   </p:cSld>
   <p:clrMapOvr>
@@ -9246,9 +8263,7 @@
           <p:txBody>
             <a:bodyPr wrap="square" lIns="0" tIns="0" rIns="0" bIns="0" rtlCol="0"/>
             <a:lstStyle/>
-            <a:p>
-              <a:endParaRPr/>
-            </a:p>
+            <a:p/>
           </p:txBody>
         </p:sp>
         <p:sp>
@@ -9296,9 +8311,7 @@
           <p:txBody>
             <a:bodyPr wrap="square" lIns="0" tIns="0" rIns="0" bIns="0" rtlCol="0"/>
             <a:lstStyle/>
-            <a:p>
-              <a:endParaRPr/>
-            </a:p>
+            <a:p/>
           </p:txBody>
         </p:sp>
         <p:sp>
@@ -9348,9 +8361,7 @@
           <p:txBody>
             <a:bodyPr wrap="square" lIns="0" tIns="0" rIns="0" bIns="0" rtlCol="0"/>
             <a:lstStyle/>
-            <a:p>
-              <a:endParaRPr/>
-            </a:p>
+            <a:p/>
           </p:txBody>
         </p:sp>
         <p:pic>
@@ -9360,7 +8371,7 @@
             <p:nvPr/>
           </p:nvPicPr>
           <p:blipFill>
-            <a:blip r:embed="rId2" cstate="print"/>
+            <a:blip r:embed="rId1" cstate="print"/>
             <a:stretch>
               <a:fillRect/>
             </a:stretch>
@@ -9389,7 +8400,7 @@
         <p:spPr>
           <a:xfrm>
             <a:off x="286181" y="374395"/>
-            <a:ext cx="2480945" cy="2165350"/>
+            <a:ext cx="2292350" cy="2165350"/>
           </a:xfrm>
           <a:prstGeom prst="rect">
             <a:avLst/>
@@ -9410,104 +8421,144 @@
               </a:spcBef>
             </a:pPr>
             <a:r>
+              <a:rPr sz="3600" b="1" spc="10" dirty="0">
+                <a:solidFill>
+                  <a:srgbClr val="727272"/>
+                </a:solidFill>
+                <a:latin typeface="Arial" panose="020B0604020202020204"/>
+                <a:cs typeface="Arial" panose="020B0604020202020204"/>
+              </a:rPr>
+              <a:t>General </a:t>
+            </a:r>
+            <a:r>
+              <a:rPr sz="3600" b="1" spc="15" dirty="0">
+                <a:solidFill>
+                  <a:srgbClr val="727272"/>
+                </a:solidFill>
+                <a:latin typeface="Arial" panose="020B0604020202020204"/>
+                <a:cs typeface="Arial" panose="020B0604020202020204"/>
+              </a:rPr>
+              <a:t> </a:t>
+            </a:r>
+            <a:r>
+              <a:rPr sz="3600" b="1" spc="-40" dirty="0">
+                <a:solidFill>
+                  <a:srgbClr val="727272"/>
+                </a:solidFill>
+                <a:latin typeface="Arial" panose="020B0604020202020204"/>
+                <a:cs typeface="Arial" panose="020B0604020202020204"/>
+              </a:rPr>
+              <a:t>Checklist: </a:t>
+            </a:r>
+            <a:r>
+              <a:rPr sz="3600" b="1" spc="-990" dirty="0">
+                <a:solidFill>
+                  <a:srgbClr val="727272"/>
+                </a:solidFill>
+                <a:latin typeface="Arial" panose="020B0604020202020204"/>
+                <a:cs typeface="Arial" panose="020B0604020202020204"/>
+              </a:rPr>
+              <a:t> </a:t>
+            </a:r>
+            <a:r>
               <a:rPr sz="3600" b="1" spc="-25" dirty="0">
                 <a:solidFill>
-                  <a:srgbClr val="727272"/>
-                </a:solidFill>
-                <a:latin typeface="Arial" panose="020B0604020202020204"/>
-                <a:cs typeface="Arial" panose="020B0604020202020204"/>
-              </a:rPr>
-              <a:t>Routing </a:t>
+                  <a:srgbClr val="FFFFFF"/>
+                </a:solidFill>
+                <a:latin typeface="Arial" panose="020B0604020202020204"/>
+                <a:cs typeface="Arial" panose="020B0604020202020204"/>
+              </a:rPr>
+              <a:t>Null </a:t>
+            </a:r>
+            <a:r>
+              <a:rPr sz="3600" b="1" spc="-10" dirty="0">
+                <a:solidFill>
+                  <a:srgbClr val="FFFFFF"/>
+                </a:solidFill>
+                <a:latin typeface="Arial" panose="020B0604020202020204"/>
+                <a:cs typeface="Arial" panose="020B0604020202020204"/>
+              </a:rPr>
+              <a:t>and </a:t>
+            </a:r>
+            <a:r>
+              <a:rPr sz="3600" b="1" spc="-5" dirty="0">
+                <a:solidFill>
+                  <a:srgbClr val="FFFFFF"/>
+                </a:solidFill>
+                <a:latin typeface="Arial" panose="020B0604020202020204"/>
+                <a:cs typeface="Arial" panose="020B0604020202020204"/>
+              </a:rPr>
+              <a:t> </a:t>
+            </a:r>
+            <a:r>
+              <a:rPr sz="3600" b="1" spc="-30" dirty="0">
+                <a:solidFill>
+                  <a:srgbClr val="FFFFFF"/>
+                </a:solidFill>
+                <a:latin typeface="Arial" panose="020B0604020202020204"/>
+                <a:cs typeface="Arial" panose="020B0604020202020204"/>
+              </a:rPr>
+              <a:t>U</a:t>
             </a:r>
             <a:r>
               <a:rPr sz="3600" b="1" spc="-20" dirty="0">
                 <a:solidFill>
-                  <a:srgbClr val="727272"/>
-                </a:solidFill>
-                <a:latin typeface="Arial" panose="020B0604020202020204"/>
-                <a:cs typeface="Arial" panose="020B0604020202020204"/>
-              </a:rPr>
-              <a:t> </a:t>
-            </a:r>
-            <a:r>
-              <a:rPr sz="3600" b="1" spc="-40" dirty="0">
-                <a:solidFill>
-                  <a:srgbClr val="727272"/>
-                </a:solidFill>
-                <a:latin typeface="Arial" panose="020B0604020202020204"/>
-                <a:cs typeface="Arial" panose="020B0604020202020204"/>
-              </a:rPr>
-              <a:t>Checklist: </a:t>
-            </a:r>
-            <a:r>
-              <a:rPr sz="3600" b="1" spc="-35" dirty="0">
-                <a:solidFill>
-                  <a:srgbClr val="727272"/>
-                </a:solidFill>
-                <a:latin typeface="Arial" panose="020B0604020202020204"/>
-                <a:cs typeface="Arial" panose="020B0604020202020204"/>
-              </a:rPr>
-              <a:t> </a:t>
-            </a:r>
-            <a:r>
-              <a:rPr sz="3600" b="1" spc="-120" dirty="0">
-                <a:solidFill>
                   <a:srgbClr val="FFFFFF"/>
                 </a:solidFill>
                 <a:latin typeface="Arial" panose="020B0604020202020204"/>
                 <a:cs typeface="Arial" panose="020B0604020202020204"/>
               </a:rPr>
-              <a:t>Passing </a:t>
-            </a:r>
-            <a:r>
-              <a:rPr sz="3600" b="1" spc="-114" dirty="0">
+              <a:t>n</a:t>
+            </a:r>
+            <a:r>
+              <a:rPr sz="3600" b="1" spc="25" dirty="0">
                 <a:solidFill>
                   <a:srgbClr val="FFFFFF"/>
                 </a:solidFill>
                 <a:latin typeface="Arial" panose="020B0604020202020204"/>
                 <a:cs typeface="Arial" panose="020B0604020202020204"/>
               </a:rPr>
-              <a:t> </a:t>
-            </a:r>
-            <a:r>
-              <a:rPr sz="3600" b="1" spc="-225" dirty="0">
+              <a:t>d</a:t>
+            </a:r>
+            <a:r>
+              <a:rPr sz="3600" b="1" spc="114" dirty="0">
                 <a:solidFill>
                   <a:srgbClr val="FFFFFF"/>
                 </a:solidFill>
                 <a:latin typeface="Arial" panose="020B0604020202020204"/>
                 <a:cs typeface="Arial" panose="020B0604020202020204"/>
               </a:rPr>
-              <a:t>P</a:t>
-            </a:r>
-            <a:r>
-              <a:rPr sz="3600" b="1" spc="-35" dirty="0">
+              <a:t>e</a:t>
+            </a:r>
+            <a:r>
+              <a:rPr sz="3600" b="1" spc="55" dirty="0">
                 <a:solidFill>
                   <a:srgbClr val="FFFFFF"/>
                 </a:solidFill>
                 <a:latin typeface="Arial" panose="020B0604020202020204"/>
                 <a:cs typeface="Arial" panose="020B0604020202020204"/>
               </a:rPr>
-              <a:t>ar</a:t>
-            </a:r>
-            <a:r>
-              <a:rPr sz="3600" b="1" spc="-55" dirty="0">
+              <a:t>f</a:t>
+            </a:r>
+            <a:r>
+              <a:rPr sz="3600" b="1" spc="-65" dirty="0">
                 <a:solidFill>
                   <a:srgbClr val="FFFFFF"/>
                 </a:solidFill>
                 <a:latin typeface="Arial" panose="020B0604020202020204"/>
                 <a:cs typeface="Arial" panose="020B0604020202020204"/>
               </a:rPr>
-              <a:t>a</a:t>
-            </a:r>
-            <a:r>
-              <a:rPr sz="3600" b="1" spc="-90" dirty="0">
+              <a:t>i</a:t>
+            </a:r>
+            <a:r>
+              <a:rPr sz="3600" b="1" spc="-20" dirty="0">
                 <a:solidFill>
                   <a:srgbClr val="FFFFFF"/>
                 </a:solidFill>
                 <a:latin typeface="Arial" panose="020B0604020202020204"/>
                 <a:cs typeface="Arial" panose="020B0604020202020204"/>
               </a:rPr>
-              <a:t>m</a:t>
+              <a:t>n</a:t>
             </a:r>
             <a:r>
               <a:rPr sz="3600" b="1" spc="114" dirty="0">
@@ -9520,34 +8571,14 @@
               <a:t>e</a:t>
             </a:r>
             <a:r>
-              <a:rPr sz="3600" b="1" spc="190" dirty="0">
+              <a:rPr sz="3600" b="1" spc="25" dirty="0">
                 <a:solidFill>
                   <a:srgbClr val="FFFFFF"/>
                 </a:solidFill>
                 <a:latin typeface="Arial" panose="020B0604020202020204"/>
                 <a:cs typeface="Arial" panose="020B0604020202020204"/>
               </a:rPr>
-              <a:t>t</a:t>
-            </a:r>
-            <a:r>
-              <a:rPr sz="3600" b="1" spc="114" dirty="0">
-                <a:solidFill>
-                  <a:srgbClr val="FFFFFF"/>
-                </a:solidFill>
-                <a:latin typeface="Arial" panose="020B0604020202020204"/>
-                <a:cs typeface="Arial" panose="020B0604020202020204"/>
-              </a:rPr>
-              <a:t>e</a:t>
-            </a:r>
-            <a:r>
-              <a:rPr sz="3600" b="1" spc="-155" dirty="0">
-                <a:solidFill>
-                  <a:srgbClr val="FFFFFF"/>
-                </a:solidFill>
-                <a:latin typeface="Arial" panose="020B0604020202020204"/>
-                <a:cs typeface="Arial" panose="020B0604020202020204"/>
-              </a:rPr>
-              <a:t>rs</a:t>
+              <a:t>d</a:t>
             </a:r>
             <a:endParaRPr sz="3600">
               <a:latin typeface="Arial" panose="020B0604020202020204"/>
@@ -9564,41 +8595,262 @@
         </p:nvSpPr>
         <p:spPr>
           <a:xfrm>
-            <a:off x="3949558" y="3704112"/>
-            <a:ext cx="6318250" cy="603885"/>
+            <a:off x="4072049" y="2648204"/>
+            <a:ext cx="9890760" cy="1120140"/>
           </a:xfrm>
           <a:prstGeom prst="rect">
             <a:avLst/>
           </a:prstGeom>
-          <a:solidFill>
-            <a:srgbClr val="9BC850"/>
-          </a:solidFill>
         </p:spPr>
         <p:txBody>
-          <a:bodyPr vert="horz" wrap="square" lIns="0" tIns="59690" rIns="0" bIns="0" rtlCol="0">
+          <a:bodyPr vert="horz" wrap="square" lIns="0" tIns="12700" rIns="0" bIns="0" rtlCol="0">
             <a:spAutoFit/>
           </a:bodyPr>
           <a:lstStyle/>
           <a:p>
-            <a:pPr marL="556260">
+            <a:pPr marL="12700">
               <a:lnSpc>
-                <a:spcPct val="100000"/>
+                <a:spcPts val="4310"/>
               </a:lnSpc>
               <a:spcBef>
-                <a:spcPts val="470"/>
+                <a:spcPts val="100"/>
               </a:spcBef>
             </a:pPr>
             <a:r>
-              <a:rPr sz="3000" b="1" spc="5" dirty="0">
-                <a:solidFill>
-                  <a:srgbClr val="FFFFFF"/>
-                </a:solidFill>
-                <a:latin typeface="Arial" panose="020B0604020202020204"/>
-                <a:cs typeface="Arial" panose="020B0604020202020204"/>
-              </a:rPr>
-              <a:t>product-list.component.html</a:t>
-            </a:r>
-            <a:endParaRPr sz="3000">
+              <a:rPr sz="3600" b="1" spc="30" dirty="0">
+                <a:solidFill>
+                  <a:srgbClr val="9BC850"/>
+                </a:solidFill>
+                <a:latin typeface="Arial" panose="020B0604020202020204"/>
+                <a:cs typeface="Arial" panose="020B0604020202020204"/>
+              </a:rPr>
+              <a:t>Prevent</a:t>
+            </a:r>
+            <a:r>
+              <a:rPr sz="3600" b="1" spc="-60" dirty="0">
+                <a:solidFill>
+                  <a:srgbClr val="9BC850"/>
+                </a:solidFill>
+                <a:latin typeface="Arial" panose="020B0604020202020204"/>
+                <a:cs typeface="Arial" panose="020B0604020202020204"/>
+              </a:rPr>
+              <a:t> </a:t>
+            </a:r>
+            <a:r>
+              <a:rPr sz="3600" b="1" spc="-40" dirty="0">
+                <a:solidFill>
+                  <a:srgbClr val="9BC850"/>
+                </a:solidFill>
+                <a:latin typeface="Arial" panose="020B0604020202020204"/>
+                <a:cs typeface="Arial" panose="020B0604020202020204"/>
+              </a:rPr>
+              <a:t>null</a:t>
+            </a:r>
+            <a:r>
+              <a:rPr sz="3600" b="1" spc="-60" dirty="0">
+                <a:solidFill>
+                  <a:srgbClr val="9BC850"/>
+                </a:solidFill>
+                <a:latin typeface="Arial" panose="020B0604020202020204"/>
+                <a:cs typeface="Arial" panose="020B0604020202020204"/>
+              </a:rPr>
+              <a:t> </a:t>
+            </a:r>
+            <a:r>
+              <a:rPr sz="3600" b="1" spc="-50" dirty="0">
+                <a:solidFill>
+                  <a:srgbClr val="9BC850"/>
+                </a:solidFill>
+                <a:latin typeface="Arial" panose="020B0604020202020204"/>
+                <a:cs typeface="Arial" panose="020B0604020202020204"/>
+              </a:rPr>
+              <a:t>or</a:t>
+            </a:r>
+            <a:r>
+              <a:rPr sz="3600" b="1" spc="-60" dirty="0">
+                <a:solidFill>
+                  <a:srgbClr val="9BC850"/>
+                </a:solidFill>
+                <a:latin typeface="Arial" panose="020B0604020202020204"/>
+                <a:cs typeface="Arial" panose="020B0604020202020204"/>
+              </a:rPr>
+              <a:t> </a:t>
+            </a:r>
+            <a:r>
+              <a:rPr sz="3600" b="1" spc="25" dirty="0">
+                <a:solidFill>
+                  <a:srgbClr val="9BC850"/>
+                </a:solidFill>
+                <a:latin typeface="Arial" panose="020B0604020202020204"/>
+                <a:cs typeface="Arial" panose="020B0604020202020204"/>
+              </a:rPr>
+              <a:t>undefined</a:t>
+            </a:r>
+            <a:r>
+              <a:rPr sz="3600" b="1" spc="-60" dirty="0">
+                <a:solidFill>
+                  <a:srgbClr val="9BC850"/>
+                </a:solidFill>
+                <a:latin typeface="Arial" panose="020B0604020202020204"/>
+                <a:cs typeface="Arial" panose="020B0604020202020204"/>
+              </a:rPr>
+              <a:t> errors</a:t>
+            </a:r>
+            <a:r>
+              <a:rPr sz="3600" b="1" spc="-55" dirty="0">
+                <a:solidFill>
+                  <a:srgbClr val="9BC850"/>
+                </a:solidFill>
+                <a:latin typeface="Arial" panose="020B0604020202020204"/>
+                <a:cs typeface="Arial" panose="020B0604020202020204"/>
+              </a:rPr>
+              <a:t> </a:t>
+            </a:r>
+            <a:r>
+              <a:rPr sz="3600" b="1" spc="-45" dirty="0">
+                <a:solidFill>
+                  <a:srgbClr val="9BC850"/>
+                </a:solidFill>
+                <a:latin typeface="Arial" panose="020B0604020202020204"/>
+                <a:cs typeface="Arial" panose="020B0604020202020204"/>
+              </a:rPr>
+              <a:t>in</a:t>
+            </a:r>
+            <a:r>
+              <a:rPr sz="3600" b="1" spc="-55" dirty="0">
+                <a:solidFill>
+                  <a:srgbClr val="9BC850"/>
+                </a:solidFill>
+                <a:latin typeface="Arial" panose="020B0604020202020204"/>
+                <a:cs typeface="Arial" panose="020B0604020202020204"/>
+              </a:rPr>
+              <a:t> </a:t>
+            </a:r>
+            <a:r>
+              <a:rPr sz="3600" b="1" spc="-30" dirty="0">
+                <a:solidFill>
+                  <a:srgbClr val="9BC850"/>
+                </a:solidFill>
+                <a:latin typeface="Arial" panose="020B0604020202020204"/>
+                <a:cs typeface="Arial" panose="020B0604020202020204"/>
+              </a:rPr>
+              <a:t>a</a:t>
+            </a:r>
+            <a:r>
+              <a:rPr sz="3600" b="1" spc="-60" dirty="0">
+                <a:solidFill>
+                  <a:srgbClr val="9BC850"/>
+                </a:solidFill>
+                <a:latin typeface="Arial" panose="020B0604020202020204"/>
+                <a:cs typeface="Arial" panose="020B0604020202020204"/>
+              </a:rPr>
+              <a:t> </a:t>
+            </a:r>
+            <a:r>
+              <a:rPr sz="3600" b="1" spc="50" dirty="0">
+                <a:solidFill>
+                  <a:srgbClr val="9BC850"/>
+                </a:solidFill>
+                <a:latin typeface="Arial" panose="020B0604020202020204"/>
+                <a:cs typeface="Arial" panose="020B0604020202020204"/>
+              </a:rPr>
+              <a:t>template</a:t>
+            </a:r>
+            <a:endParaRPr sz="3600">
+              <a:latin typeface="Arial" panose="020B0604020202020204"/>
+              <a:cs typeface="Arial" panose="020B0604020202020204"/>
+            </a:endParaRPr>
+          </a:p>
+          <a:p>
+            <a:pPr marL="364490">
+              <a:lnSpc>
+                <a:spcPts val="4310"/>
+              </a:lnSpc>
+              <a:tabLst>
+                <a:tab pos="797560" algn="l"/>
+              </a:tabLst>
+            </a:pPr>
+            <a:r>
+              <a:rPr sz="2700" dirty="0">
+                <a:solidFill>
+                  <a:srgbClr val="9BC850"/>
+                </a:solidFill>
+                <a:latin typeface="Lucida Sans Unicode" panose="020B0602030504020204"/>
+                <a:cs typeface="Lucida Sans Unicode" panose="020B0602030504020204"/>
+              </a:rPr>
+              <a:t>-	</a:t>
+            </a:r>
+            <a:r>
+              <a:rPr sz="3600" b="1" spc="-25" dirty="0">
+                <a:solidFill>
+                  <a:srgbClr val="9BC850"/>
+                </a:solidFill>
+                <a:latin typeface="Arial" panose="020B0604020202020204"/>
+                <a:cs typeface="Arial" panose="020B0604020202020204"/>
+              </a:rPr>
+              <a:t>Safe</a:t>
+            </a:r>
+            <a:r>
+              <a:rPr sz="3600" b="1" spc="-70" dirty="0">
+                <a:solidFill>
+                  <a:srgbClr val="9BC850"/>
+                </a:solidFill>
+                <a:latin typeface="Arial" panose="020B0604020202020204"/>
+                <a:cs typeface="Arial" panose="020B0604020202020204"/>
+              </a:rPr>
+              <a:t> </a:t>
+            </a:r>
+            <a:r>
+              <a:rPr sz="3600" b="1" spc="-20" dirty="0">
+                <a:solidFill>
+                  <a:srgbClr val="9BC850"/>
+                </a:solidFill>
+                <a:latin typeface="Arial" panose="020B0604020202020204"/>
+                <a:cs typeface="Arial" panose="020B0604020202020204"/>
+              </a:rPr>
+              <a:t>navigation</a:t>
+            </a:r>
+            <a:r>
+              <a:rPr sz="3600" b="1" spc="-70" dirty="0">
+                <a:solidFill>
+                  <a:srgbClr val="9BC850"/>
+                </a:solidFill>
+                <a:latin typeface="Arial" panose="020B0604020202020204"/>
+                <a:cs typeface="Arial" panose="020B0604020202020204"/>
+              </a:rPr>
+              <a:t> </a:t>
+            </a:r>
+            <a:r>
+              <a:rPr sz="3600" b="1" spc="10" dirty="0">
+                <a:solidFill>
+                  <a:srgbClr val="9BC850"/>
+                </a:solidFill>
+                <a:latin typeface="Arial" panose="020B0604020202020204"/>
+                <a:cs typeface="Arial" panose="020B0604020202020204"/>
+              </a:rPr>
+              <a:t>operator</a:t>
+            </a:r>
+            <a:r>
+              <a:rPr sz="3600" b="1" spc="-75" dirty="0">
+                <a:solidFill>
+                  <a:srgbClr val="9BC850"/>
+                </a:solidFill>
+                <a:latin typeface="Arial" panose="020B0604020202020204"/>
+                <a:cs typeface="Arial" panose="020B0604020202020204"/>
+              </a:rPr>
+              <a:t> </a:t>
+            </a:r>
+            <a:r>
+              <a:rPr sz="3600" b="1" spc="-95" dirty="0">
+                <a:solidFill>
+                  <a:srgbClr val="9BC850"/>
+                </a:solidFill>
+                <a:latin typeface="Arial" panose="020B0604020202020204"/>
+                <a:cs typeface="Arial" panose="020B0604020202020204"/>
+              </a:rPr>
+              <a:t>(?)</a:t>
+            </a:r>
+            <a:endParaRPr sz="3600">
               <a:latin typeface="Arial" panose="020B0604020202020204"/>
               <a:cs typeface="Arial" panose="020B0604020202020204"/>
             </a:endParaRPr>
@@ -9613,8 +8865,87 @@
         </p:nvSpPr>
         <p:spPr>
           <a:xfrm>
-            <a:off x="3949558" y="4302340"/>
-            <a:ext cx="13876655" cy="1569720"/>
+            <a:off x="4424156" y="5391403"/>
+            <a:ext cx="3536315" cy="574040"/>
+          </a:xfrm>
+          <a:prstGeom prst="rect">
+            <a:avLst/>
+          </a:prstGeom>
+        </p:spPr>
+        <p:txBody>
+          <a:bodyPr vert="horz" wrap="square" lIns="0" tIns="12700" rIns="0" bIns="0" rtlCol="0">
+            <a:spAutoFit/>
+          </a:bodyPr>
+          <a:lstStyle/>
+          <a:p>
+            <a:pPr marL="12700">
+              <a:lnSpc>
+                <a:spcPct val="100000"/>
+              </a:lnSpc>
+              <a:spcBef>
+                <a:spcPts val="100"/>
+              </a:spcBef>
+              <a:tabLst>
+                <a:tab pos="444500" algn="l"/>
+              </a:tabLst>
+            </a:pPr>
+            <a:r>
+              <a:rPr sz="2700" dirty="0">
+                <a:solidFill>
+                  <a:srgbClr val="9BC850"/>
+                </a:solidFill>
+                <a:latin typeface="Lucida Sans Unicode" panose="020B0602030504020204"/>
+                <a:cs typeface="Lucida Sans Unicode" panose="020B0602030504020204"/>
+              </a:rPr>
+              <a:t>-	</a:t>
+            </a:r>
+            <a:r>
+              <a:rPr sz="3600" b="1" spc="25" dirty="0">
+                <a:solidFill>
+                  <a:srgbClr val="9BC850"/>
+                </a:solidFill>
+                <a:latin typeface="Arial" panose="020B0604020202020204"/>
+                <a:cs typeface="Arial" panose="020B0604020202020204"/>
+              </a:rPr>
+              <a:t>*ngIf</a:t>
+            </a:r>
+            <a:r>
+              <a:rPr sz="3600" b="1" spc="-130" dirty="0">
+                <a:solidFill>
+                  <a:srgbClr val="9BC850"/>
+                </a:solidFill>
+                <a:latin typeface="Arial" panose="020B0604020202020204"/>
+                <a:cs typeface="Arial" panose="020B0604020202020204"/>
+              </a:rPr>
+              <a:t> </a:t>
+            </a:r>
+            <a:r>
+              <a:rPr sz="3600" b="1" spc="35" dirty="0">
+                <a:solidFill>
+                  <a:srgbClr val="9BC850"/>
+                </a:solidFill>
+                <a:latin typeface="Arial" panose="020B0604020202020204"/>
+                <a:cs typeface="Arial" panose="020B0604020202020204"/>
+              </a:rPr>
+              <a:t>directive</a:t>
+            </a:r>
+            <a:endParaRPr sz="3600">
+              <a:latin typeface="Arial" panose="020B0604020202020204"/>
+              <a:cs typeface="Arial" panose="020B0604020202020204"/>
+            </a:endParaRPr>
+          </a:p>
+        </p:txBody>
+      </p:sp>
+      <p:sp>
+        <p:nvSpPr>
+          <p:cNvPr id="10" name="object 10"/>
+          <p:cNvSpPr txBox="1"/>
+          <p:nvPr/>
+        </p:nvSpPr>
+        <p:spPr>
+          <a:xfrm>
+            <a:off x="4831079" y="3854733"/>
+            <a:ext cx="9154160" cy="508000"/>
           </a:xfrm>
           <a:prstGeom prst="rect">
             <a:avLst/>
@@ -9626,172 +8957,47 @@
           </a:ln>
         </p:spPr>
         <p:txBody>
-          <a:bodyPr vert="horz" wrap="square" lIns="0" tIns="77470" rIns="0" bIns="0" rtlCol="0">
+          <a:bodyPr vert="horz" wrap="square" lIns="0" tIns="20320" rIns="0" bIns="0" rtlCol="0">
             <a:spAutoFit/>
           </a:bodyPr>
           <a:lstStyle/>
           <a:p>
-            <a:pPr marL="182245">
+            <a:pPr marL="91440">
               <a:lnSpc>
                 <a:spcPct val="100000"/>
               </a:lnSpc>
               <a:spcBef>
-                <a:spcPts val="610"/>
+                <a:spcPts val="160"/>
               </a:spcBef>
             </a:pPr>
             <a:r>
-              <a:rPr sz="3000" spc="-5" dirty="0">
-                <a:solidFill>
-                  <a:srgbClr val="A31515"/>
-                </a:solidFill>
-                <a:latin typeface="Courier New" panose="02070309020205020404"/>
-                <a:cs typeface="Courier New" panose="02070309020205020404"/>
-              </a:rPr>
-              <a:t>&lt;a</a:t>
-            </a:r>
-            <a:r>
-              <a:rPr sz="3000" spc="-45" dirty="0">
-                <a:solidFill>
-                  <a:srgbClr val="A31515"/>
-                </a:solidFill>
-                <a:latin typeface="Courier New" panose="02070309020205020404"/>
-                <a:cs typeface="Courier New" panose="02070309020205020404"/>
-              </a:rPr>
-              <a:t> </a:t>
-            </a:r>
-            <a:r>
-              <a:rPr sz="3000" spc="-5" dirty="0">
-                <a:latin typeface="Courier New" panose="02070309020205020404"/>
-                <a:cs typeface="Courier New" panose="02070309020205020404"/>
-              </a:rPr>
-              <a:t>[</a:t>
-            </a:r>
-            <a:r>
-              <a:rPr sz="3000" spc="-5" dirty="0">
-                <a:solidFill>
-                  <a:srgbClr val="FF0000"/>
-                </a:solidFill>
-                <a:latin typeface="Courier New" panose="02070309020205020404"/>
-                <a:cs typeface="Courier New" panose="02070309020205020404"/>
-              </a:rPr>
-              <a:t>routerLink</a:t>
-            </a:r>
-            <a:r>
-              <a:rPr sz="3000" spc="-5" dirty="0">
-                <a:latin typeface="Courier New" panose="02070309020205020404"/>
-                <a:cs typeface="Courier New" panose="02070309020205020404"/>
-              </a:rPr>
-              <a:t>]="['/products',</a:t>
-            </a:r>
-            <a:r>
-              <a:rPr sz="3000" spc="-35" dirty="0">
-                <a:latin typeface="Courier New" panose="02070309020205020404"/>
-                <a:cs typeface="Courier New" panose="02070309020205020404"/>
-              </a:rPr>
-              <a:t> </a:t>
-            </a:r>
-            <a:r>
-              <a:rPr sz="3000" spc="-5" dirty="0">
-                <a:latin typeface="Courier New" panose="02070309020205020404"/>
-                <a:cs typeface="Courier New" panose="02070309020205020404"/>
-              </a:rPr>
-              <a:t>product.productId]"&gt;</a:t>
-            </a:r>
-            <a:endParaRPr sz="3000">
-              <a:latin typeface="Courier New" panose="02070309020205020404"/>
-              <a:cs typeface="Courier New" panose="02070309020205020404"/>
+              <a:rPr sz="2700" dirty="0">
+                <a:latin typeface="Consolas" panose="020B0609020204030204"/>
+                <a:cs typeface="Consolas" panose="020B0609020204030204"/>
+              </a:rPr>
+              <a:t>{{product</a:t>
+            </a:r>
+            <a:r>
+              <a:rPr sz="2700" b="1" dirty="0">
+                <a:solidFill>
+                  <a:srgbClr val="9BC850"/>
+                </a:solidFill>
+                <a:latin typeface="Consolas" panose="020B0609020204030204"/>
+                <a:cs typeface="Consolas" panose="020B0609020204030204"/>
+              </a:rPr>
+              <a:t>?</a:t>
+            </a:r>
+            <a:r>
+              <a:rPr sz="2700" dirty="0">
+                <a:latin typeface="Consolas" panose="020B0609020204030204"/>
+                <a:cs typeface="Consolas" panose="020B0609020204030204"/>
+              </a:rPr>
+              <a:t>.productName}}</a:t>
+            </a:r>
+            <a:endParaRPr sz="2700">
+              <a:latin typeface="Consolas" panose="020B0609020204030204"/>
+              <a:cs typeface="Consolas" panose="020B0609020204030204"/>
             </a:endParaRPr>
-          </a:p>
-          <a:p>
-            <a:pPr marL="868045">
-              <a:lnSpc>
-                <a:spcPct val="100000"/>
-              </a:lnSpc>
-            </a:pPr>
-            <a:r>
-              <a:rPr sz="3000" spc="-5" dirty="0">
-                <a:latin typeface="Courier New" panose="02070309020205020404"/>
-                <a:cs typeface="Courier New" panose="02070309020205020404"/>
-              </a:rPr>
-              <a:t>{{product.productName}}</a:t>
-            </a:r>
-            <a:endParaRPr sz="3000">
-              <a:latin typeface="Courier New" panose="02070309020205020404"/>
-              <a:cs typeface="Courier New" panose="02070309020205020404"/>
-            </a:endParaRPr>
-          </a:p>
-          <a:p>
-            <a:pPr marL="182245">
-              <a:lnSpc>
-                <a:spcPct val="100000"/>
-              </a:lnSpc>
-            </a:pPr>
-            <a:r>
-              <a:rPr sz="3000" spc="-5" dirty="0">
-                <a:solidFill>
-                  <a:srgbClr val="A31515"/>
-                </a:solidFill>
-                <a:latin typeface="Courier New" panose="02070309020205020404"/>
-                <a:cs typeface="Courier New" panose="02070309020205020404"/>
-              </a:rPr>
-              <a:t>&lt;/a&gt;</a:t>
-            </a:r>
-            <a:endParaRPr sz="3000">
-              <a:latin typeface="Courier New" panose="02070309020205020404"/>
-              <a:cs typeface="Courier New" panose="02070309020205020404"/>
-            </a:endParaRPr>
-          </a:p>
-        </p:txBody>
-      </p:sp>
-      <p:sp>
-        <p:nvSpPr>
-          <p:cNvPr id="10" name="object 10"/>
-          <p:cNvSpPr/>
-          <p:nvPr/>
-        </p:nvSpPr>
-        <p:spPr>
-          <a:xfrm>
-            <a:off x="3949558" y="2151802"/>
-            <a:ext cx="6318250" cy="603885"/>
-          </a:xfrm>
-          <a:custGeom>
-            <a:avLst/>
-            <a:gdLst/>
-            <a:ahLst/>
-            <a:cxnLst/>
-            <a:rect l="l" t="t" r="r" b="b"/>
-            <a:pathLst>
-              <a:path w="6318250" h="603885">
-                <a:moveTo>
-                  <a:pt x="0" y="0"/>
-                </a:moveTo>
-                <a:lnTo>
-                  <a:pt x="6318174" y="0"/>
-                </a:lnTo>
-                <a:lnTo>
-                  <a:pt x="6318174" y="603504"/>
-                </a:lnTo>
-                <a:lnTo>
-                  <a:pt x="0" y="603504"/>
-                </a:lnTo>
-                <a:lnTo>
-                  <a:pt x="0" y="0"/>
-                </a:lnTo>
-                <a:close/>
-              </a:path>
-            </a:pathLst>
-          </a:custGeom>
-          <a:ln w="12700">
-            <a:solidFill>
-              <a:srgbClr val="791F41"/>
-            </a:solidFill>
-          </a:ln>
-        </p:spPr>
-        <p:txBody>
-          <a:bodyPr wrap="square" lIns="0" tIns="0" rIns="0" bIns="0" rtlCol="0"/>
-          <a:lstStyle/>
-          <a:p>
-            <a:endParaRPr/>
           </a:p>
         </p:txBody>
       </p:sp>
@@ -9803,43 +9009,271 @@
         </p:nvSpPr>
         <p:spPr>
           <a:xfrm>
-            <a:off x="3955909" y="2158152"/>
-            <a:ext cx="6305550" cy="591185"/>
+            <a:off x="4831079" y="6122386"/>
+            <a:ext cx="9154160" cy="2585720"/>
           </a:xfrm>
           <a:prstGeom prst="rect">
             <a:avLst/>
           </a:prstGeom>
-          <a:solidFill>
-            <a:srgbClr val="A62E5C"/>
-          </a:solidFill>
+          <a:ln w="12700">
+            <a:solidFill>
+              <a:srgbClr val="9BC850"/>
+            </a:solidFill>
+          </a:ln>
         </p:spPr>
         <p:txBody>
-          <a:bodyPr vert="horz" wrap="square" lIns="0" tIns="54610" rIns="0" bIns="0" rtlCol="0">
+          <a:bodyPr vert="horz" wrap="square" lIns="0" tIns="20955" rIns="0" bIns="0" rtlCol="0">
             <a:spAutoFit/>
           </a:bodyPr>
           <a:lstStyle/>
           <a:p>
-            <a:pPr algn="ctr">
+            <a:pPr marL="91440">
               <a:lnSpc>
                 <a:spcPct val="100000"/>
               </a:lnSpc>
               <a:spcBef>
-                <a:spcPts val="430"/>
+                <a:spcPts val="165"/>
               </a:spcBef>
             </a:pPr>
             <a:r>
-              <a:rPr sz="3000" b="1" spc="-35" dirty="0">
-                <a:solidFill>
-                  <a:srgbClr val="FFFFFF"/>
-                </a:solidFill>
-                <a:latin typeface="Arial" panose="020B0604020202020204"/>
-                <a:cs typeface="Arial" panose="020B0604020202020204"/>
-              </a:rPr>
-              <a:t>app.module.ts</a:t>
-            </a:r>
-            <a:endParaRPr sz="3000">
-              <a:latin typeface="Arial" panose="020B0604020202020204"/>
-              <a:cs typeface="Arial" panose="020B0604020202020204"/>
+              <a:rPr sz="2700" dirty="0">
+                <a:solidFill>
+                  <a:srgbClr val="800000"/>
+                </a:solidFill>
+                <a:latin typeface="Consolas" panose="020B0609020204030204"/>
+                <a:cs typeface="Consolas" panose="020B0609020204030204"/>
+              </a:rPr>
+              <a:t>&lt;div</a:t>
+            </a:r>
+            <a:r>
+              <a:rPr sz="2700" spc="-60" dirty="0">
+                <a:solidFill>
+                  <a:srgbClr val="800000"/>
+                </a:solidFill>
+                <a:latin typeface="Consolas" panose="020B0609020204030204"/>
+                <a:cs typeface="Consolas" panose="020B0609020204030204"/>
+              </a:rPr>
+              <a:t> </a:t>
+            </a:r>
+            <a:r>
+              <a:rPr sz="2700" b="1" dirty="0">
+                <a:solidFill>
+                  <a:srgbClr val="9BC850"/>
+                </a:solidFill>
+                <a:latin typeface="Consolas" panose="020B0609020204030204"/>
+                <a:cs typeface="Consolas" panose="020B0609020204030204"/>
+              </a:rPr>
+              <a:t>*ngIf</a:t>
+            </a:r>
+            <a:r>
+              <a:rPr sz="2700" dirty="0">
+                <a:latin typeface="Consolas" panose="020B0609020204030204"/>
+                <a:cs typeface="Consolas" panose="020B0609020204030204"/>
+              </a:rPr>
+              <a:t>=</a:t>
+            </a:r>
+            <a:r>
+              <a:rPr sz="2700" dirty="0">
+                <a:solidFill>
+                  <a:srgbClr val="0000FF"/>
+                </a:solidFill>
+                <a:latin typeface="Consolas" panose="020B0609020204030204"/>
+                <a:cs typeface="Consolas" panose="020B0609020204030204"/>
+              </a:rPr>
+              <a:t>'product'</a:t>
+            </a:r>
+            <a:r>
+              <a:rPr sz="2700" dirty="0">
+                <a:solidFill>
+                  <a:srgbClr val="800000"/>
+                </a:solidFill>
+                <a:latin typeface="Consolas" panose="020B0609020204030204"/>
+                <a:cs typeface="Consolas" panose="020B0609020204030204"/>
+              </a:rPr>
+              <a:t>&gt;</a:t>
+            </a:r>
+            <a:endParaRPr sz="2700">
+              <a:latin typeface="Consolas" panose="020B0609020204030204"/>
+              <a:cs typeface="Consolas" panose="020B0609020204030204"/>
+            </a:endParaRPr>
+          </a:p>
+          <a:p>
+            <a:pPr marL="469265">
+              <a:lnSpc>
+                <a:spcPts val="3230"/>
+              </a:lnSpc>
+              <a:spcBef>
+                <a:spcPts val="45"/>
+              </a:spcBef>
+            </a:pPr>
+            <a:r>
+              <a:rPr sz="2700" dirty="0">
+                <a:solidFill>
+                  <a:srgbClr val="800000"/>
+                </a:solidFill>
+                <a:latin typeface="Consolas" panose="020B0609020204030204"/>
+                <a:cs typeface="Consolas" panose="020B0609020204030204"/>
+              </a:rPr>
+              <a:t>&lt;div&gt;</a:t>
+            </a:r>
+            <a:r>
+              <a:rPr sz="2700" dirty="0">
+                <a:latin typeface="Consolas" panose="020B0609020204030204"/>
+                <a:cs typeface="Consolas" panose="020B0609020204030204"/>
+              </a:rPr>
+              <a:t>Name:</a:t>
+            </a:r>
+            <a:r>
+              <a:rPr sz="2700" dirty="0">
+                <a:solidFill>
+                  <a:srgbClr val="800000"/>
+                </a:solidFill>
+                <a:latin typeface="Consolas" panose="020B0609020204030204"/>
+                <a:cs typeface="Consolas" panose="020B0609020204030204"/>
+              </a:rPr>
+              <a:t>&lt;/div&gt;</a:t>
+            </a:r>
+            <a:endParaRPr sz="2700">
+              <a:latin typeface="Consolas" panose="020B0609020204030204"/>
+              <a:cs typeface="Consolas" panose="020B0609020204030204"/>
+            </a:endParaRPr>
+          </a:p>
+          <a:p>
+            <a:pPr marL="469265">
+              <a:lnSpc>
+                <a:spcPts val="3230"/>
+              </a:lnSpc>
+            </a:pPr>
+            <a:r>
+              <a:rPr sz="2700" dirty="0">
+                <a:solidFill>
+                  <a:srgbClr val="800000"/>
+                </a:solidFill>
+                <a:latin typeface="Consolas" panose="020B0609020204030204"/>
+                <a:cs typeface="Consolas" panose="020B0609020204030204"/>
+              </a:rPr>
+              <a:t>&lt;div&gt;</a:t>
+            </a:r>
+            <a:r>
+              <a:rPr sz="2700" dirty="0">
+                <a:latin typeface="Consolas" panose="020B0609020204030204"/>
+                <a:cs typeface="Consolas" panose="020B0609020204030204"/>
+              </a:rPr>
+              <a:t>{{product.productName}}</a:t>
+            </a:r>
+            <a:r>
+              <a:rPr sz="2700" dirty="0">
+                <a:solidFill>
+                  <a:srgbClr val="800000"/>
+                </a:solidFill>
+                <a:latin typeface="Consolas" panose="020B0609020204030204"/>
+                <a:cs typeface="Consolas" panose="020B0609020204030204"/>
+              </a:rPr>
+              <a:t>&lt;/div&gt;</a:t>
+            </a:r>
+            <a:endParaRPr sz="2700">
+              <a:latin typeface="Consolas" panose="020B0609020204030204"/>
+              <a:cs typeface="Consolas" panose="020B0609020204030204"/>
+            </a:endParaRPr>
+          </a:p>
+          <a:p>
+            <a:pPr marL="469265">
+              <a:lnSpc>
+                <a:spcPts val="3215"/>
+              </a:lnSpc>
+              <a:spcBef>
+                <a:spcPts val="50"/>
+              </a:spcBef>
+            </a:pPr>
+            <a:r>
+              <a:rPr sz="2700" dirty="0">
+                <a:solidFill>
+                  <a:srgbClr val="800000"/>
+                </a:solidFill>
+                <a:latin typeface="Consolas" panose="020B0609020204030204"/>
+                <a:cs typeface="Consolas" panose="020B0609020204030204"/>
+              </a:rPr>
+              <a:t>&lt;div&gt;</a:t>
+            </a:r>
+            <a:r>
+              <a:rPr sz="2700" dirty="0">
+                <a:latin typeface="Consolas" panose="020B0609020204030204"/>
+                <a:cs typeface="Consolas" panose="020B0609020204030204"/>
+              </a:rPr>
+              <a:t>Description:</a:t>
+            </a:r>
+            <a:r>
+              <a:rPr sz="2700" dirty="0">
+                <a:solidFill>
+                  <a:srgbClr val="800000"/>
+                </a:solidFill>
+                <a:latin typeface="Consolas" panose="020B0609020204030204"/>
+                <a:cs typeface="Consolas" panose="020B0609020204030204"/>
+              </a:rPr>
+              <a:t>&lt;/div&gt;</a:t>
+            </a:r>
+            <a:endParaRPr sz="2700">
+              <a:latin typeface="Consolas" panose="020B0609020204030204"/>
+              <a:cs typeface="Consolas" panose="020B0609020204030204"/>
+            </a:endParaRPr>
+          </a:p>
+          <a:p>
+            <a:pPr marL="469265">
+              <a:lnSpc>
+                <a:spcPts val="3205"/>
+              </a:lnSpc>
+            </a:pPr>
+            <a:r>
+              <a:rPr sz="2700" dirty="0">
+                <a:solidFill>
+                  <a:srgbClr val="800000"/>
+                </a:solidFill>
+                <a:latin typeface="Consolas" panose="020B0609020204030204"/>
+                <a:cs typeface="Consolas" panose="020B0609020204030204"/>
+              </a:rPr>
+              <a:t>&lt;div&gt;</a:t>
+            </a:r>
+            <a:r>
+              <a:rPr sz="2700" dirty="0">
+                <a:latin typeface="Consolas" panose="020B0609020204030204"/>
+                <a:cs typeface="Consolas" panose="020B0609020204030204"/>
+              </a:rPr>
+              <a:t>{{product.description}}</a:t>
+            </a:r>
+            <a:r>
+              <a:rPr sz="2700" dirty="0">
+                <a:solidFill>
+                  <a:srgbClr val="800000"/>
+                </a:solidFill>
+                <a:latin typeface="Consolas" panose="020B0609020204030204"/>
+                <a:cs typeface="Consolas" panose="020B0609020204030204"/>
+              </a:rPr>
+              <a:t>&lt;/div&gt;</a:t>
+            </a:r>
+            <a:endParaRPr sz="2700">
+              <a:latin typeface="Consolas" panose="020B0609020204030204"/>
+              <a:cs typeface="Consolas" panose="020B0609020204030204"/>
+            </a:endParaRPr>
+          </a:p>
+          <a:p>
+            <a:pPr marL="91440">
+              <a:lnSpc>
+                <a:spcPts val="3230"/>
+              </a:lnSpc>
+            </a:pPr>
+            <a:r>
+              <a:rPr sz="2700" dirty="0">
+                <a:solidFill>
+                  <a:srgbClr val="800000"/>
+                </a:solidFill>
+                <a:latin typeface="Consolas" panose="020B0609020204030204"/>
+                <a:cs typeface="Consolas" panose="020B0609020204030204"/>
+              </a:rPr>
+              <a:t>&lt;/div&gt;</a:t>
+            </a:r>
+            <a:endParaRPr sz="2700">
+              <a:latin typeface="Consolas" panose="020B0609020204030204"/>
+              <a:cs typeface="Consolas" panose="020B0609020204030204"/>
             </a:endParaRPr>
           </a:p>
         </p:txBody>
@@ -9852,527 +9286,83 @@
         </p:nvSpPr>
         <p:spPr>
           <a:xfrm>
-            <a:off x="3949559" y="2755306"/>
-            <a:ext cx="13876655" cy="646430"/>
+            <a:off x="4831079" y="4514964"/>
+            <a:ext cx="9154160" cy="508000"/>
           </a:xfrm>
           <a:prstGeom prst="rect">
             <a:avLst/>
           </a:prstGeom>
           <a:ln w="12700">
             <a:solidFill>
-              <a:srgbClr val="A62E5C"/>
+              <a:srgbClr val="9BC850"/>
             </a:solidFill>
           </a:ln>
         </p:spPr>
         <p:txBody>
-          <a:bodyPr vert="horz" wrap="square" lIns="0" tIns="79375" rIns="0" bIns="0" rtlCol="0">
+          <a:bodyPr vert="horz" wrap="square" lIns="0" tIns="19050" rIns="0" bIns="0" rtlCol="0">
             <a:spAutoFit/>
           </a:bodyPr>
           <a:lstStyle/>
           <a:p>
-            <a:pPr marL="182880">
+            <a:pPr marL="91440">
               <a:lnSpc>
                 <a:spcPct val="100000"/>
               </a:lnSpc>
               <a:spcBef>
-                <a:spcPts val="625"/>
+                <a:spcPts val="150"/>
               </a:spcBef>
             </a:pPr>
             <a:r>
-              <a:rPr sz="3000" dirty="0">
-                <a:latin typeface="Courier New" panose="02070309020205020404"/>
-                <a:cs typeface="Courier New" panose="02070309020205020404"/>
-              </a:rPr>
-              <a:t>{</a:t>
-            </a:r>
-            <a:r>
-              <a:rPr sz="3000" spc="-20" dirty="0">
-                <a:latin typeface="Courier New" panose="02070309020205020404"/>
-                <a:cs typeface="Courier New" panose="02070309020205020404"/>
-              </a:rPr>
-              <a:t> </a:t>
-            </a:r>
-            <a:r>
-              <a:rPr sz="3000" spc="-5" dirty="0">
-                <a:latin typeface="Courier New" panose="02070309020205020404"/>
-                <a:cs typeface="Courier New" panose="02070309020205020404"/>
-              </a:rPr>
-              <a:t>path:</a:t>
-            </a:r>
-            <a:r>
-              <a:rPr sz="3000" spc="-15" dirty="0">
-                <a:latin typeface="Courier New" panose="02070309020205020404"/>
-                <a:cs typeface="Courier New" panose="02070309020205020404"/>
-              </a:rPr>
-              <a:t> </a:t>
-            </a:r>
-            <a:r>
-              <a:rPr sz="3000" spc="-5" dirty="0">
-                <a:solidFill>
-                  <a:srgbClr val="A31515"/>
-                </a:solidFill>
-                <a:latin typeface="Courier New" panose="02070309020205020404"/>
-                <a:cs typeface="Courier New" panose="02070309020205020404"/>
-              </a:rPr>
-              <a:t>'products/:id'</a:t>
-            </a:r>
-            <a:r>
-              <a:rPr sz="3000" spc="-5" dirty="0">
-                <a:latin typeface="Courier New" panose="02070309020205020404"/>
-                <a:cs typeface="Courier New" panose="02070309020205020404"/>
-              </a:rPr>
-              <a:t>,</a:t>
-            </a:r>
-            <a:r>
-              <a:rPr sz="3000" spc="-20" dirty="0">
-                <a:latin typeface="Courier New" panose="02070309020205020404"/>
-                <a:cs typeface="Courier New" panose="02070309020205020404"/>
-              </a:rPr>
-              <a:t> </a:t>
-            </a:r>
-            <a:r>
-              <a:rPr sz="3000" spc="-5" dirty="0">
-                <a:latin typeface="Courier New" panose="02070309020205020404"/>
-                <a:cs typeface="Courier New" panose="02070309020205020404"/>
-              </a:rPr>
-              <a:t>component:</a:t>
-            </a:r>
-            <a:r>
-              <a:rPr sz="3000" spc="-15" dirty="0">
-                <a:latin typeface="Courier New" panose="02070309020205020404"/>
-                <a:cs typeface="Courier New" panose="02070309020205020404"/>
-              </a:rPr>
-              <a:t> </a:t>
-            </a:r>
-            <a:r>
-              <a:rPr sz="3000" spc="-5" dirty="0">
-                <a:latin typeface="Courier New" panose="02070309020205020404"/>
-                <a:cs typeface="Courier New" panose="02070309020205020404"/>
-              </a:rPr>
-              <a:t>ProductDetailComponent</a:t>
-            </a:r>
-            <a:r>
-              <a:rPr sz="3000" spc="-20" dirty="0">
-                <a:latin typeface="Courier New" panose="02070309020205020404"/>
-                <a:cs typeface="Courier New" panose="02070309020205020404"/>
-              </a:rPr>
-              <a:t> </a:t>
-            </a:r>
-            <a:r>
-              <a:rPr sz="3000" dirty="0">
-                <a:latin typeface="Courier New" panose="02070309020205020404"/>
-                <a:cs typeface="Courier New" panose="02070309020205020404"/>
-              </a:rPr>
-              <a:t>}</a:t>
-            </a:r>
-            <a:endParaRPr sz="3000">
-              <a:latin typeface="Courier New" panose="02070309020205020404"/>
-              <a:cs typeface="Courier New" panose="02070309020205020404"/>
+              <a:rPr sz="2700" dirty="0">
+                <a:latin typeface="Consolas" panose="020B0609020204030204"/>
+                <a:cs typeface="Consolas" panose="020B0609020204030204"/>
+              </a:rPr>
+              <a:t>{{product</a:t>
+            </a:r>
+            <a:r>
+              <a:rPr sz="2700" b="1" dirty="0">
+                <a:solidFill>
+                  <a:srgbClr val="9BC850"/>
+                </a:solidFill>
+                <a:latin typeface="Consolas" panose="020B0609020204030204"/>
+                <a:cs typeface="Consolas" panose="020B0609020204030204"/>
+              </a:rPr>
+              <a:t>?</a:t>
+            </a:r>
+            <a:r>
+              <a:rPr sz="2700" dirty="0">
+                <a:latin typeface="Consolas" panose="020B0609020204030204"/>
+                <a:cs typeface="Consolas" panose="020B0609020204030204"/>
+              </a:rPr>
+              <a:t>.supplier</a:t>
+            </a:r>
+            <a:r>
+              <a:rPr sz="2700" b="1" dirty="0">
+                <a:solidFill>
+                  <a:srgbClr val="9BC850"/>
+                </a:solidFill>
+                <a:latin typeface="Consolas" panose="020B0609020204030204"/>
+                <a:cs typeface="Consolas" panose="020B0609020204030204"/>
+              </a:rPr>
+              <a:t>?</a:t>
+            </a:r>
+            <a:r>
+              <a:rPr sz="2700" dirty="0">
+                <a:latin typeface="Consolas" panose="020B0609020204030204"/>
+                <a:cs typeface="Consolas" panose="020B0609020204030204"/>
+              </a:rPr>
+              <a:t>.companyName}}</a:t>
+            </a:r>
+            <a:endParaRPr sz="2700">
+              <a:latin typeface="Consolas" panose="020B0609020204030204"/>
+              <a:cs typeface="Consolas" panose="020B0609020204030204"/>
             </a:endParaRPr>
           </a:p>
         </p:txBody>
       </p:sp>
       <p:sp>
         <p:nvSpPr>
-          <p:cNvPr id="13" name="object 13"/>
-          <p:cNvSpPr/>
-          <p:nvPr/>
-        </p:nvSpPr>
-        <p:spPr>
-          <a:xfrm>
-            <a:off x="3957775" y="6173696"/>
-            <a:ext cx="6318250" cy="603885"/>
-          </a:xfrm>
-          <a:custGeom>
-            <a:avLst/>
-            <a:gdLst/>
-            <a:ahLst/>
-            <a:cxnLst/>
-            <a:rect l="l" t="t" r="r" b="b"/>
-            <a:pathLst>
-              <a:path w="6318250" h="603884">
-                <a:moveTo>
-                  <a:pt x="0" y="0"/>
-                </a:moveTo>
-                <a:lnTo>
-                  <a:pt x="6318174" y="0"/>
-                </a:lnTo>
-                <a:lnTo>
-                  <a:pt x="6318174" y="603504"/>
-                </a:lnTo>
-                <a:lnTo>
-                  <a:pt x="0" y="603504"/>
-                </a:lnTo>
-                <a:lnTo>
-                  <a:pt x="0" y="0"/>
-                </a:lnTo>
-                <a:close/>
-              </a:path>
-            </a:pathLst>
-          </a:custGeom>
-          <a:ln w="12700">
-            <a:solidFill>
-              <a:srgbClr val="1C7489"/>
-            </a:solidFill>
-          </a:ln>
-        </p:spPr>
-        <p:txBody>
-          <a:bodyPr wrap="square" lIns="0" tIns="0" rIns="0" bIns="0" rtlCol="0"/>
-          <a:lstStyle/>
-          <a:p>
-            <a:endParaRPr/>
-          </a:p>
-        </p:txBody>
-      </p:sp>
-      <p:sp>
-        <p:nvSpPr>
-          <p:cNvPr id="14" name="object 14"/>
-          <p:cNvSpPr txBox="1"/>
-          <p:nvPr/>
-        </p:nvSpPr>
-        <p:spPr>
-          <a:xfrm>
-            <a:off x="3964127" y="6180046"/>
-            <a:ext cx="6305550" cy="584200"/>
-          </a:xfrm>
-          <a:prstGeom prst="rect">
-            <a:avLst/>
-          </a:prstGeom>
-          <a:solidFill>
-            <a:srgbClr val="2A9FBC"/>
-          </a:solidFill>
-        </p:spPr>
-        <p:txBody>
-          <a:bodyPr vert="horz" wrap="square" lIns="0" tIns="52705" rIns="0" bIns="0" rtlCol="0">
-            <a:spAutoFit/>
-          </a:bodyPr>
-          <a:lstStyle/>
-          <a:p>
-            <a:pPr marL="549275">
-              <a:lnSpc>
-                <a:spcPct val="100000"/>
-              </a:lnSpc>
-              <a:spcBef>
-                <a:spcPts val="415"/>
-              </a:spcBef>
-            </a:pPr>
-            <a:r>
-              <a:rPr sz="3000" b="1" spc="15" dirty="0">
-                <a:solidFill>
-                  <a:srgbClr val="FFFFFF"/>
-                </a:solidFill>
-                <a:latin typeface="Arial" panose="020B0604020202020204"/>
-                <a:cs typeface="Arial" panose="020B0604020202020204"/>
-              </a:rPr>
-              <a:t>product-detail.component.ts</a:t>
-            </a:r>
-            <a:endParaRPr sz="3000">
-              <a:latin typeface="Arial" panose="020B0604020202020204"/>
-              <a:cs typeface="Arial" panose="020B0604020202020204"/>
-            </a:endParaRPr>
-          </a:p>
-        </p:txBody>
-      </p:sp>
-      <p:sp>
-        <p:nvSpPr>
-          <p:cNvPr id="15" name="object 15"/>
-          <p:cNvSpPr/>
-          <p:nvPr/>
-        </p:nvSpPr>
-        <p:spPr>
-          <a:xfrm>
-            <a:off x="3957777" y="6772705"/>
-            <a:ext cx="13868400" cy="2493010"/>
-          </a:xfrm>
-          <a:custGeom>
-            <a:avLst/>
-            <a:gdLst/>
-            <a:ahLst/>
-            <a:cxnLst/>
-            <a:rect l="l" t="t" r="r" b="b"/>
-            <a:pathLst>
-              <a:path w="13868400" h="2493009">
-                <a:moveTo>
-                  <a:pt x="0" y="0"/>
-                </a:moveTo>
-                <a:lnTo>
-                  <a:pt x="13868210" y="0"/>
-                </a:lnTo>
-                <a:lnTo>
-                  <a:pt x="13868210" y="2492990"/>
-                </a:lnTo>
-                <a:lnTo>
-                  <a:pt x="0" y="2492990"/>
-                </a:lnTo>
-                <a:lnTo>
-                  <a:pt x="0" y="0"/>
-                </a:lnTo>
-                <a:close/>
-              </a:path>
-            </a:pathLst>
-          </a:custGeom>
-          <a:ln w="12700">
-            <a:solidFill>
-              <a:srgbClr val="2A9FBC"/>
-            </a:solidFill>
-          </a:ln>
-        </p:spPr>
-        <p:txBody>
-          <a:bodyPr wrap="square" lIns="0" tIns="0" rIns="0" bIns="0" rtlCol="0"/>
-          <a:lstStyle/>
-          <a:p>
-            <a:endParaRPr/>
-          </a:p>
-        </p:txBody>
-      </p:sp>
-      <p:sp>
-        <p:nvSpPr>
-          <p:cNvPr id="16" name="object 16"/>
-          <p:cNvSpPr txBox="1"/>
-          <p:nvPr/>
-        </p:nvSpPr>
-        <p:spPr>
-          <a:xfrm>
-            <a:off x="3964127" y="6839204"/>
-            <a:ext cx="13855700" cy="2311400"/>
-          </a:xfrm>
-          <a:prstGeom prst="rect">
-            <a:avLst/>
-          </a:prstGeom>
-        </p:spPr>
-        <p:txBody>
-          <a:bodyPr vert="horz" wrap="square" lIns="0" tIns="12700" rIns="0" bIns="0" rtlCol="0">
-            <a:spAutoFit/>
-          </a:bodyPr>
-          <a:lstStyle/>
-          <a:p>
-            <a:pPr marL="175895">
-              <a:lnSpc>
-                <a:spcPct val="100000"/>
-              </a:lnSpc>
-              <a:spcBef>
-                <a:spcPts val="100"/>
-              </a:spcBef>
-            </a:pPr>
-            <a:r>
-              <a:rPr sz="3000" spc="-5" dirty="0">
-                <a:latin typeface="Courier New" panose="02070309020205020404"/>
-                <a:cs typeface="Courier New" panose="02070309020205020404"/>
-              </a:rPr>
-              <a:t>import</a:t>
-            </a:r>
-            <a:r>
-              <a:rPr sz="3000" spc="-20" dirty="0">
-                <a:latin typeface="Courier New" panose="02070309020205020404"/>
-                <a:cs typeface="Courier New" panose="02070309020205020404"/>
-              </a:rPr>
-              <a:t> </a:t>
-            </a:r>
-            <a:r>
-              <a:rPr sz="3000" dirty="0">
-                <a:latin typeface="Courier New" panose="02070309020205020404"/>
-                <a:cs typeface="Courier New" panose="02070309020205020404"/>
-              </a:rPr>
-              <a:t>{</a:t>
-            </a:r>
-            <a:r>
-              <a:rPr sz="3000" spc="-15" dirty="0">
-                <a:latin typeface="Courier New" panose="02070309020205020404"/>
-                <a:cs typeface="Courier New" panose="02070309020205020404"/>
-              </a:rPr>
-              <a:t> </a:t>
-            </a:r>
-            <a:r>
-              <a:rPr sz="3000" spc="-5" dirty="0">
-                <a:latin typeface="Courier New" panose="02070309020205020404"/>
-                <a:cs typeface="Courier New" panose="02070309020205020404"/>
-              </a:rPr>
-              <a:t>ActivatedRoute</a:t>
-            </a:r>
-            <a:r>
-              <a:rPr sz="3000" spc="-20" dirty="0">
-                <a:latin typeface="Courier New" panose="02070309020205020404"/>
-                <a:cs typeface="Courier New" panose="02070309020205020404"/>
-              </a:rPr>
-              <a:t> </a:t>
-            </a:r>
-            <a:r>
-              <a:rPr sz="3000" dirty="0">
-                <a:latin typeface="Courier New" panose="02070309020205020404"/>
-                <a:cs typeface="Courier New" panose="02070309020205020404"/>
-              </a:rPr>
-              <a:t>}</a:t>
-            </a:r>
-            <a:r>
-              <a:rPr sz="3000" spc="-20" dirty="0">
-                <a:latin typeface="Courier New" panose="02070309020205020404"/>
-                <a:cs typeface="Courier New" panose="02070309020205020404"/>
-              </a:rPr>
-              <a:t> </a:t>
-            </a:r>
-            <a:r>
-              <a:rPr sz="3000" spc="-5" dirty="0">
-                <a:latin typeface="Courier New" panose="02070309020205020404"/>
-                <a:cs typeface="Courier New" panose="02070309020205020404"/>
-              </a:rPr>
-              <a:t>from</a:t>
-            </a:r>
-            <a:r>
-              <a:rPr sz="3000" spc="-15" dirty="0">
-                <a:latin typeface="Courier New" panose="02070309020205020404"/>
-                <a:cs typeface="Courier New" panose="02070309020205020404"/>
-              </a:rPr>
-              <a:t> </a:t>
-            </a:r>
-            <a:r>
-              <a:rPr sz="3000" spc="-5" dirty="0">
-                <a:solidFill>
-                  <a:srgbClr val="A31515"/>
-                </a:solidFill>
-                <a:latin typeface="Courier New" panose="02070309020205020404"/>
-                <a:cs typeface="Courier New" panose="02070309020205020404"/>
-              </a:rPr>
-              <a:t>'@angular/router'</a:t>
-            </a:r>
-            <a:r>
-              <a:rPr sz="3000" spc="-5" dirty="0">
-                <a:latin typeface="Courier New" panose="02070309020205020404"/>
-                <a:cs typeface="Courier New" panose="02070309020205020404"/>
-              </a:rPr>
-              <a:t>;</a:t>
-            </a:r>
-            <a:endParaRPr sz="3000">
-              <a:latin typeface="Courier New" panose="02070309020205020404"/>
-              <a:cs typeface="Courier New" panose="02070309020205020404"/>
-            </a:endParaRPr>
-          </a:p>
-          <a:p>
-            <a:pPr>
-              <a:lnSpc>
-                <a:spcPct val="100000"/>
-              </a:lnSpc>
-              <a:spcBef>
-                <a:spcPts val="30"/>
-              </a:spcBef>
-            </a:pPr>
-            <a:endParaRPr sz="3150">
-              <a:latin typeface="Courier New" panose="02070309020205020404"/>
-              <a:cs typeface="Courier New" panose="02070309020205020404"/>
-            </a:endParaRPr>
-          </a:p>
-          <a:p>
-            <a:pPr marL="861695" marR="1097915" indent="-685800">
-              <a:lnSpc>
-                <a:spcPct val="100000"/>
-              </a:lnSpc>
-            </a:pPr>
-            <a:r>
-              <a:rPr sz="3000" spc="-5" dirty="0">
-                <a:latin typeface="Courier New" panose="02070309020205020404"/>
-                <a:cs typeface="Courier New" panose="02070309020205020404"/>
-              </a:rPr>
-              <a:t>constructor(</a:t>
-            </a:r>
-            <a:r>
-              <a:rPr sz="3000" spc="-5" dirty="0">
-                <a:solidFill>
-                  <a:srgbClr val="002FFF"/>
-                </a:solidFill>
-                <a:latin typeface="Courier New" panose="02070309020205020404"/>
-                <a:cs typeface="Courier New" panose="02070309020205020404"/>
-              </a:rPr>
-              <a:t>private </a:t>
-            </a:r>
-            <a:r>
-              <a:rPr sz="3000" spc="-5" dirty="0">
-                <a:latin typeface="Courier New" panose="02070309020205020404"/>
-                <a:cs typeface="Courier New" panose="02070309020205020404"/>
-              </a:rPr>
-              <a:t>route: ActivatedRoute) </a:t>
-            </a:r>
-            <a:r>
-              <a:rPr sz="3000" dirty="0">
-                <a:latin typeface="Courier New" panose="02070309020205020404"/>
-                <a:cs typeface="Courier New" panose="02070309020205020404"/>
-              </a:rPr>
-              <a:t>{ </a:t>
-            </a:r>
-            <a:r>
-              <a:rPr sz="3000" spc="5" dirty="0">
-                <a:latin typeface="Courier New" panose="02070309020205020404"/>
-                <a:cs typeface="Courier New" panose="02070309020205020404"/>
-              </a:rPr>
-              <a:t> </a:t>
-            </a:r>
-            <a:r>
-              <a:rPr sz="3000" spc="-5" dirty="0">
-                <a:latin typeface="Courier New" panose="02070309020205020404"/>
-                <a:cs typeface="Courier New" panose="02070309020205020404"/>
-              </a:rPr>
-              <a:t>console.log(</a:t>
-            </a:r>
-            <a:r>
-              <a:rPr sz="3000" spc="-5" dirty="0">
-                <a:solidFill>
-                  <a:srgbClr val="002FFF"/>
-                </a:solidFill>
-                <a:latin typeface="Courier New" panose="02070309020205020404"/>
-                <a:cs typeface="Courier New" panose="02070309020205020404"/>
-              </a:rPr>
-              <a:t>this</a:t>
-            </a:r>
-            <a:r>
-              <a:rPr sz="3000" spc="-5" dirty="0">
-                <a:latin typeface="Courier New" panose="02070309020205020404"/>
-                <a:cs typeface="Courier New" panose="02070309020205020404"/>
-              </a:rPr>
-              <a:t>.route.snapshot.paramMap.get(</a:t>
-            </a:r>
-            <a:r>
-              <a:rPr sz="3000" spc="-5" dirty="0">
-                <a:solidFill>
-                  <a:srgbClr val="A31515"/>
-                </a:solidFill>
-                <a:latin typeface="Courier New" panose="02070309020205020404"/>
-                <a:cs typeface="Courier New" panose="02070309020205020404"/>
-              </a:rPr>
-              <a:t>'id'</a:t>
-            </a:r>
-            <a:r>
-              <a:rPr sz="3000" spc="-5" dirty="0">
-                <a:latin typeface="Courier New" panose="02070309020205020404"/>
-                <a:cs typeface="Courier New" panose="02070309020205020404"/>
-              </a:rPr>
-              <a:t>));</a:t>
-            </a:r>
-            <a:endParaRPr sz="3000">
-              <a:latin typeface="Courier New" panose="02070309020205020404"/>
-              <a:cs typeface="Courier New" panose="02070309020205020404"/>
-            </a:endParaRPr>
-          </a:p>
-          <a:p>
-            <a:pPr marL="175895">
-              <a:lnSpc>
-                <a:spcPct val="100000"/>
-              </a:lnSpc>
-            </a:pPr>
-            <a:r>
-              <a:rPr sz="3000" dirty="0">
-                <a:latin typeface="Courier New" panose="02070309020205020404"/>
-                <a:cs typeface="Courier New" panose="02070309020205020404"/>
-              </a:rPr>
-              <a:t>}</a:t>
-            </a:r>
-            <a:endParaRPr sz="3000">
-              <a:latin typeface="Courier New" panose="02070309020205020404"/>
-              <a:cs typeface="Courier New" panose="02070309020205020404"/>
-            </a:endParaRPr>
-          </a:p>
-        </p:txBody>
-      </p:sp>
-      <p:sp>
-        <p:nvSpPr>
-          <p:cNvPr id="17" name="Slide Number Placeholder 16"/>
+          <p:cNvPr id="13" name="Slide Number Placeholder 12"/>
           <p:cNvSpPr>
             <a:spLocks noGrp="1"/>
           </p:cNvSpPr>
@@ -10387,7 +9377,6 @@
           <a:p>
             <a:fld id="{B6F15528-21DE-4FAA-801E-634DDDAF4B2B}" type="slidenum">
               <a:rPr/>
-              <a:t>21</a:t>
             </a:fld>
             <a:endParaRPr/>
           </a:p>
@@ -10477,9 +9466,7 @@
           <p:txBody>
             <a:bodyPr wrap="square" lIns="0" tIns="0" rIns="0" bIns="0" rtlCol="0"/>
             <a:lstStyle/>
-            <a:p>
-              <a:endParaRPr/>
-            </a:p>
+            <a:p/>
           </p:txBody>
         </p:sp>
         <p:sp>
@@ -10527,9 +9514,7 @@
           <p:txBody>
             <a:bodyPr wrap="square" lIns="0" tIns="0" rIns="0" bIns="0" rtlCol="0"/>
             <a:lstStyle/>
-            <a:p>
-              <a:endParaRPr/>
-            </a:p>
+            <a:p/>
           </p:txBody>
         </p:sp>
         <p:sp>
@@ -10579,9 +9564,7 @@
           <p:txBody>
             <a:bodyPr wrap="square" lIns="0" tIns="0" rIns="0" bIns="0" rtlCol="0"/>
             <a:lstStyle/>
-            <a:p>
-              <a:endParaRPr/>
-            </a:p>
+            <a:p/>
           </p:txBody>
         </p:sp>
         <p:pic>
@@ -10591,7 +9574,7 @@
             <p:nvPr/>
           </p:nvPicPr>
           <p:blipFill>
-            <a:blip r:embed="rId2" cstate="print"/>
+            <a:blip r:embed="rId1" cstate="print"/>
             <a:stretch>
               <a:fillRect/>
             </a:stretch>
@@ -10620,14 +9603,14 @@
         <p:spPr>
           <a:xfrm>
             <a:off x="286181" y="374395"/>
-            <a:ext cx="2379345" cy="2710815"/>
+            <a:ext cx="2480945" cy="2165350"/>
           </a:xfrm>
           <a:prstGeom prst="rect">
             <a:avLst/>
           </a:prstGeom>
         </p:spPr>
         <p:txBody>
-          <a:bodyPr vert="horz" wrap="square" lIns="0" tIns="26670" rIns="0" bIns="0" rtlCol="0">
+          <a:bodyPr vert="horz" wrap="square" lIns="0" tIns="30480" rIns="0" bIns="0" rtlCol="0">
             <a:spAutoFit/>
           </a:bodyPr>
           <a:lstStyle/>
@@ -10637,7 +9620,7 @@
                 <a:spcPct val="97000"/>
               </a:lnSpc>
               <a:spcBef>
-                <a:spcPts val="210"/>
+                <a:spcPts val="240"/>
               </a:spcBef>
             </a:pPr>
             <a:r>
@@ -10681,84 +9664,104 @@
               <a:t> </a:t>
             </a:r>
             <a:r>
-              <a:rPr sz="3600" b="1" spc="25" dirty="0">
+              <a:rPr sz="3600" b="1" spc="-120" dirty="0">
                 <a:solidFill>
                   <a:srgbClr val="FFFFFF"/>
                 </a:solidFill>
                 <a:latin typeface="Arial" panose="020B0604020202020204"/>
                 <a:cs typeface="Arial" panose="020B0604020202020204"/>
               </a:rPr>
-              <a:t>Activate </a:t>
-            </a:r>
-            <a:r>
-              <a:rPr sz="3600" b="1" spc="-30" dirty="0">
+              <a:t>Passing </a:t>
+            </a:r>
+            <a:r>
+              <a:rPr sz="3600" b="1" spc="-114" dirty="0">
                 <a:solidFill>
                   <a:srgbClr val="FFFFFF"/>
                 </a:solidFill>
                 <a:latin typeface="Arial" panose="020B0604020202020204"/>
                 <a:cs typeface="Arial" panose="020B0604020202020204"/>
               </a:rPr>
-              <a:t>a </a:t>
-            </a:r>
-            <a:r>
-              <a:rPr sz="3600" b="1" spc="-25" dirty="0">
+              <a:t> </a:t>
+            </a:r>
+            <a:r>
+              <a:rPr sz="3600" b="1" spc="-225" dirty="0">
                 <a:solidFill>
                   <a:srgbClr val="FFFFFF"/>
                 </a:solidFill>
                 <a:latin typeface="Arial" panose="020B0604020202020204"/>
                 <a:cs typeface="Arial" panose="020B0604020202020204"/>
               </a:rPr>
-              <a:t> </a:t>
-            </a:r>
-            <a:r>
-              <a:rPr sz="3600" b="1" spc="-5" dirty="0">
+              <a:t>P</a:t>
+            </a:r>
+            <a:r>
+              <a:rPr sz="3600" b="1" spc="-35" dirty="0">
                 <a:solidFill>
                   <a:srgbClr val="FFFFFF"/>
                 </a:solidFill>
                 <a:latin typeface="Arial" panose="020B0604020202020204"/>
                 <a:cs typeface="Arial" panose="020B0604020202020204"/>
               </a:rPr>
-              <a:t>Route</a:t>
-            </a:r>
-            <a:r>
-              <a:rPr sz="3600" b="1" spc="-114" dirty="0">
+              <a:t>ar</a:t>
+            </a:r>
+            <a:r>
+              <a:rPr sz="3600" b="1" spc="-55" dirty="0">
                 <a:solidFill>
                   <a:srgbClr val="FFFFFF"/>
                 </a:solidFill>
                 <a:latin typeface="Arial" panose="020B0604020202020204"/>
                 <a:cs typeface="Arial" panose="020B0604020202020204"/>
               </a:rPr>
-              <a:t> </a:t>
-            </a:r>
-            <a:r>
-              <a:rPr sz="3600" b="1" spc="40" dirty="0">
+              <a:t>a</a:t>
+            </a:r>
+            <a:r>
+              <a:rPr sz="3600" b="1" spc="-90" dirty="0">
                 <a:solidFill>
                   <a:srgbClr val="FFFFFF"/>
                 </a:solidFill>
                 <a:latin typeface="Arial" panose="020B0604020202020204"/>
                 <a:cs typeface="Arial" panose="020B0604020202020204"/>
               </a:rPr>
-              <a:t>with </a:t>
-            </a:r>
-            <a:r>
-              <a:rPr sz="3600" b="1" spc="-985" dirty="0">
+              <a:t>m</a:t>
+            </a:r>
+            <a:r>
+              <a:rPr sz="3600" b="1" spc="114" dirty="0">
                 <a:solidFill>
                   <a:srgbClr val="FFFFFF"/>
                 </a:solidFill>
                 <a:latin typeface="Arial" panose="020B0604020202020204"/>
                 <a:cs typeface="Arial" panose="020B0604020202020204"/>
               </a:rPr>
-              <a:t> </a:t>
-            </a:r>
-            <a:r>
-              <a:rPr sz="3600" b="1" spc="45" dirty="0">
+              <a:t>e</a:t>
+            </a:r>
+            <a:r>
+              <a:rPr sz="3600" b="1" spc="190" dirty="0">
                 <a:solidFill>
                   <a:srgbClr val="FFFFFF"/>
                 </a:solidFill>
                 <a:latin typeface="Arial" panose="020B0604020202020204"/>
                 <a:cs typeface="Arial" panose="020B0604020202020204"/>
               </a:rPr>
-              <a:t>Code</a:t>
+              <a:t>t</a:t>
+            </a:r>
+            <a:r>
+              <a:rPr sz="3600" b="1" spc="114" dirty="0">
+                <a:solidFill>
+                  <a:srgbClr val="FFFFFF"/>
+                </a:solidFill>
+                <a:latin typeface="Arial" panose="020B0604020202020204"/>
+                <a:cs typeface="Arial" panose="020B0604020202020204"/>
+              </a:rPr>
+              <a:t>e</a:t>
+            </a:r>
+            <a:r>
+              <a:rPr sz="3600" b="1" spc="-155" dirty="0">
+                <a:solidFill>
+                  <a:srgbClr val="FFFFFF"/>
+                </a:solidFill>
+                <a:latin typeface="Arial" panose="020B0604020202020204"/>
+                <a:cs typeface="Arial" panose="020B0604020202020204"/>
+              </a:rPr>
+              <a:t>rs</a:t>
             </a:r>
             <a:endParaRPr sz="3600">
               <a:latin typeface="Arial" panose="020B0604020202020204"/>
@@ -10775,578 +9778,41 @@
         </p:nvSpPr>
         <p:spPr>
           <a:xfrm>
-            <a:off x="4064111" y="1209547"/>
-            <a:ext cx="13403580" cy="3101340"/>
+            <a:off x="3949558" y="3704112"/>
+            <a:ext cx="6318250" cy="603885"/>
           </a:xfrm>
           <a:prstGeom prst="rect">
             <a:avLst/>
           </a:prstGeom>
+          <a:solidFill>
+            <a:srgbClr val="9BC850"/>
+          </a:solidFill>
         </p:spPr>
         <p:txBody>
-          <a:bodyPr vert="horz" wrap="square" lIns="0" tIns="12700" rIns="0" bIns="0" rtlCol="0">
+          <a:bodyPr vert="horz" wrap="square" lIns="0" tIns="59690" rIns="0" bIns="0" rtlCol="0">
             <a:spAutoFit/>
           </a:bodyPr>
           <a:lstStyle/>
           <a:p>
-            <a:pPr marL="20320">
+            <a:pPr marL="556260">
               <a:lnSpc>
-                <a:spcPts val="4310"/>
+                <a:spcPct val="100000"/>
               </a:lnSpc>
               <a:spcBef>
-                <a:spcPts val="100"/>
+                <a:spcPts val="470"/>
               </a:spcBef>
             </a:pPr>
             <a:r>
-              <a:rPr sz="3600" b="1" spc="-55" dirty="0">
-                <a:solidFill>
-                  <a:srgbClr val="9BC850"/>
-                </a:solidFill>
-                <a:latin typeface="Arial" panose="020B0604020202020204"/>
-                <a:cs typeface="Arial" panose="020B0604020202020204"/>
-              </a:rPr>
-              <a:t>Use</a:t>
-            </a:r>
-            <a:r>
-              <a:rPr sz="3600" b="1" spc="-75" dirty="0">
-                <a:solidFill>
-                  <a:srgbClr val="9BC850"/>
-                </a:solidFill>
-                <a:latin typeface="Arial" panose="020B0604020202020204"/>
-                <a:cs typeface="Arial" panose="020B0604020202020204"/>
-              </a:rPr>
-              <a:t> </a:t>
-            </a:r>
-            <a:r>
-              <a:rPr sz="3600" b="1" spc="110" dirty="0">
-                <a:solidFill>
-                  <a:srgbClr val="9BC850"/>
-                </a:solidFill>
-                <a:latin typeface="Arial" panose="020B0604020202020204"/>
-                <a:cs typeface="Arial" panose="020B0604020202020204"/>
-              </a:rPr>
-              <a:t>the</a:t>
-            </a:r>
-            <a:r>
-              <a:rPr sz="3600" b="1" spc="-75" dirty="0">
-                <a:solidFill>
-                  <a:srgbClr val="9BC850"/>
-                </a:solidFill>
-                <a:latin typeface="Arial" panose="020B0604020202020204"/>
-                <a:cs typeface="Arial" panose="020B0604020202020204"/>
-              </a:rPr>
-              <a:t> </a:t>
-            </a:r>
-            <a:r>
-              <a:rPr sz="3600" b="1" spc="-10" dirty="0">
-                <a:solidFill>
-                  <a:srgbClr val="9BC850"/>
-                </a:solidFill>
-                <a:latin typeface="Arial" panose="020B0604020202020204"/>
-                <a:cs typeface="Arial" panose="020B0604020202020204"/>
-              </a:rPr>
-              <a:t>Router</a:t>
-            </a:r>
-            <a:r>
-              <a:rPr sz="3600" b="1" spc="-80" dirty="0">
-                <a:solidFill>
-                  <a:srgbClr val="9BC850"/>
-                </a:solidFill>
-                <a:latin typeface="Arial" panose="020B0604020202020204"/>
-                <a:cs typeface="Arial" panose="020B0604020202020204"/>
-              </a:rPr>
-              <a:t> </a:t>
-            </a:r>
-            <a:r>
-              <a:rPr sz="3600" b="1" spc="-20" dirty="0">
-                <a:solidFill>
-                  <a:srgbClr val="9BC850"/>
-                </a:solidFill>
-                <a:latin typeface="Arial" panose="020B0604020202020204"/>
-                <a:cs typeface="Arial" panose="020B0604020202020204"/>
-              </a:rPr>
-              <a:t>service</a:t>
-            </a:r>
-            <a:endParaRPr sz="3600">
-              <a:latin typeface="Arial" panose="020B0604020202020204"/>
-              <a:cs typeface="Arial" panose="020B0604020202020204"/>
-            </a:endParaRPr>
-          </a:p>
-          <a:p>
-            <a:pPr marL="805815" indent="-433705">
-              <a:lnSpc>
-                <a:spcPts val="4310"/>
-              </a:lnSpc>
-              <a:buSzPct val="75000"/>
-              <a:buFont typeface="Lucida Sans Unicode" panose="020B0602030504020204"/>
-              <a:buChar char="-"/>
-              <a:tabLst>
-                <a:tab pos="805180" algn="l"/>
-                <a:tab pos="805815" algn="l"/>
-              </a:tabLst>
-            </a:pPr>
-            <a:r>
-              <a:rPr sz="3600" b="1" spc="20" dirty="0">
-                <a:solidFill>
-                  <a:srgbClr val="9BC850"/>
-                </a:solidFill>
-                <a:latin typeface="Arial" panose="020B0604020202020204"/>
-                <a:cs typeface="Arial" panose="020B0604020202020204"/>
-              </a:rPr>
-              <a:t>Define</a:t>
-            </a:r>
-            <a:r>
-              <a:rPr sz="3600" b="1" spc="-70" dirty="0">
-                <a:solidFill>
-                  <a:srgbClr val="9BC850"/>
-                </a:solidFill>
-                <a:latin typeface="Arial" panose="020B0604020202020204"/>
-                <a:cs typeface="Arial" panose="020B0604020202020204"/>
-              </a:rPr>
-              <a:t> </a:t>
-            </a:r>
-            <a:r>
-              <a:rPr sz="3600" b="1" spc="80" dirty="0">
-                <a:solidFill>
-                  <a:srgbClr val="9BC850"/>
-                </a:solidFill>
-                <a:latin typeface="Arial" panose="020B0604020202020204"/>
-                <a:cs typeface="Arial" panose="020B0604020202020204"/>
-              </a:rPr>
-              <a:t>it</a:t>
-            </a:r>
-            <a:r>
-              <a:rPr sz="3600" b="1" spc="-70" dirty="0">
-                <a:solidFill>
-                  <a:srgbClr val="9BC850"/>
-                </a:solidFill>
-                <a:latin typeface="Arial" panose="020B0604020202020204"/>
-                <a:cs typeface="Arial" panose="020B0604020202020204"/>
-              </a:rPr>
-              <a:t> </a:t>
-            </a:r>
-            <a:r>
-              <a:rPr sz="3600" b="1" spc="-145" dirty="0">
-                <a:solidFill>
-                  <a:srgbClr val="9BC850"/>
-                </a:solidFill>
-                <a:latin typeface="Arial" panose="020B0604020202020204"/>
-                <a:cs typeface="Arial" panose="020B0604020202020204"/>
-              </a:rPr>
-              <a:t>as</a:t>
-            </a:r>
-            <a:r>
-              <a:rPr sz="3600" b="1" spc="-70" dirty="0">
-                <a:solidFill>
-                  <a:srgbClr val="9BC850"/>
-                </a:solidFill>
-                <a:latin typeface="Arial" panose="020B0604020202020204"/>
-                <a:cs typeface="Arial" panose="020B0604020202020204"/>
-              </a:rPr>
-              <a:t> </a:t>
-            </a:r>
-            <a:r>
-              <a:rPr sz="3600" b="1" spc="-30" dirty="0">
-                <a:solidFill>
-                  <a:srgbClr val="9BC850"/>
-                </a:solidFill>
-                <a:latin typeface="Arial" panose="020B0604020202020204"/>
-                <a:cs typeface="Arial" panose="020B0604020202020204"/>
-              </a:rPr>
-              <a:t>a</a:t>
-            </a:r>
-            <a:r>
-              <a:rPr sz="3600" b="1" spc="-75" dirty="0">
-                <a:solidFill>
-                  <a:srgbClr val="9BC850"/>
-                </a:solidFill>
-                <a:latin typeface="Arial" panose="020B0604020202020204"/>
-                <a:cs typeface="Arial" panose="020B0604020202020204"/>
-              </a:rPr>
-              <a:t> </a:t>
-            </a:r>
-            <a:r>
-              <a:rPr sz="3600" b="1" spc="35" dirty="0">
-                <a:solidFill>
-                  <a:srgbClr val="9BC850"/>
-                </a:solidFill>
-                <a:latin typeface="Arial" panose="020B0604020202020204"/>
-                <a:cs typeface="Arial" panose="020B0604020202020204"/>
-              </a:rPr>
-              <a:t>dependency</a:t>
-            </a:r>
-            <a:endParaRPr sz="3600">
-              <a:latin typeface="Arial" panose="020B0604020202020204"/>
-              <a:cs typeface="Arial" panose="020B0604020202020204"/>
-            </a:endParaRPr>
-          </a:p>
-          <a:p>
-            <a:pPr marL="12700" marR="5080" indent="7620">
-              <a:lnSpc>
-                <a:spcPts val="4300"/>
-              </a:lnSpc>
-              <a:spcBef>
-                <a:spcPts val="2845"/>
-              </a:spcBef>
-            </a:pPr>
-            <a:r>
-              <a:rPr sz="3600" b="1" spc="65" dirty="0">
-                <a:solidFill>
-                  <a:srgbClr val="9BC850"/>
-                </a:solidFill>
-                <a:latin typeface="Arial" panose="020B0604020202020204"/>
-                <a:cs typeface="Arial" panose="020B0604020202020204"/>
-              </a:rPr>
-              <a:t>Create</a:t>
-            </a:r>
-            <a:r>
-              <a:rPr sz="3600" b="1" spc="-60" dirty="0">
-                <a:solidFill>
-                  <a:srgbClr val="9BC850"/>
-                </a:solidFill>
-                <a:latin typeface="Arial" panose="020B0604020202020204"/>
-                <a:cs typeface="Arial" panose="020B0604020202020204"/>
-              </a:rPr>
-              <a:t> </a:t>
-            </a:r>
-            <a:r>
-              <a:rPr sz="3600" b="1" spc="-30" dirty="0">
-                <a:solidFill>
-                  <a:srgbClr val="9BC850"/>
-                </a:solidFill>
-                <a:latin typeface="Arial" panose="020B0604020202020204"/>
-                <a:cs typeface="Arial" panose="020B0604020202020204"/>
-              </a:rPr>
-              <a:t>a</a:t>
-            </a:r>
-            <a:r>
-              <a:rPr sz="3600" b="1" spc="-65" dirty="0">
-                <a:solidFill>
-                  <a:srgbClr val="9BC850"/>
-                </a:solidFill>
-                <a:latin typeface="Arial" panose="020B0604020202020204"/>
-                <a:cs typeface="Arial" panose="020B0604020202020204"/>
-              </a:rPr>
-              <a:t> </a:t>
-            </a:r>
-            <a:r>
-              <a:rPr sz="3600" b="1" spc="35" dirty="0">
-                <a:solidFill>
-                  <a:srgbClr val="9BC850"/>
-                </a:solidFill>
-                <a:latin typeface="Arial" panose="020B0604020202020204"/>
-                <a:cs typeface="Arial" panose="020B0604020202020204"/>
-              </a:rPr>
-              <a:t>method</a:t>
-            </a:r>
-            <a:r>
-              <a:rPr sz="3600" b="1" spc="-65" dirty="0">
-                <a:solidFill>
-                  <a:srgbClr val="9BC850"/>
-                </a:solidFill>
-                <a:latin typeface="Arial" panose="020B0604020202020204"/>
-                <a:cs typeface="Arial" panose="020B0604020202020204"/>
-              </a:rPr>
-              <a:t> </a:t>
-            </a:r>
-            <a:r>
-              <a:rPr sz="3600" b="1" spc="95" dirty="0">
-                <a:solidFill>
-                  <a:srgbClr val="9BC850"/>
-                </a:solidFill>
-                <a:latin typeface="Arial" panose="020B0604020202020204"/>
-                <a:cs typeface="Arial" panose="020B0604020202020204"/>
-              </a:rPr>
-              <a:t>that</a:t>
-            </a:r>
-            <a:r>
-              <a:rPr sz="3600" b="1" spc="-60" dirty="0">
-                <a:solidFill>
-                  <a:srgbClr val="9BC850"/>
-                </a:solidFill>
-                <a:latin typeface="Arial" panose="020B0604020202020204"/>
-                <a:cs typeface="Arial" panose="020B0604020202020204"/>
-              </a:rPr>
-              <a:t> </a:t>
-            </a:r>
-            <a:r>
-              <a:rPr sz="3600" b="1" spc="-70" dirty="0">
-                <a:solidFill>
-                  <a:srgbClr val="9BC850"/>
-                </a:solidFill>
-                <a:latin typeface="Arial" panose="020B0604020202020204"/>
-                <a:cs typeface="Arial" panose="020B0604020202020204"/>
-              </a:rPr>
-              <a:t>calls</a:t>
-            </a:r>
-            <a:r>
-              <a:rPr sz="3600" b="1" spc="-60" dirty="0">
-                <a:solidFill>
-                  <a:srgbClr val="9BC850"/>
-                </a:solidFill>
-                <a:latin typeface="Arial" panose="020B0604020202020204"/>
-                <a:cs typeface="Arial" panose="020B0604020202020204"/>
-              </a:rPr>
-              <a:t> </a:t>
-            </a:r>
-            <a:r>
-              <a:rPr sz="3600" b="1" spc="110" dirty="0">
-                <a:solidFill>
-                  <a:srgbClr val="9BC850"/>
-                </a:solidFill>
-                <a:latin typeface="Arial" panose="020B0604020202020204"/>
-                <a:cs typeface="Arial" panose="020B0604020202020204"/>
-              </a:rPr>
-              <a:t>the</a:t>
-            </a:r>
-            <a:r>
-              <a:rPr sz="3600" b="1" spc="-60" dirty="0">
-                <a:solidFill>
-                  <a:srgbClr val="9BC850"/>
-                </a:solidFill>
-                <a:latin typeface="Arial" panose="020B0604020202020204"/>
-                <a:cs typeface="Arial" panose="020B0604020202020204"/>
-              </a:rPr>
-              <a:t> </a:t>
-            </a:r>
-            <a:r>
-              <a:rPr sz="3600" b="1" spc="5" dirty="0">
-                <a:solidFill>
-                  <a:srgbClr val="9BC850"/>
-                </a:solidFill>
-                <a:latin typeface="Arial" panose="020B0604020202020204"/>
-                <a:cs typeface="Arial" panose="020B0604020202020204"/>
-              </a:rPr>
-              <a:t>navigate</a:t>
-            </a:r>
-            <a:r>
-              <a:rPr sz="3600" b="1" spc="-60" dirty="0">
-                <a:solidFill>
-                  <a:srgbClr val="9BC850"/>
-                </a:solidFill>
-                <a:latin typeface="Arial" panose="020B0604020202020204"/>
-                <a:cs typeface="Arial" panose="020B0604020202020204"/>
-              </a:rPr>
-              <a:t> </a:t>
-            </a:r>
-            <a:r>
-              <a:rPr sz="3600" b="1" spc="35" dirty="0">
-                <a:solidFill>
-                  <a:srgbClr val="9BC850"/>
-                </a:solidFill>
-                <a:latin typeface="Arial" panose="020B0604020202020204"/>
-                <a:cs typeface="Arial" panose="020B0604020202020204"/>
-              </a:rPr>
-              <a:t>method</a:t>
-            </a:r>
-            <a:r>
-              <a:rPr sz="3600" b="1" spc="-65" dirty="0">
-                <a:solidFill>
-                  <a:srgbClr val="9BC850"/>
-                </a:solidFill>
-                <a:latin typeface="Arial" panose="020B0604020202020204"/>
-                <a:cs typeface="Arial" panose="020B0604020202020204"/>
-              </a:rPr>
-              <a:t> </a:t>
-            </a:r>
-            <a:r>
-              <a:rPr sz="3600" b="1" spc="10" dirty="0">
-                <a:solidFill>
-                  <a:srgbClr val="9BC850"/>
-                </a:solidFill>
-                <a:latin typeface="Arial" panose="020B0604020202020204"/>
-                <a:cs typeface="Arial" panose="020B0604020202020204"/>
-              </a:rPr>
-              <a:t>of</a:t>
-            </a:r>
-            <a:r>
-              <a:rPr sz="3600" b="1" spc="-65" dirty="0">
-                <a:solidFill>
-                  <a:srgbClr val="9BC850"/>
-                </a:solidFill>
-                <a:latin typeface="Arial" panose="020B0604020202020204"/>
-                <a:cs typeface="Arial" panose="020B0604020202020204"/>
-              </a:rPr>
-              <a:t> </a:t>
-            </a:r>
-            <a:r>
-              <a:rPr sz="3600" b="1" spc="110" dirty="0">
-                <a:solidFill>
-                  <a:srgbClr val="9BC850"/>
-                </a:solidFill>
-                <a:latin typeface="Arial" panose="020B0604020202020204"/>
-                <a:cs typeface="Arial" panose="020B0604020202020204"/>
-              </a:rPr>
-              <a:t>the</a:t>
-            </a:r>
-            <a:r>
-              <a:rPr sz="3600" b="1" spc="-60" dirty="0">
-                <a:solidFill>
-                  <a:srgbClr val="9BC850"/>
-                </a:solidFill>
-                <a:latin typeface="Arial" panose="020B0604020202020204"/>
-                <a:cs typeface="Arial" panose="020B0604020202020204"/>
-              </a:rPr>
-              <a:t> </a:t>
-            </a:r>
-            <a:r>
-              <a:rPr sz="3600" b="1" spc="-10" dirty="0">
-                <a:solidFill>
-                  <a:srgbClr val="9BC850"/>
-                </a:solidFill>
-                <a:latin typeface="Arial" panose="020B0604020202020204"/>
-                <a:cs typeface="Arial" panose="020B0604020202020204"/>
-              </a:rPr>
-              <a:t>Router </a:t>
-            </a:r>
-            <a:r>
-              <a:rPr sz="3600" b="1" spc="-985" dirty="0">
-                <a:solidFill>
-                  <a:srgbClr val="9BC850"/>
-                </a:solidFill>
-                <a:latin typeface="Arial" panose="020B0604020202020204"/>
-                <a:cs typeface="Arial" panose="020B0604020202020204"/>
-              </a:rPr>
-              <a:t> </a:t>
-            </a:r>
-            <a:r>
-              <a:rPr sz="3600" b="1" spc="-20" dirty="0">
-                <a:solidFill>
-                  <a:srgbClr val="9BC850"/>
-                </a:solidFill>
-                <a:latin typeface="Arial" panose="020B0604020202020204"/>
-                <a:cs typeface="Arial" panose="020B0604020202020204"/>
-              </a:rPr>
-              <a:t>service</a:t>
-            </a:r>
-            <a:endParaRPr sz="3600">
-              <a:latin typeface="Arial" panose="020B0604020202020204"/>
-              <a:cs typeface="Arial" panose="020B0604020202020204"/>
-            </a:endParaRPr>
-          </a:p>
-          <a:p>
-            <a:pPr marL="805815" indent="-433705">
-              <a:lnSpc>
-                <a:spcPts val="4150"/>
-              </a:lnSpc>
-              <a:buSzPct val="75000"/>
-              <a:buFont typeface="Lucida Sans Unicode" panose="020B0602030504020204"/>
-              <a:buChar char="-"/>
-              <a:tabLst>
-                <a:tab pos="805180" algn="l"/>
-                <a:tab pos="805815" algn="l"/>
-              </a:tabLst>
-            </a:pPr>
-            <a:r>
-              <a:rPr sz="3600" b="1" spc="-195" dirty="0">
-                <a:solidFill>
-                  <a:srgbClr val="9BC850"/>
-                </a:solidFill>
-                <a:latin typeface="Arial" panose="020B0604020202020204"/>
-                <a:cs typeface="Arial" panose="020B0604020202020204"/>
-              </a:rPr>
-              <a:t>Pass</a:t>
-            </a:r>
-            <a:r>
-              <a:rPr sz="3600" b="1" spc="-60" dirty="0">
-                <a:solidFill>
-                  <a:srgbClr val="9BC850"/>
-                </a:solidFill>
-                <a:latin typeface="Arial" panose="020B0604020202020204"/>
-                <a:cs typeface="Arial" panose="020B0604020202020204"/>
-              </a:rPr>
-              <a:t> </a:t>
-            </a:r>
-            <a:r>
-              <a:rPr sz="3600" b="1" spc="-45" dirty="0">
-                <a:solidFill>
-                  <a:srgbClr val="9BC850"/>
-                </a:solidFill>
-                <a:latin typeface="Arial" panose="020B0604020202020204"/>
-                <a:cs typeface="Arial" panose="020B0604020202020204"/>
-              </a:rPr>
-              <a:t>in</a:t>
-            </a:r>
-            <a:r>
-              <a:rPr sz="3600" b="1" spc="-60" dirty="0">
-                <a:solidFill>
-                  <a:srgbClr val="9BC850"/>
-                </a:solidFill>
-                <a:latin typeface="Arial" panose="020B0604020202020204"/>
-                <a:cs typeface="Arial" panose="020B0604020202020204"/>
-              </a:rPr>
-              <a:t> </a:t>
-            </a:r>
-            <a:r>
-              <a:rPr sz="3600" b="1" spc="110" dirty="0">
-                <a:solidFill>
-                  <a:srgbClr val="9BC850"/>
-                </a:solidFill>
-                <a:latin typeface="Arial" panose="020B0604020202020204"/>
-                <a:cs typeface="Arial" panose="020B0604020202020204"/>
-              </a:rPr>
-              <a:t>the</a:t>
-            </a:r>
-            <a:r>
-              <a:rPr sz="3600" b="1" spc="-60" dirty="0">
-                <a:solidFill>
-                  <a:srgbClr val="9BC850"/>
-                </a:solidFill>
-                <a:latin typeface="Arial" panose="020B0604020202020204"/>
-                <a:cs typeface="Arial" panose="020B0604020202020204"/>
-              </a:rPr>
-              <a:t> </a:t>
-            </a:r>
-            <a:r>
-              <a:rPr sz="3600" b="1" spc="-70" dirty="0">
-                <a:solidFill>
-                  <a:srgbClr val="9BC850"/>
-                </a:solidFill>
-                <a:latin typeface="Arial" panose="020B0604020202020204"/>
-                <a:cs typeface="Arial" panose="020B0604020202020204"/>
-              </a:rPr>
-              <a:t>link</a:t>
-            </a:r>
-            <a:r>
-              <a:rPr sz="3600" b="1" spc="-60" dirty="0">
-                <a:solidFill>
-                  <a:srgbClr val="9BC850"/>
-                </a:solidFill>
-                <a:latin typeface="Arial" panose="020B0604020202020204"/>
-                <a:cs typeface="Arial" panose="020B0604020202020204"/>
-              </a:rPr>
-              <a:t> </a:t>
-            </a:r>
-            <a:r>
-              <a:rPr sz="3600" b="1" spc="-10" dirty="0">
-                <a:solidFill>
-                  <a:srgbClr val="9BC850"/>
-                </a:solidFill>
-                <a:latin typeface="Arial" panose="020B0604020202020204"/>
-                <a:cs typeface="Arial" panose="020B0604020202020204"/>
-              </a:rPr>
-              <a:t>parameters</a:t>
-            </a:r>
-            <a:r>
-              <a:rPr sz="3600" b="1" spc="-60" dirty="0">
-                <a:solidFill>
-                  <a:srgbClr val="9BC850"/>
-                </a:solidFill>
-                <a:latin typeface="Arial" panose="020B0604020202020204"/>
-                <a:cs typeface="Arial" panose="020B0604020202020204"/>
-              </a:rPr>
-              <a:t> </a:t>
-            </a:r>
-            <a:r>
-              <a:rPr sz="3600" b="1" spc="-45" dirty="0">
-                <a:solidFill>
-                  <a:srgbClr val="9BC850"/>
-                </a:solidFill>
-                <a:latin typeface="Arial" panose="020B0604020202020204"/>
-                <a:cs typeface="Arial" panose="020B0604020202020204"/>
-              </a:rPr>
-              <a:t>array</a:t>
-            </a:r>
-            <a:endParaRPr sz="3600">
+              <a:rPr sz="3000" b="1" spc="5" dirty="0">
+                <a:solidFill>
+                  <a:srgbClr val="FFFFFF"/>
+                </a:solidFill>
+                <a:latin typeface="Arial" panose="020B0604020202020204"/>
+                <a:cs typeface="Arial" panose="020B0604020202020204"/>
+              </a:rPr>
+              <a:t>product-list.component.html</a:t>
+            </a:r>
+            <a:endParaRPr sz="3000">
               <a:latin typeface="Arial" panose="020B0604020202020204"/>
               <a:cs typeface="Arial" panose="020B0604020202020204"/>
             </a:endParaRPr>
@@ -11361,8 +9827,522 @@
         </p:nvSpPr>
         <p:spPr>
           <a:xfrm>
-            <a:off x="4072049" y="7927340"/>
-            <a:ext cx="11426825" cy="1120140"/>
+            <a:off x="3949558" y="4302340"/>
+            <a:ext cx="13876655" cy="1569720"/>
+          </a:xfrm>
+          <a:prstGeom prst="rect">
+            <a:avLst/>
+          </a:prstGeom>
+          <a:ln w="12700">
+            <a:solidFill>
+              <a:srgbClr val="9BC850"/>
+            </a:solidFill>
+          </a:ln>
+        </p:spPr>
+        <p:txBody>
+          <a:bodyPr vert="horz" wrap="square" lIns="0" tIns="77470" rIns="0" bIns="0" rtlCol="0">
+            <a:spAutoFit/>
+          </a:bodyPr>
+          <a:lstStyle/>
+          <a:p>
+            <a:pPr marL="182245">
+              <a:lnSpc>
+                <a:spcPct val="100000"/>
+              </a:lnSpc>
+              <a:spcBef>
+                <a:spcPts val="610"/>
+              </a:spcBef>
+            </a:pPr>
+            <a:r>
+              <a:rPr sz="3000" spc="-5" dirty="0">
+                <a:solidFill>
+                  <a:srgbClr val="A31515"/>
+                </a:solidFill>
+                <a:latin typeface="Courier New" panose="02070309020205020404"/>
+                <a:cs typeface="Courier New" panose="02070309020205020404"/>
+              </a:rPr>
+              <a:t>&lt;a</a:t>
+            </a:r>
+            <a:r>
+              <a:rPr sz="3000" spc="-45" dirty="0">
+                <a:solidFill>
+                  <a:srgbClr val="A31515"/>
+                </a:solidFill>
+                <a:latin typeface="Courier New" panose="02070309020205020404"/>
+                <a:cs typeface="Courier New" panose="02070309020205020404"/>
+              </a:rPr>
+              <a:t> </a:t>
+            </a:r>
+            <a:r>
+              <a:rPr sz="3000" spc="-5" dirty="0">
+                <a:latin typeface="Courier New" panose="02070309020205020404"/>
+                <a:cs typeface="Courier New" panose="02070309020205020404"/>
+              </a:rPr>
+              <a:t>[</a:t>
+            </a:r>
+            <a:r>
+              <a:rPr sz="3000" spc="-5" dirty="0">
+                <a:solidFill>
+                  <a:srgbClr val="FF0000"/>
+                </a:solidFill>
+                <a:latin typeface="Courier New" panose="02070309020205020404"/>
+                <a:cs typeface="Courier New" panose="02070309020205020404"/>
+              </a:rPr>
+              <a:t>routerLink</a:t>
+            </a:r>
+            <a:r>
+              <a:rPr sz="3000" spc="-5" dirty="0">
+                <a:latin typeface="Courier New" panose="02070309020205020404"/>
+                <a:cs typeface="Courier New" panose="02070309020205020404"/>
+              </a:rPr>
+              <a:t>]="['/products',</a:t>
+            </a:r>
+            <a:r>
+              <a:rPr sz="3000" spc="-35" dirty="0">
+                <a:latin typeface="Courier New" panose="02070309020205020404"/>
+                <a:cs typeface="Courier New" panose="02070309020205020404"/>
+              </a:rPr>
+              <a:t> </a:t>
+            </a:r>
+            <a:r>
+              <a:rPr sz="3000" spc="-5" dirty="0">
+                <a:latin typeface="Courier New" panose="02070309020205020404"/>
+                <a:cs typeface="Courier New" panose="02070309020205020404"/>
+              </a:rPr>
+              <a:t>product.productId]"&gt;</a:t>
+            </a:r>
+            <a:endParaRPr sz="3000">
+              <a:latin typeface="Courier New" panose="02070309020205020404"/>
+              <a:cs typeface="Courier New" panose="02070309020205020404"/>
+            </a:endParaRPr>
+          </a:p>
+          <a:p>
+            <a:pPr marL="868045">
+              <a:lnSpc>
+                <a:spcPct val="100000"/>
+              </a:lnSpc>
+            </a:pPr>
+            <a:r>
+              <a:rPr sz="3000" spc="-5" dirty="0">
+                <a:latin typeface="Courier New" panose="02070309020205020404"/>
+                <a:cs typeface="Courier New" panose="02070309020205020404"/>
+              </a:rPr>
+              <a:t>{{product.productName}}</a:t>
+            </a:r>
+            <a:endParaRPr sz="3000">
+              <a:latin typeface="Courier New" panose="02070309020205020404"/>
+              <a:cs typeface="Courier New" panose="02070309020205020404"/>
+            </a:endParaRPr>
+          </a:p>
+          <a:p>
+            <a:pPr marL="182245">
+              <a:lnSpc>
+                <a:spcPct val="100000"/>
+              </a:lnSpc>
+            </a:pPr>
+            <a:r>
+              <a:rPr sz="3000" spc="-5" dirty="0">
+                <a:solidFill>
+                  <a:srgbClr val="A31515"/>
+                </a:solidFill>
+                <a:latin typeface="Courier New" panose="02070309020205020404"/>
+                <a:cs typeface="Courier New" panose="02070309020205020404"/>
+              </a:rPr>
+              <a:t>&lt;/a&gt;</a:t>
+            </a:r>
+            <a:endParaRPr sz="3000">
+              <a:latin typeface="Courier New" panose="02070309020205020404"/>
+              <a:cs typeface="Courier New" panose="02070309020205020404"/>
+            </a:endParaRPr>
+          </a:p>
+        </p:txBody>
+      </p:sp>
+      <p:sp>
+        <p:nvSpPr>
+          <p:cNvPr id="10" name="object 10"/>
+          <p:cNvSpPr/>
+          <p:nvPr/>
+        </p:nvSpPr>
+        <p:spPr>
+          <a:xfrm>
+            <a:off x="3949558" y="2151802"/>
+            <a:ext cx="6318250" cy="603885"/>
+          </a:xfrm>
+          <a:custGeom>
+            <a:avLst/>
+            <a:gdLst/>
+            <a:ahLst/>
+            <a:cxnLst/>
+            <a:rect l="l" t="t" r="r" b="b"/>
+            <a:pathLst>
+              <a:path w="6318250" h="603885">
+                <a:moveTo>
+                  <a:pt x="0" y="0"/>
+                </a:moveTo>
+                <a:lnTo>
+                  <a:pt x="6318174" y="0"/>
+                </a:lnTo>
+                <a:lnTo>
+                  <a:pt x="6318174" y="603504"/>
+                </a:lnTo>
+                <a:lnTo>
+                  <a:pt x="0" y="603504"/>
+                </a:lnTo>
+                <a:lnTo>
+                  <a:pt x="0" y="0"/>
+                </a:lnTo>
+                <a:close/>
+              </a:path>
+            </a:pathLst>
+          </a:custGeom>
+          <a:ln w="12700">
+            <a:solidFill>
+              <a:srgbClr val="791F41"/>
+            </a:solidFill>
+          </a:ln>
+        </p:spPr>
+        <p:txBody>
+          <a:bodyPr wrap="square" lIns="0" tIns="0" rIns="0" bIns="0" rtlCol="0"/>
+          <a:lstStyle/>
+          <a:p/>
+        </p:txBody>
+      </p:sp>
+      <p:sp>
+        <p:nvSpPr>
+          <p:cNvPr id="11" name="object 11"/>
+          <p:cNvSpPr txBox="1"/>
+          <p:nvPr/>
+        </p:nvSpPr>
+        <p:spPr>
+          <a:xfrm>
+            <a:off x="3955909" y="2158152"/>
+            <a:ext cx="6305550" cy="591185"/>
+          </a:xfrm>
+          <a:prstGeom prst="rect">
+            <a:avLst/>
+          </a:prstGeom>
+          <a:solidFill>
+            <a:srgbClr val="A62E5C"/>
+          </a:solidFill>
+        </p:spPr>
+        <p:txBody>
+          <a:bodyPr vert="horz" wrap="square" lIns="0" tIns="54610" rIns="0" bIns="0" rtlCol="0">
+            <a:spAutoFit/>
+          </a:bodyPr>
+          <a:lstStyle/>
+          <a:p>
+            <a:pPr algn="ctr">
+              <a:lnSpc>
+                <a:spcPct val="100000"/>
+              </a:lnSpc>
+              <a:spcBef>
+                <a:spcPts val="430"/>
+              </a:spcBef>
+            </a:pPr>
+            <a:r>
+              <a:rPr sz="3000" b="1" spc="-35" dirty="0">
+                <a:solidFill>
+                  <a:srgbClr val="FFFFFF"/>
+                </a:solidFill>
+                <a:latin typeface="Arial" panose="020B0604020202020204"/>
+                <a:cs typeface="Arial" panose="020B0604020202020204"/>
+              </a:rPr>
+              <a:t>app.module.ts</a:t>
+            </a:r>
+            <a:endParaRPr sz="3000">
+              <a:latin typeface="Arial" panose="020B0604020202020204"/>
+              <a:cs typeface="Arial" panose="020B0604020202020204"/>
+            </a:endParaRPr>
+          </a:p>
+        </p:txBody>
+      </p:sp>
+      <p:sp>
+        <p:nvSpPr>
+          <p:cNvPr id="12" name="object 12"/>
+          <p:cNvSpPr txBox="1"/>
+          <p:nvPr/>
+        </p:nvSpPr>
+        <p:spPr>
+          <a:xfrm>
+            <a:off x="3949559" y="2755306"/>
+            <a:ext cx="13876655" cy="646430"/>
+          </a:xfrm>
+          <a:prstGeom prst="rect">
+            <a:avLst/>
+          </a:prstGeom>
+          <a:ln w="12700">
+            <a:solidFill>
+              <a:srgbClr val="A62E5C"/>
+            </a:solidFill>
+          </a:ln>
+        </p:spPr>
+        <p:txBody>
+          <a:bodyPr vert="horz" wrap="square" lIns="0" tIns="79375" rIns="0" bIns="0" rtlCol="0">
+            <a:spAutoFit/>
+          </a:bodyPr>
+          <a:lstStyle/>
+          <a:p>
+            <a:pPr marL="182880">
+              <a:lnSpc>
+                <a:spcPct val="100000"/>
+              </a:lnSpc>
+              <a:spcBef>
+                <a:spcPts val="625"/>
+              </a:spcBef>
+            </a:pPr>
+            <a:r>
+              <a:rPr sz="3000" dirty="0">
+                <a:latin typeface="Courier New" panose="02070309020205020404"/>
+                <a:cs typeface="Courier New" panose="02070309020205020404"/>
+              </a:rPr>
+              <a:t>{</a:t>
+            </a:r>
+            <a:r>
+              <a:rPr sz="3000" spc="-20" dirty="0">
+                <a:latin typeface="Courier New" panose="02070309020205020404"/>
+                <a:cs typeface="Courier New" panose="02070309020205020404"/>
+              </a:rPr>
+              <a:t> </a:t>
+            </a:r>
+            <a:r>
+              <a:rPr sz="3000" spc="-5" dirty="0">
+                <a:latin typeface="Courier New" panose="02070309020205020404"/>
+                <a:cs typeface="Courier New" panose="02070309020205020404"/>
+              </a:rPr>
+              <a:t>path:</a:t>
+            </a:r>
+            <a:r>
+              <a:rPr sz="3000" spc="-15" dirty="0">
+                <a:latin typeface="Courier New" panose="02070309020205020404"/>
+                <a:cs typeface="Courier New" panose="02070309020205020404"/>
+              </a:rPr>
+              <a:t> </a:t>
+            </a:r>
+            <a:r>
+              <a:rPr sz="3000" spc="-5" dirty="0">
+                <a:solidFill>
+                  <a:srgbClr val="A31515"/>
+                </a:solidFill>
+                <a:latin typeface="Courier New" panose="02070309020205020404"/>
+                <a:cs typeface="Courier New" panose="02070309020205020404"/>
+              </a:rPr>
+              <a:t>'products/:id'</a:t>
+            </a:r>
+            <a:r>
+              <a:rPr sz="3000" spc="-5" dirty="0">
+                <a:latin typeface="Courier New" panose="02070309020205020404"/>
+                <a:cs typeface="Courier New" panose="02070309020205020404"/>
+              </a:rPr>
+              <a:t>,</a:t>
+            </a:r>
+            <a:r>
+              <a:rPr sz="3000" spc="-20" dirty="0">
+                <a:latin typeface="Courier New" panose="02070309020205020404"/>
+                <a:cs typeface="Courier New" panose="02070309020205020404"/>
+              </a:rPr>
+              <a:t> </a:t>
+            </a:r>
+            <a:r>
+              <a:rPr sz="3000" spc="-5" dirty="0">
+                <a:latin typeface="Courier New" panose="02070309020205020404"/>
+                <a:cs typeface="Courier New" panose="02070309020205020404"/>
+              </a:rPr>
+              <a:t>component:</a:t>
+            </a:r>
+            <a:r>
+              <a:rPr sz="3000" spc="-15" dirty="0">
+                <a:latin typeface="Courier New" panose="02070309020205020404"/>
+                <a:cs typeface="Courier New" panose="02070309020205020404"/>
+              </a:rPr>
+              <a:t> </a:t>
+            </a:r>
+            <a:r>
+              <a:rPr sz="3000" spc="-5" dirty="0">
+                <a:latin typeface="Courier New" panose="02070309020205020404"/>
+                <a:cs typeface="Courier New" panose="02070309020205020404"/>
+              </a:rPr>
+              <a:t>ProductDetailComponent</a:t>
+            </a:r>
+            <a:r>
+              <a:rPr sz="3000" spc="-20" dirty="0">
+                <a:latin typeface="Courier New" panose="02070309020205020404"/>
+                <a:cs typeface="Courier New" panose="02070309020205020404"/>
+              </a:rPr>
+              <a:t> </a:t>
+            </a:r>
+            <a:r>
+              <a:rPr sz="3000" dirty="0">
+                <a:latin typeface="Courier New" panose="02070309020205020404"/>
+                <a:cs typeface="Courier New" panose="02070309020205020404"/>
+              </a:rPr>
+              <a:t>}</a:t>
+            </a:r>
+            <a:endParaRPr sz="3000">
+              <a:latin typeface="Courier New" panose="02070309020205020404"/>
+              <a:cs typeface="Courier New" panose="02070309020205020404"/>
+            </a:endParaRPr>
+          </a:p>
+        </p:txBody>
+      </p:sp>
+      <p:sp>
+        <p:nvSpPr>
+          <p:cNvPr id="13" name="object 13"/>
+          <p:cNvSpPr/>
+          <p:nvPr/>
+        </p:nvSpPr>
+        <p:spPr>
+          <a:xfrm>
+            <a:off x="3957775" y="6173696"/>
+            <a:ext cx="6318250" cy="603885"/>
+          </a:xfrm>
+          <a:custGeom>
+            <a:avLst/>
+            <a:gdLst/>
+            <a:ahLst/>
+            <a:cxnLst/>
+            <a:rect l="l" t="t" r="r" b="b"/>
+            <a:pathLst>
+              <a:path w="6318250" h="603884">
+                <a:moveTo>
+                  <a:pt x="0" y="0"/>
+                </a:moveTo>
+                <a:lnTo>
+                  <a:pt x="6318174" y="0"/>
+                </a:lnTo>
+                <a:lnTo>
+                  <a:pt x="6318174" y="603504"/>
+                </a:lnTo>
+                <a:lnTo>
+                  <a:pt x="0" y="603504"/>
+                </a:lnTo>
+                <a:lnTo>
+                  <a:pt x="0" y="0"/>
+                </a:lnTo>
+                <a:close/>
+              </a:path>
+            </a:pathLst>
+          </a:custGeom>
+          <a:ln w="12700">
+            <a:solidFill>
+              <a:srgbClr val="1C7489"/>
+            </a:solidFill>
+          </a:ln>
+        </p:spPr>
+        <p:txBody>
+          <a:bodyPr wrap="square" lIns="0" tIns="0" rIns="0" bIns="0" rtlCol="0"/>
+          <a:lstStyle/>
+          <a:p/>
+        </p:txBody>
+      </p:sp>
+      <p:sp>
+        <p:nvSpPr>
+          <p:cNvPr id="14" name="object 14"/>
+          <p:cNvSpPr txBox="1"/>
+          <p:nvPr/>
+        </p:nvSpPr>
+        <p:spPr>
+          <a:xfrm>
+            <a:off x="3964127" y="6180046"/>
+            <a:ext cx="6305550" cy="584200"/>
+          </a:xfrm>
+          <a:prstGeom prst="rect">
+            <a:avLst/>
+          </a:prstGeom>
+          <a:solidFill>
+            <a:srgbClr val="2A9FBC"/>
+          </a:solidFill>
+        </p:spPr>
+        <p:txBody>
+          <a:bodyPr vert="horz" wrap="square" lIns="0" tIns="52705" rIns="0" bIns="0" rtlCol="0">
+            <a:spAutoFit/>
+          </a:bodyPr>
+          <a:lstStyle/>
+          <a:p>
+            <a:pPr marL="549275">
+              <a:lnSpc>
+                <a:spcPct val="100000"/>
+              </a:lnSpc>
+              <a:spcBef>
+                <a:spcPts val="415"/>
+              </a:spcBef>
+            </a:pPr>
+            <a:r>
+              <a:rPr sz="3000" b="1" spc="15" dirty="0">
+                <a:solidFill>
+                  <a:srgbClr val="FFFFFF"/>
+                </a:solidFill>
+                <a:latin typeface="Arial" panose="020B0604020202020204"/>
+                <a:cs typeface="Arial" panose="020B0604020202020204"/>
+              </a:rPr>
+              <a:t>product-detail.component.ts</a:t>
+            </a:r>
+            <a:endParaRPr sz="3000">
+              <a:latin typeface="Arial" panose="020B0604020202020204"/>
+              <a:cs typeface="Arial" panose="020B0604020202020204"/>
+            </a:endParaRPr>
+          </a:p>
+        </p:txBody>
+      </p:sp>
+      <p:sp>
+        <p:nvSpPr>
+          <p:cNvPr id="15" name="object 15"/>
+          <p:cNvSpPr/>
+          <p:nvPr/>
+        </p:nvSpPr>
+        <p:spPr>
+          <a:xfrm>
+            <a:off x="3957777" y="6772705"/>
+            <a:ext cx="13868400" cy="2493010"/>
+          </a:xfrm>
+          <a:custGeom>
+            <a:avLst/>
+            <a:gdLst/>
+            <a:ahLst/>
+            <a:cxnLst/>
+            <a:rect l="l" t="t" r="r" b="b"/>
+            <a:pathLst>
+              <a:path w="13868400" h="2493009">
+                <a:moveTo>
+                  <a:pt x="0" y="0"/>
+                </a:moveTo>
+                <a:lnTo>
+                  <a:pt x="13868210" y="0"/>
+                </a:lnTo>
+                <a:lnTo>
+                  <a:pt x="13868210" y="2492990"/>
+                </a:lnTo>
+                <a:lnTo>
+                  <a:pt x="0" y="2492990"/>
+                </a:lnTo>
+                <a:lnTo>
+                  <a:pt x="0" y="0"/>
+                </a:lnTo>
+                <a:close/>
+              </a:path>
+            </a:pathLst>
+          </a:custGeom>
+          <a:ln w="12700">
+            <a:solidFill>
+              <a:srgbClr val="2A9FBC"/>
+            </a:solidFill>
+          </a:ln>
+        </p:spPr>
+        <p:txBody>
+          <a:bodyPr wrap="square" lIns="0" tIns="0" rIns="0" bIns="0" rtlCol="0"/>
+          <a:lstStyle/>
+          <a:p/>
+        </p:txBody>
+      </p:sp>
+      <p:sp>
+        <p:nvSpPr>
+          <p:cNvPr id="16" name="object 16"/>
+          <p:cNvSpPr txBox="1"/>
+          <p:nvPr/>
+        </p:nvSpPr>
+        <p:spPr>
+          <a:xfrm>
+            <a:off x="3964127" y="6839204"/>
+            <a:ext cx="13855700" cy="2311400"/>
           </a:xfrm>
           <a:prstGeom prst="rect">
             <a:avLst/>
@@ -11374,411 +10354,86 @@
           </a:bodyPr>
           <a:lstStyle/>
           <a:p>
-            <a:pPr marL="12700">
+            <a:pPr marL="175895">
               <a:lnSpc>
-                <a:spcPts val="4310"/>
+                <a:spcPct val="100000"/>
               </a:lnSpc>
               <a:spcBef>
                 <a:spcPts val="100"/>
               </a:spcBef>
             </a:pPr>
             <a:r>
-              <a:rPr sz="3600" b="1" spc="-60" dirty="0">
-                <a:solidFill>
-                  <a:srgbClr val="9BC850"/>
-                </a:solidFill>
-                <a:latin typeface="Arial" panose="020B0604020202020204"/>
-                <a:cs typeface="Arial" panose="020B0604020202020204"/>
-              </a:rPr>
-              <a:t>Add</a:t>
-            </a:r>
-            <a:r>
-              <a:rPr sz="3600" b="1" spc="-80" dirty="0">
-                <a:solidFill>
-                  <a:srgbClr val="9BC850"/>
-                </a:solidFill>
-                <a:latin typeface="Arial" panose="020B0604020202020204"/>
-                <a:cs typeface="Arial" panose="020B0604020202020204"/>
-              </a:rPr>
-              <a:t> </a:t>
-            </a:r>
-            <a:r>
-              <a:rPr sz="3600" b="1" spc="-30" dirty="0">
-                <a:solidFill>
-                  <a:srgbClr val="9BC850"/>
-                </a:solidFill>
-                <a:latin typeface="Arial" panose="020B0604020202020204"/>
-                <a:cs typeface="Arial" panose="020B0604020202020204"/>
-              </a:rPr>
-              <a:t>a</a:t>
-            </a:r>
-            <a:r>
-              <a:rPr sz="3600" b="1" spc="-80" dirty="0">
-                <a:solidFill>
-                  <a:srgbClr val="9BC850"/>
-                </a:solidFill>
-                <a:latin typeface="Arial" panose="020B0604020202020204"/>
-                <a:cs typeface="Arial" panose="020B0604020202020204"/>
-              </a:rPr>
-              <a:t> </a:t>
-            </a:r>
-            <a:r>
-              <a:rPr sz="3600" b="1" spc="-50" dirty="0">
-                <a:solidFill>
-                  <a:srgbClr val="9BC850"/>
-                </a:solidFill>
-                <a:latin typeface="Arial" panose="020B0604020202020204"/>
-                <a:cs typeface="Arial" panose="020B0604020202020204"/>
-              </a:rPr>
-              <a:t>user</a:t>
-            </a:r>
-            <a:r>
-              <a:rPr sz="3600" b="1" spc="-80" dirty="0">
-                <a:solidFill>
-                  <a:srgbClr val="9BC850"/>
-                </a:solidFill>
-                <a:latin typeface="Arial" panose="020B0604020202020204"/>
-                <a:cs typeface="Arial" panose="020B0604020202020204"/>
-              </a:rPr>
-              <a:t> </a:t>
-            </a:r>
-            <a:r>
-              <a:rPr sz="3600" b="1" spc="45" dirty="0">
-                <a:solidFill>
-                  <a:srgbClr val="9BC850"/>
-                </a:solidFill>
-                <a:latin typeface="Arial" panose="020B0604020202020204"/>
-                <a:cs typeface="Arial" panose="020B0604020202020204"/>
-              </a:rPr>
-              <a:t>interface</a:t>
-            </a:r>
-            <a:r>
-              <a:rPr sz="3600" b="1" spc="-75" dirty="0">
-                <a:solidFill>
-                  <a:srgbClr val="9BC850"/>
-                </a:solidFill>
-                <a:latin typeface="Arial" panose="020B0604020202020204"/>
-                <a:cs typeface="Arial" panose="020B0604020202020204"/>
-              </a:rPr>
-              <a:t> </a:t>
-            </a:r>
-            <a:r>
-              <a:rPr sz="3600" b="1" spc="60" dirty="0">
-                <a:solidFill>
-                  <a:srgbClr val="9BC850"/>
-                </a:solidFill>
-                <a:latin typeface="Arial" panose="020B0604020202020204"/>
-                <a:cs typeface="Arial" panose="020B0604020202020204"/>
-              </a:rPr>
-              <a:t>element</a:t>
-            </a:r>
-            <a:endParaRPr sz="3600">
-              <a:latin typeface="Arial" panose="020B0604020202020204"/>
-              <a:cs typeface="Arial" panose="020B0604020202020204"/>
-            </a:endParaRPr>
-          </a:p>
-          <a:p>
-            <a:pPr marL="364490">
-              <a:lnSpc>
-                <a:spcPts val="4310"/>
-              </a:lnSpc>
-              <a:tabLst>
-                <a:tab pos="797560" algn="l"/>
-              </a:tabLst>
-            </a:pPr>
-            <a:r>
-              <a:rPr sz="2700" dirty="0">
-                <a:solidFill>
-                  <a:srgbClr val="9BC850"/>
-                </a:solidFill>
-                <a:latin typeface="Lucida Sans Unicode" panose="020B0602030504020204"/>
-                <a:cs typeface="Lucida Sans Unicode" panose="020B0602030504020204"/>
-              </a:rPr>
-              <a:t>-	</a:t>
-            </a:r>
-            <a:r>
-              <a:rPr sz="3600" b="1" spc="-55" dirty="0">
-                <a:solidFill>
-                  <a:srgbClr val="9BC850"/>
-                </a:solidFill>
-                <a:latin typeface="Arial" panose="020B0604020202020204"/>
-                <a:cs typeface="Arial" panose="020B0604020202020204"/>
-              </a:rPr>
-              <a:t>Use</a:t>
-            </a:r>
-            <a:r>
-              <a:rPr sz="3600" b="1" spc="-60" dirty="0">
-                <a:solidFill>
-                  <a:srgbClr val="9BC850"/>
-                </a:solidFill>
-                <a:latin typeface="Arial" panose="020B0604020202020204"/>
-                <a:cs typeface="Arial" panose="020B0604020202020204"/>
-              </a:rPr>
-              <a:t> </a:t>
-            </a:r>
-            <a:r>
-              <a:rPr sz="3600" b="1" spc="80" dirty="0">
-                <a:solidFill>
-                  <a:srgbClr val="9BC850"/>
-                </a:solidFill>
-                <a:latin typeface="Arial" panose="020B0604020202020204"/>
-                <a:cs typeface="Arial" panose="020B0604020202020204"/>
-              </a:rPr>
-              <a:t>event</a:t>
-            </a:r>
-            <a:r>
-              <a:rPr sz="3600" b="1" spc="-60" dirty="0">
-                <a:solidFill>
-                  <a:srgbClr val="9BC850"/>
-                </a:solidFill>
-                <a:latin typeface="Arial" panose="020B0604020202020204"/>
-                <a:cs typeface="Arial" panose="020B0604020202020204"/>
-              </a:rPr>
-              <a:t> </a:t>
-            </a:r>
-            <a:r>
-              <a:rPr sz="3600" b="1" spc="-15" dirty="0">
-                <a:solidFill>
-                  <a:srgbClr val="9BC850"/>
-                </a:solidFill>
-                <a:latin typeface="Arial" panose="020B0604020202020204"/>
-                <a:cs typeface="Arial" panose="020B0604020202020204"/>
-              </a:rPr>
-              <a:t>binding</a:t>
-            </a:r>
-            <a:r>
-              <a:rPr sz="3600" b="1" spc="-70" dirty="0">
-                <a:solidFill>
-                  <a:srgbClr val="9BC850"/>
-                </a:solidFill>
-                <a:latin typeface="Arial" panose="020B0604020202020204"/>
-                <a:cs typeface="Arial" panose="020B0604020202020204"/>
-              </a:rPr>
-              <a:t> </a:t>
-            </a:r>
-            <a:r>
-              <a:rPr sz="3600" b="1" spc="75" dirty="0">
-                <a:solidFill>
-                  <a:srgbClr val="9BC850"/>
-                </a:solidFill>
-                <a:latin typeface="Arial" panose="020B0604020202020204"/>
-                <a:cs typeface="Arial" panose="020B0604020202020204"/>
-              </a:rPr>
-              <a:t>to</a:t>
-            </a:r>
-            <a:r>
-              <a:rPr sz="3600" b="1" spc="-65" dirty="0">
-                <a:solidFill>
-                  <a:srgbClr val="9BC850"/>
-                </a:solidFill>
-                <a:latin typeface="Arial" panose="020B0604020202020204"/>
-                <a:cs typeface="Arial" panose="020B0604020202020204"/>
-              </a:rPr>
-              <a:t> </a:t>
-            </a:r>
-            <a:r>
-              <a:rPr sz="3600" b="1" spc="-10" dirty="0">
-                <a:solidFill>
-                  <a:srgbClr val="9BC850"/>
-                </a:solidFill>
-                <a:latin typeface="Arial" panose="020B0604020202020204"/>
-                <a:cs typeface="Arial" panose="020B0604020202020204"/>
-              </a:rPr>
-              <a:t>bind</a:t>
-            </a:r>
-            <a:r>
-              <a:rPr sz="3600" b="1" spc="-65" dirty="0">
-                <a:solidFill>
-                  <a:srgbClr val="9BC850"/>
-                </a:solidFill>
-                <a:latin typeface="Arial" panose="020B0604020202020204"/>
-                <a:cs typeface="Arial" panose="020B0604020202020204"/>
-              </a:rPr>
-              <a:t> </a:t>
-            </a:r>
-            <a:r>
-              <a:rPr sz="3600" b="1" spc="75" dirty="0">
-                <a:solidFill>
-                  <a:srgbClr val="9BC850"/>
-                </a:solidFill>
-                <a:latin typeface="Arial" panose="020B0604020202020204"/>
-                <a:cs typeface="Arial" panose="020B0604020202020204"/>
-              </a:rPr>
-              <a:t>to</a:t>
-            </a:r>
-            <a:r>
-              <a:rPr sz="3600" b="1" spc="-65" dirty="0">
-                <a:solidFill>
-                  <a:srgbClr val="9BC850"/>
-                </a:solidFill>
-                <a:latin typeface="Arial" panose="020B0604020202020204"/>
-                <a:cs typeface="Arial" panose="020B0604020202020204"/>
-              </a:rPr>
-              <a:t> </a:t>
-            </a:r>
-            <a:r>
-              <a:rPr sz="3600" b="1" spc="110" dirty="0">
-                <a:solidFill>
-                  <a:srgbClr val="9BC850"/>
-                </a:solidFill>
-                <a:latin typeface="Arial" panose="020B0604020202020204"/>
-                <a:cs typeface="Arial" panose="020B0604020202020204"/>
-              </a:rPr>
-              <a:t>the</a:t>
-            </a:r>
-            <a:r>
-              <a:rPr sz="3600" b="1" spc="-60" dirty="0">
-                <a:solidFill>
-                  <a:srgbClr val="9BC850"/>
-                </a:solidFill>
-                <a:latin typeface="Arial" panose="020B0604020202020204"/>
-                <a:cs typeface="Arial" panose="020B0604020202020204"/>
-              </a:rPr>
-              <a:t> </a:t>
-            </a:r>
-            <a:r>
-              <a:rPr sz="3600" b="1" spc="55" dirty="0">
-                <a:solidFill>
-                  <a:srgbClr val="9BC850"/>
-                </a:solidFill>
-                <a:latin typeface="Arial" panose="020B0604020202020204"/>
-                <a:cs typeface="Arial" panose="020B0604020202020204"/>
-              </a:rPr>
-              <a:t>created</a:t>
-            </a:r>
-            <a:r>
-              <a:rPr sz="3600" b="1" spc="-65" dirty="0">
-                <a:solidFill>
-                  <a:srgbClr val="9BC850"/>
-                </a:solidFill>
-                <a:latin typeface="Arial" panose="020B0604020202020204"/>
-                <a:cs typeface="Arial" panose="020B0604020202020204"/>
-              </a:rPr>
-              <a:t> </a:t>
-            </a:r>
-            <a:r>
-              <a:rPr sz="3600" b="1" spc="35" dirty="0">
-                <a:solidFill>
-                  <a:srgbClr val="9BC850"/>
-                </a:solidFill>
-                <a:latin typeface="Arial" panose="020B0604020202020204"/>
-                <a:cs typeface="Arial" panose="020B0604020202020204"/>
-              </a:rPr>
-              <a:t>method</a:t>
-            </a:r>
-            <a:endParaRPr sz="3600">
-              <a:latin typeface="Arial" panose="020B0604020202020204"/>
-              <a:cs typeface="Arial" panose="020B0604020202020204"/>
-            </a:endParaRPr>
-          </a:p>
-        </p:txBody>
-      </p:sp>
-      <p:sp>
-        <p:nvSpPr>
-          <p:cNvPr id="10" name="object 10"/>
-          <p:cNvSpPr txBox="1"/>
-          <p:nvPr/>
-        </p:nvSpPr>
-        <p:spPr>
-          <a:xfrm>
-            <a:off x="3985371" y="4371736"/>
-            <a:ext cx="10770235" cy="3201035"/>
-          </a:xfrm>
-          <a:prstGeom prst="rect">
-            <a:avLst/>
-          </a:prstGeom>
-          <a:ln w="12700">
-            <a:solidFill>
-              <a:srgbClr val="2A9FBC"/>
-            </a:solidFill>
-          </a:ln>
-        </p:spPr>
-        <p:txBody>
-          <a:bodyPr vert="horz" wrap="square" lIns="0" tIns="79375" rIns="0" bIns="0" rtlCol="0">
-            <a:spAutoFit/>
-          </a:bodyPr>
-          <a:lstStyle/>
-          <a:p>
-            <a:pPr marL="182245">
-              <a:lnSpc>
-                <a:spcPts val="3325"/>
-              </a:lnSpc>
-              <a:spcBef>
-                <a:spcPts val="625"/>
-              </a:spcBef>
-            </a:pPr>
-            <a:r>
-              <a:rPr sz="2800" spc="-10" dirty="0">
+              <a:rPr sz="3000" spc="-5" dirty="0">
                 <a:latin typeface="Courier New" panose="02070309020205020404"/>
                 <a:cs typeface="Courier New" panose="02070309020205020404"/>
               </a:rPr>
               <a:t>import</a:t>
             </a:r>
             <a:r>
-              <a:rPr sz="2800" spc="-30" dirty="0">
-                <a:latin typeface="Courier New" panose="02070309020205020404"/>
-                <a:cs typeface="Courier New" panose="02070309020205020404"/>
-              </a:rPr>
-              <a:t> </a:t>
-            </a:r>
-            <a:r>
-              <a:rPr sz="2800" dirty="0">
+              <a:rPr sz="3000" spc="-20" dirty="0">
+                <a:latin typeface="Courier New" panose="02070309020205020404"/>
+                <a:cs typeface="Courier New" panose="02070309020205020404"/>
+              </a:rPr>
+              <a:t> </a:t>
+            </a:r>
+            <a:r>
+              <a:rPr sz="3000" dirty="0">
                 <a:latin typeface="Courier New" panose="02070309020205020404"/>
                 <a:cs typeface="Courier New" panose="02070309020205020404"/>
               </a:rPr>
               <a:t>{</a:t>
             </a:r>
             <a:r>
-              <a:rPr sz="2800" spc="-25" dirty="0">
-                <a:latin typeface="Courier New" panose="02070309020205020404"/>
-                <a:cs typeface="Courier New" panose="02070309020205020404"/>
-              </a:rPr>
-              <a:t> </a:t>
-            </a:r>
-            <a:r>
-              <a:rPr sz="2800" spc="-10" dirty="0">
-                <a:latin typeface="Courier New" panose="02070309020205020404"/>
-                <a:cs typeface="Courier New" panose="02070309020205020404"/>
-              </a:rPr>
-              <a:t>Router</a:t>
-            </a:r>
-            <a:r>
-              <a:rPr sz="2800" spc="-25" dirty="0">
-                <a:latin typeface="Courier New" panose="02070309020205020404"/>
-                <a:cs typeface="Courier New" panose="02070309020205020404"/>
-              </a:rPr>
-              <a:t> </a:t>
-            </a:r>
-            <a:r>
-              <a:rPr sz="2800" dirty="0">
+              <a:rPr sz="3000" spc="-15" dirty="0">
+                <a:latin typeface="Courier New" panose="02070309020205020404"/>
+                <a:cs typeface="Courier New" panose="02070309020205020404"/>
+              </a:rPr>
+              <a:t> </a:t>
+            </a:r>
+            <a:r>
+              <a:rPr sz="3000" spc="-5" dirty="0">
+                <a:latin typeface="Courier New" panose="02070309020205020404"/>
+                <a:cs typeface="Courier New" panose="02070309020205020404"/>
+              </a:rPr>
+              <a:t>ActivatedRoute</a:t>
+            </a:r>
+            <a:r>
+              <a:rPr sz="3000" spc="-20" dirty="0">
+                <a:latin typeface="Courier New" panose="02070309020205020404"/>
+                <a:cs typeface="Courier New" panose="02070309020205020404"/>
+              </a:rPr>
+              <a:t> </a:t>
+            </a:r>
+            <a:r>
+              <a:rPr sz="3000" dirty="0">
                 <a:latin typeface="Courier New" panose="02070309020205020404"/>
                 <a:cs typeface="Courier New" panose="02070309020205020404"/>
               </a:rPr>
               <a:t>}</a:t>
             </a:r>
             <a:r>
-              <a:rPr sz="2800" spc="-25" dirty="0">
-                <a:latin typeface="Courier New" panose="02070309020205020404"/>
-                <a:cs typeface="Courier New" panose="02070309020205020404"/>
-              </a:rPr>
-              <a:t> </a:t>
-            </a:r>
-            <a:r>
-              <a:rPr sz="2800" spc="-5" dirty="0">
+              <a:rPr sz="3000" spc="-20" dirty="0">
+                <a:latin typeface="Courier New" panose="02070309020205020404"/>
+                <a:cs typeface="Courier New" panose="02070309020205020404"/>
+              </a:rPr>
+              <a:t> </a:t>
+            </a:r>
+            <a:r>
+              <a:rPr sz="3000" spc="-5" dirty="0">
                 <a:latin typeface="Courier New" panose="02070309020205020404"/>
                 <a:cs typeface="Courier New" panose="02070309020205020404"/>
               </a:rPr>
               <a:t>from</a:t>
             </a:r>
             <a:r>
-              <a:rPr sz="2800" spc="-20" dirty="0">
-                <a:latin typeface="Courier New" panose="02070309020205020404"/>
-                <a:cs typeface="Courier New" panose="02070309020205020404"/>
-              </a:rPr>
-              <a:t> </a:t>
-            </a:r>
-            <a:r>
-              <a:rPr sz="2800" spc="-10" dirty="0">
+              <a:rPr sz="3000" spc="-15" dirty="0">
+                <a:latin typeface="Courier New" panose="02070309020205020404"/>
+                <a:cs typeface="Courier New" panose="02070309020205020404"/>
+              </a:rPr>
+              <a:t> </a:t>
+            </a:r>
+            <a:r>
+              <a:rPr sz="3000" spc="-5" dirty="0">
                 <a:solidFill>
                   <a:srgbClr val="A31515"/>
                 </a:solidFill>
@@ -11788,208 +10443,135 @@
               <a:t>'@angular/router'</a:t>
             </a:r>
             <a:r>
-              <a:rPr sz="2800" spc="-10" dirty="0">
+              <a:rPr sz="3000" spc="-5" dirty="0">
                 <a:latin typeface="Courier New" panose="02070309020205020404"/>
                 <a:cs typeface="Courier New" panose="02070309020205020404"/>
               </a:rPr>
               <a:t>;</a:t>
             </a:r>
-            <a:endParaRPr sz="2800">
+            <a:endParaRPr sz="3000">
               <a:latin typeface="Courier New" panose="02070309020205020404"/>
               <a:cs typeface="Courier New" panose="02070309020205020404"/>
             </a:endParaRPr>
           </a:p>
           <a:p>
-            <a:pPr marL="182245">
+            <a:pPr>
               <a:lnSpc>
-                <a:spcPts val="3325"/>
+                <a:spcPct val="100000"/>
               </a:lnSpc>
+              <a:spcBef>
+                <a:spcPts val="30"/>
+              </a:spcBef>
             </a:pPr>
-            <a:r>
-              <a:rPr sz="2800" spc="-10" dirty="0">
-                <a:latin typeface="Courier New" panose="02070309020205020404"/>
-                <a:cs typeface="Courier New" panose="02070309020205020404"/>
-              </a:rPr>
-              <a:t>...</a:t>
-            </a:r>
-            <a:endParaRPr sz="2800">
+            <a:endParaRPr sz="3150">
               <a:latin typeface="Courier New" panose="02070309020205020404"/>
               <a:cs typeface="Courier New" panose="02070309020205020404"/>
             </a:endParaRPr>
           </a:p>
           <a:p>
-            <a:pPr marL="1033145">
+            <a:pPr marL="861695" marR="1097915" indent="-685800">
               <a:lnSpc>
                 <a:spcPct val="100000"/>
               </a:lnSpc>
-              <a:spcBef>
-                <a:spcPts val="45"/>
-              </a:spcBef>
             </a:pPr>
             <a:r>
-              <a:rPr sz="2800" spc="-10" dirty="0">
+              <a:rPr sz="3000" spc="-5" dirty="0">
                 <a:latin typeface="Courier New" panose="02070309020205020404"/>
                 <a:cs typeface="Courier New" panose="02070309020205020404"/>
               </a:rPr>
               <a:t>constructor(</a:t>
             </a:r>
             <a:r>
-              <a:rPr sz="2800" spc="-10" dirty="0">
+              <a:rPr sz="3000" spc="-5" dirty="0">
                 <a:solidFill>
                   <a:srgbClr val="002FFF"/>
                 </a:solidFill>
                 <a:latin typeface="Courier New" panose="02070309020205020404"/>
                 <a:cs typeface="Courier New" panose="02070309020205020404"/>
               </a:rPr>
-              <a:t>private</a:t>
-            </a:r>
-            <a:r>
-              <a:rPr sz="2800" spc="-30" dirty="0">
+              <a:t>private </a:t>
+            </a:r>
+            <a:r>
+              <a:rPr sz="3000" spc="-5" dirty="0">
+                <a:latin typeface="Courier New" panose="02070309020205020404"/>
+                <a:cs typeface="Courier New" panose="02070309020205020404"/>
+              </a:rPr>
+              <a:t>route: ActivatedRoute) </a:t>
+            </a:r>
+            <a:r>
+              <a:rPr sz="3000" dirty="0">
+                <a:latin typeface="Courier New" panose="02070309020205020404"/>
+                <a:cs typeface="Courier New" panose="02070309020205020404"/>
+              </a:rPr>
+              <a:t>{ </a:t>
+            </a:r>
+            <a:r>
+              <a:rPr sz="3000" spc="5" dirty="0">
+                <a:latin typeface="Courier New" panose="02070309020205020404"/>
+                <a:cs typeface="Courier New" panose="02070309020205020404"/>
+              </a:rPr>
+              <a:t> </a:t>
+            </a:r>
+            <a:r>
+              <a:rPr sz="3000" spc="-5" dirty="0">
+                <a:latin typeface="Courier New" panose="02070309020205020404"/>
+                <a:cs typeface="Courier New" panose="02070309020205020404"/>
+              </a:rPr>
+              <a:t>console.log(</a:t>
+            </a:r>
+            <a:r>
+              <a:rPr sz="3000" spc="-5" dirty="0">
                 <a:solidFill>
                   <a:srgbClr val="002FFF"/>
                 </a:solidFill>
                 <a:latin typeface="Courier New" panose="02070309020205020404"/>
                 <a:cs typeface="Courier New" panose="02070309020205020404"/>
               </a:rPr>
-              <a:t> </a:t>
-            </a:r>
-            <a:r>
-              <a:rPr sz="2800" spc="-10" dirty="0">
-                <a:latin typeface="Courier New" panose="02070309020205020404"/>
-                <a:cs typeface="Courier New" panose="02070309020205020404"/>
-              </a:rPr>
-              <a:t>router:</a:t>
-            </a:r>
-            <a:r>
-              <a:rPr sz="2800" spc="-30" dirty="0">
-                <a:latin typeface="Courier New" panose="02070309020205020404"/>
-                <a:cs typeface="Courier New" panose="02070309020205020404"/>
-              </a:rPr>
-              <a:t> </a:t>
-            </a:r>
-            <a:r>
-              <a:rPr sz="2800" spc="-10" dirty="0">
-                <a:latin typeface="Courier New" panose="02070309020205020404"/>
-                <a:cs typeface="Courier New" panose="02070309020205020404"/>
-              </a:rPr>
-              <a:t>Router)</a:t>
-            </a:r>
-            <a:r>
-              <a:rPr sz="2800" spc="-30" dirty="0">
-                <a:latin typeface="Courier New" panose="02070309020205020404"/>
-                <a:cs typeface="Courier New" panose="02070309020205020404"/>
-              </a:rPr>
-              <a:t> </a:t>
-            </a:r>
-            <a:r>
-              <a:rPr sz="2800" dirty="0">
-                <a:latin typeface="Courier New" panose="02070309020205020404"/>
-                <a:cs typeface="Courier New" panose="02070309020205020404"/>
-              </a:rPr>
-              <a:t>{</a:t>
-            </a:r>
-            <a:r>
-              <a:rPr sz="2800" spc="-30" dirty="0">
-                <a:latin typeface="Courier New" panose="02070309020205020404"/>
-                <a:cs typeface="Courier New" panose="02070309020205020404"/>
-              </a:rPr>
-              <a:t> </a:t>
-            </a:r>
-            <a:r>
-              <a:rPr sz="2800" dirty="0">
-                <a:latin typeface="Courier New" panose="02070309020205020404"/>
-                <a:cs typeface="Courier New" panose="02070309020205020404"/>
-              </a:rPr>
-              <a:t>}</a:t>
-            </a:r>
-            <a:endParaRPr sz="2800">
+              <a:t>this</a:t>
+            </a:r>
+            <a:r>
+              <a:rPr sz="3000" spc="-5" dirty="0">
+                <a:latin typeface="Courier New" panose="02070309020205020404"/>
+                <a:cs typeface="Courier New" panose="02070309020205020404"/>
+              </a:rPr>
+              <a:t>.route.snapshot.paramMap.get(</a:t>
+            </a:r>
+            <a:r>
+              <a:rPr sz="3000" spc="-5" dirty="0">
+                <a:solidFill>
+                  <a:srgbClr val="A31515"/>
+                </a:solidFill>
+                <a:latin typeface="Courier New" panose="02070309020205020404"/>
+                <a:cs typeface="Courier New" panose="02070309020205020404"/>
+              </a:rPr>
+              <a:t>'id'</a:t>
+            </a:r>
+            <a:r>
+              <a:rPr sz="3000" spc="-5" dirty="0">
+                <a:latin typeface="Courier New" panose="02070309020205020404"/>
+                <a:cs typeface="Courier New" panose="02070309020205020404"/>
+              </a:rPr>
+              <a:t>));</a:t>
+            </a:r>
+            <a:endParaRPr sz="3000">
               <a:latin typeface="Courier New" panose="02070309020205020404"/>
               <a:cs typeface="Courier New" panose="02070309020205020404"/>
             </a:endParaRPr>
           </a:p>
           <a:p>
-            <a:pPr marL="1553845" marR="1549400" indent="-520700">
+            <a:pPr marL="175895">
               <a:lnSpc>
-                <a:spcPct val="101000"/>
-              </a:lnSpc>
-              <a:spcBef>
-                <a:spcPts val="3290"/>
-              </a:spcBef>
-            </a:pPr>
-            <a:r>
-              <a:rPr sz="2800" spc="-10" dirty="0">
-                <a:latin typeface="Courier New" panose="02070309020205020404"/>
-                <a:cs typeface="Courier New" panose="02070309020205020404"/>
-              </a:rPr>
-              <a:t>onBack(): void </a:t>
-            </a:r>
-            <a:r>
-              <a:rPr sz="2800" dirty="0">
-                <a:latin typeface="Courier New" panose="02070309020205020404"/>
-                <a:cs typeface="Courier New" panose="02070309020205020404"/>
-              </a:rPr>
-              <a:t>{ </a:t>
-            </a:r>
-            <a:r>
-              <a:rPr sz="2800" spc="5" dirty="0">
-                <a:latin typeface="Courier New" panose="02070309020205020404"/>
-                <a:cs typeface="Courier New" panose="02070309020205020404"/>
-              </a:rPr>
-              <a:t> </a:t>
-            </a:r>
-            <a:r>
-              <a:rPr sz="2800" spc="-10" dirty="0">
-                <a:solidFill>
-                  <a:srgbClr val="002FFF"/>
-                </a:solidFill>
-                <a:latin typeface="Courier New" panose="02070309020205020404"/>
-                <a:cs typeface="Courier New" panose="02070309020205020404"/>
-              </a:rPr>
-              <a:t>this</a:t>
-            </a:r>
-            <a:r>
-              <a:rPr sz="2800" spc="-10" dirty="0">
-                <a:latin typeface="Courier New" panose="02070309020205020404"/>
-                <a:cs typeface="Courier New" panose="02070309020205020404"/>
-              </a:rPr>
-              <a:t>.router.navigate([</a:t>
-            </a:r>
-            <a:r>
-              <a:rPr sz="2800" spc="-10" dirty="0">
-                <a:solidFill>
-                  <a:srgbClr val="A31515"/>
-                </a:solidFill>
-                <a:latin typeface="Courier New" panose="02070309020205020404"/>
-                <a:cs typeface="Courier New" panose="02070309020205020404"/>
-              </a:rPr>
-              <a:t>'/products'</a:t>
-            </a:r>
-            <a:r>
-              <a:rPr sz="2800" spc="-10" dirty="0">
-                <a:latin typeface="Courier New" panose="02070309020205020404"/>
-                <a:cs typeface="Courier New" panose="02070309020205020404"/>
-              </a:rPr>
-              <a:t>]);</a:t>
-            </a:r>
-            <a:endParaRPr sz="2800">
-              <a:latin typeface="Courier New" panose="02070309020205020404"/>
-              <a:cs typeface="Courier New" panose="02070309020205020404"/>
-            </a:endParaRPr>
-          </a:p>
-          <a:p>
-            <a:pPr marL="1033145">
-              <a:lnSpc>
-                <a:spcPts val="3290"/>
+                <a:spcPct val="100000"/>
               </a:lnSpc>
             </a:pPr>
             <a:r>
-              <a:rPr sz="2800" dirty="0">
+              <a:rPr sz="3000" dirty="0">
                 <a:latin typeface="Courier New" panose="02070309020205020404"/>
                 <a:cs typeface="Courier New" panose="02070309020205020404"/>
               </a:rPr>
               <a:t>}</a:t>
             </a:r>
-            <a:endParaRPr sz="2800">
+            <a:endParaRPr sz="3000">
               <a:latin typeface="Courier New" panose="02070309020205020404"/>
               <a:cs typeface="Courier New" panose="02070309020205020404"/>
             </a:endParaRPr>
@@ -11998,122 +10580,7 @@
       </p:sp>
       <p:sp>
         <p:nvSpPr>
-          <p:cNvPr id="11" name="object 11"/>
-          <p:cNvSpPr txBox="1"/>
-          <p:nvPr/>
-        </p:nvSpPr>
-        <p:spPr>
-          <a:xfrm>
-            <a:off x="3985370" y="9201715"/>
-            <a:ext cx="10770235" cy="523240"/>
-          </a:xfrm>
-          <a:prstGeom prst="rect">
-            <a:avLst/>
-          </a:prstGeom>
-          <a:ln w="12700">
-            <a:solidFill>
-              <a:srgbClr val="9BC850"/>
-            </a:solidFill>
-          </a:ln>
-        </p:spPr>
-        <p:txBody>
-          <a:bodyPr vert="horz" wrap="square" lIns="0" tIns="31750" rIns="0" bIns="0" rtlCol="0">
-            <a:spAutoFit/>
-          </a:bodyPr>
-          <a:lstStyle/>
-          <a:p>
-            <a:pPr marL="90805">
-              <a:lnSpc>
-                <a:spcPct val="100000"/>
-              </a:lnSpc>
-              <a:spcBef>
-                <a:spcPts val="250"/>
-              </a:spcBef>
-            </a:pPr>
-            <a:r>
-              <a:rPr sz="2800" spc="-10" dirty="0">
-                <a:solidFill>
-                  <a:srgbClr val="800000"/>
-                </a:solidFill>
-                <a:latin typeface="Courier New" panose="02070309020205020404"/>
-                <a:cs typeface="Courier New" panose="02070309020205020404"/>
-              </a:rPr>
-              <a:t>&lt;button</a:t>
-            </a:r>
-            <a:r>
-              <a:rPr sz="2800" spc="-70" dirty="0">
-                <a:solidFill>
-                  <a:srgbClr val="800000"/>
-                </a:solidFill>
-                <a:latin typeface="Courier New" panose="02070309020205020404"/>
-                <a:cs typeface="Courier New" panose="02070309020205020404"/>
-              </a:rPr>
-              <a:t> </a:t>
-            </a:r>
-            <a:r>
-              <a:rPr sz="2800" spc="-10" dirty="0">
-                <a:solidFill>
-                  <a:srgbClr val="FF0000"/>
-                </a:solidFill>
-                <a:latin typeface="Courier New" panose="02070309020205020404"/>
-                <a:cs typeface="Courier New" panose="02070309020205020404"/>
-              </a:rPr>
-              <a:t>(click)</a:t>
-            </a:r>
-            <a:r>
-              <a:rPr sz="2800" spc="-10" dirty="0">
-                <a:latin typeface="Courier New" panose="02070309020205020404"/>
-                <a:cs typeface="Courier New" panose="02070309020205020404"/>
-              </a:rPr>
-              <a:t>=</a:t>
-            </a:r>
-            <a:r>
-              <a:rPr sz="2800" spc="-10" dirty="0">
-                <a:solidFill>
-                  <a:srgbClr val="0000FF"/>
-                </a:solidFill>
-                <a:latin typeface="Courier New" panose="02070309020205020404"/>
-                <a:cs typeface="Courier New" panose="02070309020205020404"/>
-              </a:rPr>
-              <a:t>'onBack()'</a:t>
-            </a:r>
-            <a:r>
-              <a:rPr sz="2800" spc="-10" dirty="0">
-                <a:solidFill>
-                  <a:srgbClr val="800000"/>
-                </a:solidFill>
-                <a:latin typeface="Courier New" panose="02070309020205020404"/>
-                <a:cs typeface="Courier New" panose="02070309020205020404"/>
-              </a:rPr>
-              <a:t>&gt;</a:t>
-            </a:r>
-            <a:r>
-              <a:rPr sz="2800" spc="-10" dirty="0">
-                <a:latin typeface="Courier New" panose="02070309020205020404"/>
-                <a:cs typeface="Courier New" panose="02070309020205020404"/>
-              </a:rPr>
-              <a:t>Back</a:t>
-            </a:r>
-            <a:r>
-              <a:rPr sz="2800" spc="-10" dirty="0">
-                <a:solidFill>
-                  <a:srgbClr val="800000"/>
-                </a:solidFill>
-                <a:latin typeface="Courier New" panose="02070309020205020404"/>
-                <a:cs typeface="Courier New" panose="02070309020205020404"/>
-              </a:rPr>
-              <a:t>&lt;/button&gt;</a:t>
-            </a:r>
-            <a:endParaRPr sz="2800">
-              <a:latin typeface="Courier New" panose="02070309020205020404"/>
-              <a:cs typeface="Courier New" panose="02070309020205020404"/>
-            </a:endParaRPr>
-          </a:p>
-        </p:txBody>
-      </p:sp>
-      <p:sp>
-        <p:nvSpPr>
-          <p:cNvPr id="12" name="Slide Number Placeholder 11"/>
+          <p:cNvPr id="17" name="Slide Number Placeholder 16"/>
           <p:cNvSpPr>
             <a:spLocks noGrp="1"/>
           </p:cNvSpPr>
@@ -12128,7 +10595,6 @@
           <a:p>
             <a:fld id="{B6F15528-21DE-4FAA-801E-634DDDAF4B2B}" type="slidenum">
               <a:rPr/>
-              <a:t>22</a:t>
             </a:fld>
             <a:endParaRPr/>
           </a:p>
@@ -12218,9 +10684,7 @@
           <p:txBody>
             <a:bodyPr wrap="square" lIns="0" tIns="0" rIns="0" bIns="0" rtlCol="0"/>
             <a:lstStyle/>
-            <a:p>
-              <a:endParaRPr/>
-            </a:p>
+            <a:p/>
           </p:txBody>
         </p:sp>
         <p:sp>
@@ -12268,9 +10732,7 @@
           <p:txBody>
             <a:bodyPr wrap="square" lIns="0" tIns="0" rIns="0" bIns="0" rtlCol="0"/>
             <a:lstStyle/>
-            <a:p>
-              <a:endParaRPr/>
-            </a:p>
+            <a:p/>
           </p:txBody>
         </p:sp>
         <p:sp>
@@ -12320,9 +10782,7 @@
           <p:txBody>
             <a:bodyPr wrap="square" lIns="0" tIns="0" rIns="0" bIns="0" rtlCol="0"/>
             <a:lstStyle/>
-            <a:p>
-              <a:endParaRPr/>
-            </a:p>
+            <a:p/>
           </p:txBody>
         </p:sp>
         <p:pic>
@@ -12332,7 +10792,1741 @@
             <p:nvPr/>
           </p:nvPicPr>
           <p:blipFill>
-            <a:blip r:embed="rId2" cstate="print"/>
+            <a:blip r:embed="rId1" cstate="print"/>
+            <a:stretch>
+              <a:fillRect/>
+            </a:stretch>
+          </p:blipFill>
+          <p:spPr>
+            <a:xfrm>
+              <a:off x="729004" y="4411124"/>
+              <a:ext cx="1872414" cy="1464749"/>
+            </a:xfrm>
+            <a:prstGeom prst="rect">
+              <a:avLst/>
+            </a:prstGeom>
+          </p:spPr>
+        </p:pic>
+      </p:grpSp>
+      <p:sp>
+        <p:nvSpPr>
+          <p:cNvPr id="7" name="object 7"/>
+          <p:cNvSpPr txBox="1">
+            <a:spLocks noGrp="1"/>
+          </p:cNvSpPr>
+          <p:nvPr>
+            <p:ph type="title"/>
+          </p:nvPr>
+        </p:nvSpPr>
+        <p:spPr>
+          <a:xfrm>
+            <a:off x="286181" y="374395"/>
+            <a:ext cx="2379345" cy="2710815"/>
+          </a:xfrm>
+          <a:prstGeom prst="rect">
+            <a:avLst/>
+          </a:prstGeom>
+        </p:spPr>
+        <p:txBody>
+          <a:bodyPr vert="horz" wrap="square" lIns="0" tIns="26670" rIns="0" bIns="0" rtlCol="0">
+            <a:spAutoFit/>
+          </a:bodyPr>
+          <a:lstStyle/>
+          <a:p>
+            <a:pPr marL="12700" marR="5080" indent="5715">
+              <a:lnSpc>
+                <a:spcPct val="97000"/>
+              </a:lnSpc>
+              <a:spcBef>
+                <a:spcPts val="210"/>
+              </a:spcBef>
+            </a:pPr>
+            <a:r>
+              <a:rPr sz="3600" b="1" spc="-25" dirty="0">
+                <a:solidFill>
+                  <a:srgbClr val="727272"/>
+                </a:solidFill>
+                <a:latin typeface="Arial" panose="020B0604020202020204"/>
+                <a:cs typeface="Arial" panose="020B0604020202020204"/>
+              </a:rPr>
+              <a:t>Routing </a:t>
+            </a:r>
+            <a:r>
+              <a:rPr sz="3600" b="1" spc="-20" dirty="0">
+                <a:solidFill>
+                  <a:srgbClr val="727272"/>
+                </a:solidFill>
+                <a:latin typeface="Arial" panose="020B0604020202020204"/>
+                <a:cs typeface="Arial" panose="020B0604020202020204"/>
+              </a:rPr>
+              <a:t> </a:t>
+            </a:r>
+            <a:r>
+              <a:rPr sz="3600" b="1" spc="-40" dirty="0">
+                <a:solidFill>
+                  <a:srgbClr val="727272"/>
+                </a:solidFill>
+                <a:latin typeface="Arial" panose="020B0604020202020204"/>
+                <a:cs typeface="Arial" panose="020B0604020202020204"/>
+              </a:rPr>
+              <a:t>Checklist: </a:t>
+            </a:r>
+            <a:r>
+              <a:rPr sz="3600" b="1" spc="-35" dirty="0">
+                <a:solidFill>
+                  <a:srgbClr val="727272"/>
+                </a:solidFill>
+                <a:latin typeface="Arial" panose="020B0604020202020204"/>
+                <a:cs typeface="Arial" panose="020B0604020202020204"/>
+              </a:rPr>
+              <a:t> </a:t>
+            </a:r>
+            <a:r>
+              <a:rPr sz="3600" b="1" spc="25" dirty="0">
+                <a:solidFill>
+                  <a:srgbClr val="FFFFFF"/>
+                </a:solidFill>
+                <a:latin typeface="Arial" panose="020B0604020202020204"/>
+                <a:cs typeface="Arial" panose="020B0604020202020204"/>
+              </a:rPr>
+              <a:t>Activate </a:t>
+            </a:r>
+            <a:r>
+              <a:rPr sz="3600" b="1" spc="-30" dirty="0">
+                <a:solidFill>
+                  <a:srgbClr val="FFFFFF"/>
+                </a:solidFill>
+                <a:latin typeface="Arial" panose="020B0604020202020204"/>
+                <a:cs typeface="Arial" panose="020B0604020202020204"/>
+              </a:rPr>
+              <a:t>a </a:t>
+            </a:r>
+            <a:r>
+              <a:rPr sz="3600" b="1" spc="-25" dirty="0">
+                <a:solidFill>
+                  <a:srgbClr val="FFFFFF"/>
+                </a:solidFill>
+                <a:latin typeface="Arial" panose="020B0604020202020204"/>
+                <a:cs typeface="Arial" panose="020B0604020202020204"/>
+              </a:rPr>
+              <a:t> </a:t>
+            </a:r>
+            <a:r>
+              <a:rPr sz="3600" b="1" spc="-5" dirty="0">
+                <a:solidFill>
+                  <a:srgbClr val="FFFFFF"/>
+                </a:solidFill>
+                <a:latin typeface="Arial" panose="020B0604020202020204"/>
+                <a:cs typeface="Arial" panose="020B0604020202020204"/>
+              </a:rPr>
+              <a:t>Route</a:t>
+            </a:r>
+            <a:r>
+              <a:rPr sz="3600" b="1" spc="-114" dirty="0">
+                <a:solidFill>
+                  <a:srgbClr val="FFFFFF"/>
+                </a:solidFill>
+                <a:latin typeface="Arial" panose="020B0604020202020204"/>
+                <a:cs typeface="Arial" panose="020B0604020202020204"/>
+              </a:rPr>
+              <a:t> </a:t>
+            </a:r>
+            <a:r>
+              <a:rPr sz="3600" b="1" spc="40" dirty="0">
+                <a:solidFill>
+                  <a:srgbClr val="FFFFFF"/>
+                </a:solidFill>
+                <a:latin typeface="Arial" panose="020B0604020202020204"/>
+                <a:cs typeface="Arial" panose="020B0604020202020204"/>
+              </a:rPr>
+              <a:t>with </a:t>
+            </a:r>
+            <a:r>
+              <a:rPr sz="3600" b="1" spc="-985" dirty="0">
+                <a:solidFill>
+                  <a:srgbClr val="FFFFFF"/>
+                </a:solidFill>
+                <a:latin typeface="Arial" panose="020B0604020202020204"/>
+                <a:cs typeface="Arial" panose="020B0604020202020204"/>
+              </a:rPr>
+              <a:t> </a:t>
+            </a:r>
+            <a:r>
+              <a:rPr sz="3600" b="1" spc="45" dirty="0">
+                <a:solidFill>
+                  <a:srgbClr val="FFFFFF"/>
+                </a:solidFill>
+                <a:latin typeface="Arial" panose="020B0604020202020204"/>
+                <a:cs typeface="Arial" panose="020B0604020202020204"/>
+              </a:rPr>
+              <a:t>Code</a:t>
+            </a:r>
+            <a:endParaRPr sz="3600">
+              <a:latin typeface="Arial" panose="020B0604020202020204"/>
+              <a:cs typeface="Arial" panose="020B0604020202020204"/>
+            </a:endParaRPr>
+          </a:p>
+        </p:txBody>
+      </p:sp>
+      <p:sp>
+        <p:nvSpPr>
+          <p:cNvPr id="8" name="object 8"/>
+          <p:cNvSpPr txBox="1"/>
+          <p:nvPr/>
+        </p:nvSpPr>
+        <p:spPr>
+          <a:xfrm>
+            <a:off x="4064111" y="1209547"/>
+            <a:ext cx="13403580" cy="3101340"/>
+          </a:xfrm>
+          <a:prstGeom prst="rect">
+            <a:avLst/>
+          </a:prstGeom>
+        </p:spPr>
+        <p:txBody>
+          <a:bodyPr vert="horz" wrap="square" lIns="0" tIns="12700" rIns="0" bIns="0" rtlCol="0">
+            <a:spAutoFit/>
+          </a:bodyPr>
+          <a:lstStyle/>
+          <a:p>
+            <a:pPr marL="20320">
+              <a:lnSpc>
+                <a:spcPts val="4310"/>
+              </a:lnSpc>
+              <a:spcBef>
+                <a:spcPts val="100"/>
+              </a:spcBef>
+            </a:pPr>
+            <a:r>
+              <a:rPr sz="3600" b="1" spc="-55" dirty="0">
+                <a:solidFill>
+                  <a:srgbClr val="9BC850"/>
+                </a:solidFill>
+                <a:latin typeface="Arial" panose="020B0604020202020204"/>
+                <a:cs typeface="Arial" panose="020B0604020202020204"/>
+              </a:rPr>
+              <a:t>Use</a:t>
+            </a:r>
+            <a:r>
+              <a:rPr sz="3600" b="1" spc="-75" dirty="0">
+                <a:solidFill>
+                  <a:srgbClr val="9BC850"/>
+                </a:solidFill>
+                <a:latin typeface="Arial" panose="020B0604020202020204"/>
+                <a:cs typeface="Arial" panose="020B0604020202020204"/>
+              </a:rPr>
+              <a:t> </a:t>
+            </a:r>
+            <a:r>
+              <a:rPr sz="3600" b="1" spc="110" dirty="0">
+                <a:solidFill>
+                  <a:srgbClr val="9BC850"/>
+                </a:solidFill>
+                <a:latin typeface="Arial" panose="020B0604020202020204"/>
+                <a:cs typeface="Arial" panose="020B0604020202020204"/>
+              </a:rPr>
+              <a:t>the</a:t>
+            </a:r>
+            <a:r>
+              <a:rPr sz="3600" b="1" spc="-75" dirty="0">
+                <a:solidFill>
+                  <a:srgbClr val="9BC850"/>
+                </a:solidFill>
+                <a:latin typeface="Arial" panose="020B0604020202020204"/>
+                <a:cs typeface="Arial" panose="020B0604020202020204"/>
+              </a:rPr>
+              <a:t> </a:t>
+            </a:r>
+            <a:r>
+              <a:rPr sz="3600" b="1" spc="-10" dirty="0">
+                <a:solidFill>
+                  <a:srgbClr val="9BC850"/>
+                </a:solidFill>
+                <a:latin typeface="Arial" panose="020B0604020202020204"/>
+                <a:cs typeface="Arial" panose="020B0604020202020204"/>
+              </a:rPr>
+              <a:t>Router</a:t>
+            </a:r>
+            <a:r>
+              <a:rPr sz="3600" b="1" spc="-80" dirty="0">
+                <a:solidFill>
+                  <a:srgbClr val="9BC850"/>
+                </a:solidFill>
+                <a:latin typeface="Arial" panose="020B0604020202020204"/>
+                <a:cs typeface="Arial" panose="020B0604020202020204"/>
+              </a:rPr>
+              <a:t> </a:t>
+            </a:r>
+            <a:r>
+              <a:rPr sz="3600" b="1" spc="-20" dirty="0">
+                <a:solidFill>
+                  <a:srgbClr val="9BC850"/>
+                </a:solidFill>
+                <a:latin typeface="Arial" panose="020B0604020202020204"/>
+                <a:cs typeface="Arial" panose="020B0604020202020204"/>
+              </a:rPr>
+              <a:t>service</a:t>
+            </a:r>
+            <a:endParaRPr sz="3600">
+              <a:latin typeface="Arial" panose="020B0604020202020204"/>
+              <a:cs typeface="Arial" panose="020B0604020202020204"/>
+            </a:endParaRPr>
+          </a:p>
+          <a:p>
+            <a:pPr marL="805815" indent="-433705">
+              <a:lnSpc>
+                <a:spcPts val="4310"/>
+              </a:lnSpc>
+              <a:buSzPct val="75000"/>
+              <a:buFont typeface="Lucida Sans Unicode" panose="020B0602030504020204"/>
+              <a:buChar char="-"/>
+              <a:tabLst>
+                <a:tab pos="805180" algn="l"/>
+                <a:tab pos="805815" algn="l"/>
+              </a:tabLst>
+            </a:pPr>
+            <a:r>
+              <a:rPr sz="3600" b="1" spc="20" dirty="0">
+                <a:solidFill>
+                  <a:srgbClr val="9BC850"/>
+                </a:solidFill>
+                <a:latin typeface="Arial" panose="020B0604020202020204"/>
+                <a:cs typeface="Arial" panose="020B0604020202020204"/>
+              </a:rPr>
+              <a:t>Define</a:t>
+            </a:r>
+            <a:r>
+              <a:rPr sz="3600" b="1" spc="-70" dirty="0">
+                <a:solidFill>
+                  <a:srgbClr val="9BC850"/>
+                </a:solidFill>
+                <a:latin typeface="Arial" panose="020B0604020202020204"/>
+                <a:cs typeface="Arial" panose="020B0604020202020204"/>
+              </a:rPr>
+              <a:t> </a:t>
+            </a:r>
+            <a:r>
+              <a:rPr sz="3600" b="1" spc="80" dirty="0">
+                <a:solidFill>
+                  <a:srgbClr val="9BC850"/>
+                </a:solidFill>
+                <a:latin typeface="Arial" panose="020B0604020202020204"/>
+                <a:cs typeface="Arial" panose="020B0604020202020204"/>
+              </a:rPr>
+              <a:t>it</a:t>
+            </a:r>
+            <a:r>
+              <a:rPr sz="3600" b="1" spc="-70" dirty="0">
+                <a:solidFill>
+                  <a:srgbClr val="9BC850"/>
+                </a:solidFill>
+                <a:latin typeface="Arial" panose="020B0604020202020204"/>
+                <a:cs typeface="Arial" panose="020B0604020202020204"/>
+              </a:rPr>
+              <a:t> </a:t>
+            </a:r>
+            <a:r>
+              <a:rPr sz="3600" b="1" spc="-145" dirty="0">
+                <a:solidFill>
+                  <a:srgbClr val="9BC850"/>
+                </a:solidFill>
+                <a:latin typeface="Arial" panose="020B0604020202020204"/>
+                <a:cs typeface="Arial" panose="020B0604020202020204"/>
+              </a:rPr>
+              <a:t>as</a:t>
+            </a:r>
+            <a:r>
+              <a:rPr sz="3600" b="1" spc="-70" dirty="0">
+                <a:solidFill>
+                  <a:srgbClr val="9BC850"/>
+                </a:solidFill>
+                <a:latin typeface="Arial" panose="020B0604020202020204"/>
+                <a:cs typeface="Arial" panose="020B0604020202020204"/>
+              </a:rPr>
+              <a:t> </a:t>
+            </a:r>
+            <a:r>
+              <a:rPr sz="3600" b="1" spc="-30" dirty="0">
+                <a:solidFill>
+                  <a:srgbClr val="9BC850"/>
+                </a:solidFill>
+                <a:latin typeface="Arial" panose="020B0604020202020204"/>
+                <a:cs typeface="Arial" panose="020B0604020202020204"/>
+              </a:rPr>
+              <a:t>a</a:t>
+            </a:r>
+            <a:r>
+              <a:rPr sz="3600" b="1" spc="-75" dirty="0">
+                <a:solidFill>
+                  <a:srgbClr val="9BC850"/>
+                </a:solidFill>
+                <a:latin typeface="Arial" panose="020B0604020202020204"/>
+                <a:cs typeface="Arial" panose="020B0604020202020204"/>
+              </a:rPr>
+              <a:t> </a:t>
+            </a:r>
+            <a:r>
+              <a:rPr sz="3600" b="1" spc="35" dirty="0">
+                <a:solidFill>
+                  <a:srgbClr val="9BC850"/>
+                </a:solidFill>
+                <a:latin typeface="Arial" panose="020B0604020202020204"/>
+                <a:cs typeface="Arial" panose="020B0604020202020204"/>
+              </a:rPr>
+              <a:t>dependency</a:t>
+            </a:r>
+            <a:endParaRPr sz="3600">
+              <a:latin typeface="Arial" panose="020B0604020202020204"/>
+              <a:cs typeface="Arial" panose="020B0604020202020204"/>
+            </a:endParaRPr>
+          </a:p>
+          <a:p>
+            <a:pPr marL="12700" marR="5080" indent="7620">
+              <a:lnSpc>
+                <a:spcPts val="4300"/>
+              </a:lnSpc>
+              <a:spcBef>
+                <a:spcPts val="2845"/>
+              </a:spcBef>
+            </a:pPr>
+            <a:r>
+              <a:rPr sz="3600" b="1" spc="65" dirty="0">
+                <a:solidFill>
+                  <a:srgbClr val="9BC850"/>
+                </a:solidFill>
+                <a:latin typeface="Arial" panose="020B0604020202020204"/>
+                <a:cs typeface="Arial" panose="020B0604020202020204"/>
+              </a:rPr>
+              <a:t>Create</a:t>
+            </a:r>
+            <a:r>
+              <a:rPr sz="3600" b="1" spc="-60" dirty="0">
+                <a:solidFill>
+                  <a:srgbClr val="9BC850"/>
+                </a:solidFill>
+                <a:latin typeface="Arial" panose="020B0604020202020204"/>
+                <a:cs typeface="Arial" panose="020B0604020202020204"/>
+              </a:rPr>
+              <a:t> </a:t>
+            </a:r>
+            <a:r>
+              <a:rPr sz="3600" b="1" spc="-30" dirty="0">
+                <a:solidFill>
+                  <a:srgbClr val="9BC850"/>
+                </a:solidFill>
+                <a:latin typeface="Arial" panose="020B0604020202020204"/>
+                <a:cs typeface="Arial" panose="020B0604020202020204"/>
+              </a:rPr>
+              <a:t>a</a:t>
+            </a:r>
+            <a:r>
+              <a:rPr sz="3600" b="1" spc="-65" dirty="0">
+                <a:solidFill>
+                  <a:srgbClr val="9BC850"/>
+                </a:solidFill>
+                <a:latin typeface="Arial" panose="020B0604020202020204"/>
+                <a:cs typeface="Arial" panose="020B0604020202020204"/>
+              </a:rPr>
+              <a:t> </a:t>
+            </a:r>
+            <a:r>
+              <a:rPr sz="3600" b="1" spc="35" dirty="0">
+                <a:solidFill>
+                  <a:srgbClr val="9BC850"/>
+                </a:solidFill>
+                <a:latin typeface="Arial" panose="020B0604020202020204"/>
+                <a:cs typeface="Arial" panose="020B0604020202020204"/>
+              </a:rPr>
+              <a:t>method</a:t>
+            </a:r>
+            <a:r>
+              <a:rPr sz="3600" b="1" spc="-65" dirty="0">
+                <a:solidFill>
+                  <a:srgbClr val="9BC850"/>
+                </a:solidFill>
+                <a:latin typeface="Arial" panose="020B0604020202020204"/>
+                <a:cs typeface="Arial" panose="020B0604020202020204"/>
+              </a:rPr>
+              <a:t> </a:t>
+            </a:r>
+            <a:r>
+              <a:rPr sz="3600" b="1" spc="95" dirty="0">
+                <a:solidFill>
+                  <a:srgbClr val="9BC850"/>
+                </a:solidFill>
+                <a:latin typeface="Arial" panose="020B0604020202020204"/>
+                <a:cs typeface="Arial" panose="020B0604020202020204"/>
+              </a:rPr>
+              <a:t>that</a:t>
+            </a:r>
+            <a:r>
+              <a:rPr sz="3600" b="1" spc="-60" dirty="0">
+                <a:solidFill>
+                  <a:srgbClr val="9BC850"/>
+                </a:solidFill>
+                <a:latin typeface="Arial" panose="020B0604020202020204"/>
+                <a:cs typeface="Arial" panose="020B0604020202020204"/>
+              </a:rPr>
+              <a:t> </a:t>
+            </a:r>
+            <a:r>
+              <a:rPr sz="3600" b="1" spc="-70" dirty="0">
+                <a:solidFill>
+                  <a:srgbClr val="9BC850"/>
+                </a:solidFill>
+                <a:latin typeface="Arial" panose="020B0604020202020204"/>
+                <a:cs typeface="Arial" panose="020B0604020202020204"/>
+              </a:rPr>
+              <a:t>calls</a:t>
+            </a:r>
+            <a:r>
+              <a:rPr sz="3600" b="1" spc="-60" dirty="0">
+                <a:solidFill>
+                  <a:srgbClr val="9BC850"/>
+                </a:solidFill>
+                <a:latin typeface="Arial" panose="020B0604020202020204"/>
+                <a:cs typeface="Arial" panose="020B0604020202020204"/>
+              </a:rPr>
+              <a:t> </a:t>
+            </a:r>
+            <a:r>
+              <a:rPr sz="3600" b="1" spc="110" dirty="0">
+                <a:solidFill>
+                  <a:srgbClr val="9BC850"/>
+                </a:solidFill>
+                <a:latin typeface="Arial" panose="020B0604020202020204"/>
+                <a:cs typeface="Arial" panose="020B0604020202020204"/>
+              </a:rPr>
+              <a:t>the</a:t>
+            </a:r>
+            <a:r>
+              <a:rPr sz="3600" b="1" spc="-60" dirty="0">
+                <a:solidFill>
+                  <a:srgbClr val="9BC850"/>
+                </a:solidFill>
+                <a:latin typeface="Arial" panose="020B0604020202020204"/>
+                <a:cs typeface="Arial" panose="020B0604020202020204"/>
+              </a:rPr>
+              <a:t> </a:t>
+            </a:r>
+            <a:r>
+              <a:rPr sz="3600" b="1" spc="5" dirty="0">
+                <a:solidFill>
+                  <a:srgbClr val="9BC850"/>
+                </a:solidFill>
+                <a:latin typeface="Arial" panose="020B0604020202020204"/>
+                <a:cs typeface="Arial" panose="020B0604020202020204"/>
+              </a:rPr>
+              <a:t>navigate</a:t>
+            </a:r>
+            <a:r>
+              <a:rPr sz="3600" b="1" spc="-60" dirty="0">
+                <a:solidFill>
+                  <a:srgbClr val="9BC850"/>
+                </a:solidFill>
+                <a:latin typeface="Arial" panose="020B0604020202020204"/>
+                <a:cs typeface="Arial" panose="020B0604020202020204"/>
+              </a:rPr>
+              <a:t> </a:t>
+            </a:r>
+            <a:r>
+              <a:rPr sz="3600" b="1" spc="35" dirty="0">
+                <a:solidFill>
+                  <a:srgbClr val="9BC850"/>
+                </a:solidFill>
+                <a:latin typeface="Arial" panose="020B0604020202020204"/>
+                <a:cs typeface="Arial" panose="020B0604020202020204"/>
+              </a:rPr>
+              <a:t>method</a:t>
+            </a:r>
+            <a:r>
+              <a:rPr sz="3600" b="1" spc="-65" dirty="0">
+                <a:solidFill>
+                  <a:srgbClr val="9BC850"/>
+                </a:solidFill>
+                <a:latin typeface="Arial" panose="020B0604020202020204"/>
+                <a:cs typeface="Arial" panose="020B0604020202020204"/>
+              </a:rPr>
+              <a:t> </a:t>
+            </a:r>
+            <a:r>
+              <a:rPr sz="3600" b="1" spc="10" dirty="0">
+                <a:solidFill>
+                  <a:srgbClr val="9BC850"/>
+                </a:solidFill>
+                <a:latin typeface="Arial" panose="020B0604020202020204"/>
+                <a:cs typeface="Arial" panose="020B0604020202020204"/>
+              </a:rPr>
+              <a:t>of</a:t>
+            </a:r>
+            <a:r>
+              <a:rPr sz="3600" b="1" spc="-65" dirty="0">
+                <a:solidFill>
+                  <a:srgbClr val="9BC850"/>
+                </a:solidFill>
+                <a:latin typeface="Arial" panose="020B0604020202020204"/>
+                <a:cs typeface="Arial" panose="020B0604020202020204"/>
+              </a:rPr>
+              <a:t> </a:t>
+            </a:r>
+            <a:r>
+              <a:rPr sz="3600" b="1" spc="110" dirty="0">
+                <a:solidFill>
+                  <a:srgbClr val="9BC850"/>
+                </a:solidFill>
+                <a:latin typeface="Arial" panose="020B0604020202020204"/>
+                <a:cs typeface="Arial" panose="020B0604020202020204"/>
+              </a:rPr>
+              <a:t>the</a:t>
+            </a:r>
+            <a:r>
+              <a:rPr sz="3600" b="1" spc="-60" dirty="0">
+                <a:solidFill>
+                  <a:srgbClr val="9BC850"/>
+                </a:solidFill>
+                <a:latin typeface="Arial" panose="020B0604020202020204"/>
+                <a:cs typeface="Arial" panose="020B0604020202020204"/>
+              </a:rPr>
+              <a:t> </a:t>
+            </a:r>
+            <a:r>
+              <a:rPr sz="3600" b="1" spc="-10" dirty="0">
+                <a:solidFill>
+                  <a:srgbClr val="9BC850"/>
+                </a:solidFill>
+                <a:latin typeface="Arial" panose="020B0604020202020204"/>
+                <a:cs typeface="Arial" panose="020B0604020202020204"/>
+              </a:rPr>
+              <a:t>Router </a:t>
+            </a:r>
+            <a:r>
+              <a:rPr sz="3600" b="1" spc="-985" dirty="0">
+                <a:solidFill>
+                  <a:srgbClr val="9BC850"/>
+                </a:solidFill>
+                <a:latin typeface="Arial" panose="020B0604020202020204"/>
+                <a:cs typeface="Arial" panose="020B0604020202020204"/>
+              </a:rPr>
+              <a:t> </a:t>
+            </a:r>
+            <a:r>
+              <a:rPr sz="3600" b="1" spc="-20" dirty="0">
+                <a:solidFill>
+                  <a:srgbClr val="9BC850"/>
+                </a:solidFill>
+                <a:latin typeface="Arial" panose="020B0604020202020204"/>
+                <a:cs typeface="Arial" panose="020B0604020202020204"/>
+              </a:rPr>
+              <a:t>service</a:t>
+            </a:r>
+            <a:endParaRPr sz="3600">
+              <a:latin typeface="Arial" panose="020B0604020202020204"/>
+              <a:cs typeface="Arial" panose="020B0604020202020204"/>
+            </a:endParaRPr>
+          </a:p>
+          <a:p>
+            <a:pPr marL="805815" indent="-433705">
+              <a:lnSpc>
+                <a:spcPts val="4150"/>
+              </a:lnSpc>
+              <a:buSzPct val="75000"/>
+              <a:buFont typeface="Lucida Sans Unicode" panose="020B0602030504020204"/>
+              <a:buChar char="-"/>
+              <a:tabLst>
+                <a:tab pos="805180" algn="l"/>
+                <a:tab pos="805815" algn="l"/>
+              </a:tabLst>
+            </a:pPr>
+            <a:r>
+              <a:rPr sz="3600" b="1" spc="-195" dirty="0">
+                <a:solidFill>
+                  <a:srgbClr val="9BC850"/>
+                </a:solidFill>
+                <a:latin typeface="Arial" panose="020B0604020202020204"/>
+                <a:cs typeface="Arial" panose="020B0604020202020204"/>
+              </a:rPr>
+              <a:t>Pass</a:t>
+            </a:r>
+            <a:r>
+              <a:rPr sz="3600" b="1" spc="-60" dirty="0">
+                <a:solidFill>
+                  <a:srgbClr val="9BC850"/>
+                </a:solidFill>
+                <a:latin typeface="Arial" panose="020B0604020202020204"/>
+                <a:cs typeface="Arial" panose="020B0604020202020204"/>
+              </a:rPr>
+              <a:t> </a:t>
+            </a:r>
+            <a:r>
+              <a:rPr sz="3600" b="1" spc="-45" dirty="0">
+                <a:solidFill>
+                  <a:srgbClr val="9BC850"/>
+                </a:solidFill>
+                <a:latin typeface="Arial" panose="020B0604020202020204"/>
+                <a:cs typeface="Arial" panose="020B0604020202020204"/>
+              </a:rPr>
+              <a:t>in</a:t>
+            </a:r>
+            <a:r>
+              <a:rPr sz="3600" b="1" spc="-60" dirty="0">
+                <a:solidFill>
+                  <a:srgbClr val="9BC850"/>
+                </a:solidFill>
+                <a:latin typeface="Arial" panose="020B0604020202020204"/>
+                <a:cs typeface="Arial" panose="020B0604020202020204"/>
+              </a:rPr>
+              <a:t> </a:t>
+            </a:r>
+            <a:r>
+              <a:rPr sz="3600" b="1" spc="110" dirty="0">
+                <a:solidFill>
+                  <a:srgbClr val="9BC850"/>
+                </a:solidFill>
+                <a:latin typeface="Arial" panose="020B0604020202020204"/>
+                <a:cs typeface="Arial" panose="020B0604020202020204"/>
+              </a:rPr>
+              <a:t>the</a:t>
+            </a:r>
+            <a:r>
+              <a:rPr sz="3600" b="1" spc="-60" dirty="0">
+                <a:solidFill>
+                  <a:srgbClr val="9BC850"/>
+                </a:solidFill>
+                <a:latin typeface="Arial" panose="020B0604020202020204"/>
+                <a:cs typeface="Arial" panose="020B0604020202020204"/>
+              </a:rPr>
+              <a:t> </a:t>
+            </a:r>
+            <a:r>
+              <a:rPr sz="3600" b="1" spc="-70" dirty="0">
+                <a:solidFill>
+                  <a:srgbClr val="9BC850"/>
+                </a:solidFill>
+                <a:latin typeface="Arial" panose="020B0604020202020204"/>
+                <a:cs typeface="Arial" panose="020B0604020202020204"/>
+              </a:rPr>
+              <a:t>link</a:t>
+            </a:r>
+            <a:r>
+              <a:rPr sz="3600" b="1" spc="-60" dirty="0">
+                <a:solidFill>
+                  <a:srgbClr val="9BC850"/>
+                </a:solidFill>
+                <a:latin typeface="Arial" panose="020B0604020202020204"/>
+                <a:cs typeface="Arial" panose="020B0604020202020204"/>
+              </a:rPr>
+              <a:t> </a:t>
+            </a:r>
+            <a:r>
+              <a:rPr sz="3600" b="1" spc="-10" dirty="0">
+                <a:solidFill>
+                  <a:srgbClr val="9BC850"/>
+                </a:solidFill>
+                <a:latin typeface="Arial" panose="020B0604020202020204"/>
+                <a:cs typeface="Arial" panose="020B0604020202020204"/>
+              </a:rPr>
+              <a:t>parameters</a:t>
+            </a:r>
+            <a:r>
+              <a:rPr sz="3600" b="1" spc="-60" dirty="0">
+                <a:solidFill>
+                  <a:srgbClr val="9BC850"/>
+                </a:solidFill>
+                <a:latin typeface="Arial" panose="020B0604020202020204"/>
+                <a:cs typeface="Arial" panose="020B0604020202020204"/>
+              </a:rPr>
+              <a:t> </a:t>
+            </a:r>
+            <a:r>
+              <a:rPr sz="3600" b="1" spc="-45" dirty="0">
+                <a:solidFill>
+                  <a:srgbClr val="9BC850"/>
+                </a:solidFill>
+                <a:latin typeface="Arial" panose="020B0604020202020204"/>
+                <a:cs typeface="Arial" panose="020B0604020202020204"/>
+              </a:rPr>
+              <a:t>array</a:t>
+            </a:r>
+            <a:endParaRPr sz="3600">
+              <a:latin typeface="Arial" panose="020B0604020202020204"/>
+              <a:cs typeface="Arial" panose="020B0604020202020204"/>
+            </a:endParaRPr>
+          </a:p>
+        </p:txBody>
+      </p:sp>
+      <p:sp>
+        <p:nvSpPr>
+          <p:cNvPr id="9" name="object 9"/>
+          <p:cNvSpPr txBox="1"/>
+          <p:nvPr/>
+        </p:nvSpPr>
+        <p:spPr>
+          <a:xfrm>
+            <a:off x="4072049" y="7927340"/>
+            <a:ext cx="11426825" cy="1120140"/>
+          </a:xfrm>
+          <a:prstGeom prst="rect">
+            <a:avLst/>
+          </a:prstGeom>
+        </p:spPr>
+        <p:txBody>
+          <a:bodyPr vert="horz" wrap="square" lIns="0" tIns="12700" rIns="0" bIns="0" rtlCol="0">
+            <a:spAutoFit/>
+          </a:bodyPr>
+          <a:lstStyle/>
+          <a:p>
+            <a:pPr marL="12700">
+              <a:lnSpc>
+                <a:spcPts val="4310"/>
+              </a:lnSpc>
+              <a:spcBef>
+                <a:spcPts val="100"/>
+              </a:spcBef>
+            </a:pPr>
+            <a:r>
+              <a:rPr sz="3600" b="1" spc="-60" dirty="0">
+                <a:solidFill>
+                  <a:srgbClr val="9BC850"/>
+                </a:solidFill>
+                <a:latin typeface="Arial" panose="020B0604020202020204"/>
+                <a:cs typeface="Arial" panose="020B0604020202020204"/>
+              </a:rPr>
+              <a:t>Add</a:t>
+            </a:r>
+            <a:r>
+              <a:rPr sz="3600" b="1" spc="-80" dirty="0">
+                <a:solidFill>
+                  <a:srgbClr val="9BC850"/>
+                </a:solidFill>
+                <a:latin typeface="Arial" panose="020B0604020202020204"/>
+                <a:cs typeface="Arial" panose="020B0604020202020204"/>
+              </a:rPr>
+              <a:t> </a:t>
+            </a:r>
+            <a:r>
+              <a:rPr sz="3600" b="1" spc="-30" dirty="0">
+                <a:solidFill>
+                  <a:srgbClr val="9BC850"/>
+                </a:solidFill>
+                <a:latin typeface="Arial" panose="020B0604020202020204"/>
+                <a:cs typeface="Arial" panose="020B0604020202020204"/>
+              </a:rPr>
+              <a:t>a</a:t>
+            </a:r>
+            <a:r>
+              <a:rPr sz="3600" b="1" spc="-80" dirty="0">
+                <a:solidFill>
+                  <a:srgbClr val="9BC850"/>
+                </a:solidFill>
+                <a:latin typeface="Arial" panose="020B0604020202020204"/>
+                <a:cs typeface="Arial" panose="020B0604020202020204"/>
+              </a:rPr>
+              <a:t> </a:t>
+            </a:r>
+            <a:r>
+              <a:rPr sz="3600" b="1" spc="-50" dirty="0">
+                <a:solidFill>
+                  <a:srgbClr val="9BC850"/>
+                </a:solidFill>
+                <a:latin typeface="Arial" panose="020B0604020202020204"/>
+                <a:cs typeface="Arial" panose="020B0604020202020204"/>
+              </a:rPr>
+              <a:t>user</a:t>
+            </a:r>
+            <a:r>
+              <a:rPr sz="3600" b="1" spc="-80" dirty="0">
+                <a:solidFill>
+                  <a:srgbClr val="9BC850"/>
+                </a:solidFill>
+                <a:latin typeface="Arial" panose="020B0604020202020204"/>
+                <a:cs typeface="Arial" panose="020B0604020202020204"/>
+              </a:rPr>
+              <a:t> </a:t>
+            </a:r>
+            <a:r>
+              <a:rPr sz="3600" b="1" spc="45" dirty="0">
+                <a:solidFill>
+                  <a:srgbClr val="9BC850"/>
+                </a:solidFill>
+                <a:latin typeface="Arial" panose="020B0604020202020204"/>
+                <a:cs typeface="Arial" panose="020B0604020202020204"/>
+              </a:rPr>
+              <a:t>interface</a:t>
+            </a:r>
+            <a:r>
+              <a:rPr sz="3600" b="1" spc="-75" dirty="0">
+                <a:solidFill>
+                  <a:srgbClr val="9BC850"/>
+                </a:solidFill>
+                <a:latin typeface="Arial" panose="020B0604020202020204"/>
+                <a:cs typeface="Arial" panose="020B0604020202020204"/>
+              </a:rPr>
+              <a:t> </a:t>
+            </a:r>
+            <a:r>
+              <a:rPr sz="3600" b="1" spc="60" dirty="0">
+                <a:solidFill>
+                  <a:srgbClr val="9BC850"/>
+                </a:solidFill>
+                <a:latin typeface="Arial" panose="020B0604020202020204"/>
+                <a:cs typeface="Arial" panose="020B0604020202020204"/>
+              </a:rPr>
+              <a:t>element</a:t>
+            </a:r>
+            <a:endParaRPr sz="3600">
+              <a:latin typeface="Arial" panose="020B0604020202020204"/>
+              <a:cs typeface="Arial" panose="020B0604020202020204"/>
+            </a:endParaRPr>
+          </a:p>
+          <a:p>
+            <a:pPr marL="364490">
+              <a:lnSpc>
+                <a:spcPts val="4310"/>
+              </a:lnSpc>
+              <a:tabLst>
+                <a:tab pos="797560" algn="l"/>
+              </a:tabLst>
+            </a:pPr>
+            <a:r>
+              <a:rPr sz="2700" dirty="0">
+                <a:solidFill>
+                  <a:srgbClr val="9BC850"/>
+                </a:solidFill>
+                <a:latin typeface="Lucida Sans Unicode" panose="020B0602030504020204"/>
+                <a:cs typeface="Lucida Sans Unicode" panose="020B0602030504020204"/>
+              </a:rPr>
+              <a:t>-	</a:t>
+            </a:r>
+            <a:r>
+              <a:rPr sz="3600" b="1" spc="-55" dirty="0">
+                <a:solidFill>
+                  <a:srgbClr val="9BC850"/>
+                </a:solidFill>
+                <a:latin typeface="Arial" panose="020B0604020202020204"/>
+                <a:cs typeface="Arial" panose="020B0604020202020204"/>
+              </a:rPr>
+              <a:t>Use</a:t>
+            </a:r>
+            <a:r>
+              <a:rPr sz="3600" b="1" spc="-60" dirty="0">
+                <a:solidFill>
+                  <a:srgbClr val="9BC850"/>
+                </a:solidFill>
+                <a:latin typeface="Arial" panose="020B0604020202020204"/>
+                <a:cs typeface="Arial" panose="020B0604020202020204"/>
+              </a:rPr>
+              <a:t> </a:t>
+            </a:r>
+            <a:r>
+              <a:rPr sz="3600" b="1" spc="80" dirty="0">
+                <a:solidFill>
+                  <a:srgbClr val="9BC850"/>
+                </a:solidFill>
+                <a:latin typeface="Arial" panose="020B0604020202020204"/>
+                <a:cs typeface="Arial" panose="020B0604020202020204"/>
+              </a:rPr>
+              <a:t>event</a:t>
+            </a:r>
+            <a:r>
+              <a:rPr sz="3600" b="1" spc="-60" dirty="0">
+                <a:solidFill>
+                  <a:srgbClr val="9BC850"/>
+                </a:solidFill>
+                <a:latin typeface="Arial" panose="020B0604020202020204"/>
+                <a:cs typeface="Arial" panose="020B0604020202020204"/>
+              </a:rPr>
+              <a:t> </a:t>
+            </a:r>
+            <a:r>
+              <a:rPr sz="3600" b="1" spc="-15" dirty="0">
+                <a:solidFill>
+                  <a:srgbClr val="9BC850"/>
+                </a:solidFill>
+                <a:latin typeface="Arial" panose="020B0604020202020204"/>
+                <a:cs typeface="Arial" panose="020B0604020202020204"/>
+              </a:rPr>
+              <a:t>binding</a:t>
+            </a:r>
+            <a:r>
+              <a:rPr sz="3600" b="1" spc="-70" dirty="0">
+                <a:solidFill>
+                  <a:srgbClr val="9BC850"/>
+                </a:solidFill>
+                <a:latin typeface="Arial" panose="020B0604020202020204"/>
+                <a:cs typeface="Arial" panose="020B0604020202020204"/>
+              </a:rPr>
+              <a:t> </a:t>
+            </a:r>
+            <a:r>
+              <a:rPr sz="3600" b="1" spc="75" dirty="0">
+                <a:solidFill>
+                  <a:srgbClr val="9BC850"/>
+                </a:solidFill>
+                <a:latin typeface="Arial" panose="020B0604020202020204"/>
+                <a:cs typeface="Arial" panose="020B0604020202020204"/>
+              </a:rPr>
+              <a:t>to</a:t>
+            </a:r>
+            <a:r>
+              <a:rPr sz="3600" b="1" spc="-65" dirty="0">
+                <a:solidFill>
+                  <a:srgbClr val="9BC850"/>
+                </a:solidFill>
+                <a:latin typeface="Arial" panose="020B0604020202020204"/>
+                <a:cs typeface="Arial" panose="020B0604020202020204"/>
+              </a:rPr>
+              <a:t> </a:t>
+            </a:r>
+            <a:r>
+              <a:rPr sz="3600" b="1" spc="-10" dirty="0">
+                <a:solidFill>
+                  <a:srgbClr val="9BC850"/>
+                </a:solidFill>
+                <a:latin typeface="Arial" panose="020B0604020202020204"/>
+                <a:cs typeface="Arial" panose="020B0604020202020204"/>
+              </a:rPr>
+              <a:t>bind</a:t>
+            </a:r>
+            <a:r>
+              <a:rPr sz="3600" b="1" spc="-65" dirty="0">
+                <a:solidFill>
+                  <a:srgbClr val="9BC850"/>
+                </a:solidFill>
+                <a:latin typeface="Arial" panose="020B0604020202020204"/>
+                <a:cs typeface="Arial" panose="020B0604020202020204"/>
+              </a:rPr>
+              <a:t> </a:t>
+            </a:r>
+            <a:r>
+              <a:rPr sz="3600" b="1" spc="75" dirty="0">
+                <a:solidFill>
+                  <a:srgbClr val="9BC850"/>
+                </a:solidFill>
+                <a:latin typeface="Arial" panose="020B0604020202020204"/>
+                <a:cs typeface="Arial" panose="020B0604020202020204"/>
+              </a:rPr>
+              <a:t>to</a:t>
+            </a:r>
+            <a:r>
+              <a:rPr sz="3600" b="1" spc="-65" dirty="0">
+                <a:solidFill>
+                  <a:srgbClr val="9BC850"/>
+                </a:solidFill>
+                <a:latin typeface="Arial" panose="020B0604020202020204"/>
+                <a:cs typeface="Arial" panose="020B0604020202020204"/>
+              </a:rPr>
+              <a:t> </a:t>
+            </a:r>
+            <a:r>
+              <a:rPr sz="3600" b="1" spc="110" dirty="0">
+                <a:solidFill>
+                  <a:srgbClr val="9BC850"/>
+                </a:solidFill>
+                <a:latin typeface="Arial" panose="020B0604020202020204"/>
+                <a:cs typeface="Arial" panose="020B0604020202020204"/>
+              </a:rPr>
+              <a:t>the</a:t>
+            </a:r>
+            <a:r>
+              <a:rPr sz="3600" b="1" spc="-60" dirty="0">
+                <a:solidFill>
+                  <a:srgbClr val="9BC850"/>
+                </a:solidFill>
+                <a:latin typeface="Arial" panose="020B0604020202020204"/>
+                <a:cs typeface="Arial" panose="020B0604020202020204"/>
+              </a:rPr>
+              <a:t> </a:t>
+            </a:r>
+            <a:r>
+              <a:rPr sz="3600" b="1" spc="55" dirty="0">
+                <a:solidFill>
+                  <a:srgbClr val="9BC850"/>
+                </a:solidFill>
+                <a:latin typeface="Arial" panose="020B0604020202020204"/>
+                <a:cs typeface="Arial" panose="020B0604020202020204"/>
+              </a:rPr>
+              <a:t>created</a:t>
+            </a:r>
+            <a:r>
+              <a:rPr sz="3600" b="1" spc="-65" dirty="0">
+                <a:solidFill>
+                  <a:srgbClr val="9BC850"/>
+                </a:solidFill>
+                <a:latin typeface="Arial" panose="020B0604020202020204"/>
+                <a:cs typeface="Arial" panose="020B0604020202020204"/>
+              </a:rPr>
+              <a:t> </a:t>
+            </a:r>
+            <a:r>
+              <a:rPr sz="3600" b="1" spc="35" dirty="0">
+                <a:solidFill>
+                  <a:srgbClr val="9BC850"/>
+                </a:solidFill>
+                <a:latin typeface="Arial" panose="020B0604020202020204"/>
+                <a:cs typeface="Arial" panose="020B0604020202020204"/>
+              </a:rPr>
+              <a:t>method</a:t>
+            </a:r>
+            <a:endParaRPr sz="3600">
+              <a:latin typeface="Arial" panose="020B0604020202020204"/>
+              <a:cs typeface="Arial" panose="020B0604020202020204"/>
+            </a:endParaRPr>
+          </a:p>
+        </p:txBody>
+      </p:sp>
+      <p:sp>
+        <p:nvSpPr>
+          <p:cNvPr id="10" name="object 10"/>
+          <p:cNvSpPr txBox="1"/>
+          <p:nvPr/>
+        </p:nvSpPr>
+        <p:spPr>
+          <a:xfrm>
+            <a:off x="3985371" y="4371736"/>
+            <a:ext cx="10770235" cy="3201035"/>
+          </a:xfrm>
+          <a:prstGeom prst="rect">
+            <a:avLst/>
+          </a:prstGeom>
+          <a:ln w="12700">
+            <a:solidFill>
+              <a:srgbClr val="2A9FBC"/>
+            </a:solidFill>
+          </a:ln>
+        </p:spPr>
+        <p:txBody>
+          <a:bodyPr vert="horz" wrap="square" lIns="0" tIns="79375" rIns="0" bIns="0" rtlCol="0">
+            <a:spAutoFit/>
+          </a:bodyPr>
+          <a:lstStyle/>
+          <a:p>
+            <a:pPr marL="182245">
+              <a:lnSpc>
+                <a:spcPts val="3325"/>
+              </a:lnSpc>
+              <a:spcBef>
+                <a:spcPts val="625"/>
+              </a:spcBef>
+            </a:pPr>
+            <a:r>
+              <a:rPr sz="2800" spc="-10" dirty="0">
+                <a:latin typeface="Courier New" panose="02070309020205020404"/>
+                <a:cs typeface="Courier New" panose="02070309020205020404"/>
+              </a:rPr>
+              <a:t>import</a:t>
+            </a:r>
+            <a:r>
+              <a:rPr sz="2800" spc="-30" dirty="0">
+                <a:latin typeface="Courier New" panose="02070309020205020404"/>
+                <a:cs typeface="Courier New" panose="02070309020205020404"/>
+              </a:rPr>
+              <a:t> </a:t>
+            </a:r>
+            <a:r>
+              <a:rPr sz="2800" dirty="0">
+                <a:latin typeface="Courier New" panose="02070309020205020404"/>
+                <a:cs typeface="Courier New" panose="02070309020205020404"/>
+              </a:rPr>
+              <a:t>{</a:t>
+            </a:r>
+            <a:r>
+              <a:rPr sz="2800" spc="-25" dirty="0">
+                <a:latin typeface="Courier New" panose="02070309020205020404"/>
+                <a:cs typeface="Courier New" panose="02070309020205020404"/>
+              </a:rPr>
+              <a:t> </a:t>
+            </a:r>
+            <a:r>
+              <a:rPr sz="2800" spc="-10" dirty="0">
+                <a:latin typeface="Courier New" panose="02070309020205020404"/>
+                <a:cs typeface="Courier New" panose="02070309020205020404"/>
+              </a:rPr>
+              <a:t>Router</a:t>
+            </a:r>
+            <a:r>
+              <a:rPr sz="2800" spc="-25" dirty="0">
+                <a:latin typeface="Courier New" panose="02070309020205020404"/>
+                <a:cs typeface="Courier New" panose="02070309020205020404"/>
+              </a:rPr>
+              <a:t> </a:t>
+            </a:r>
+            <a:r>
+              <a:rPr sz="2800" dirty="0">
+                <a:latin typeface="Courier New" panose="02070309020205020404"/>
+                <a:cs typeface="Courier New" panose="02070309020205020404"/>
+              </a:rPr>
+              <a:t>}</a:t>
+            </a:r>
+            <a:r>
+              <a:rPr sz="2800" spc="-25" dirty="0">
+                <a:latin typeface="Courier New" panose="02070309020205020404"/>
+                <a:cs typeface="Courier New" panose="02070309020205020404"/>
+              </a:rPr>
+              <a:t> </a:t>
+            </a:r>
+            <a:r>
+              <a:rPr sz="2800" spc="-5" dirty="0">
+                <a:latin typeface="Courier New" panose="02070309020205020404"/>
+                <a:cs typeface="Courier New" panose="02070309020205020404"/>
+              </a:rPr>
+              <a:t>from</a:t>
+            </a:r>
+            <a:r>
+              <a:rPr sz="2800" spc="-20" dirty="0">
+                <a:latin typeface="Courier New" panose="02070309020205020404"/>
+                <a:cs typeface="Courier New" panose="02070309020205020404"/>
+              </a:rPr>
+              <a:t> </a:t>
+            </a:r>
+            <a:r>
+              <a:rPr sz="2800" spc="-10" dirty="0">
+                <a:solidFill>
+                  <a:srgbClr val="A31515"/>
+                </a:solidFill>
+                <a:latin typeface="Courier New" panose="02070309020205020404"/>
+                <a:cs typeface="Courier New" panose="02070309020205020404"/>
+              </a:rPr>
+              <a:t>'@angular/router'</a:t>
+            </a:r>
+            <a:r>
+              <a:rPr sz="2800" spc="-10" dirty="0">
+                <a:latin typeface="Courier New" panose="02070309020205020404"/>
+                <a:cs typeface="Courier New" panose="02070309020205020404"/>
+              </a:rPr>
+              <a:t>;</a:t>
+            </a:r>
+            <a:endParaRPr sz="2800">
+              <a:latin typeface="Courier New" panose="02070309020205020404"/>
+              <a:cs typeface="Courier New" panose="02070309020205020404"/>
+            </a:endParaRPr>
+          </a:p>
+          <a:p>
+            <a:pPr marL="182245">
+              <a:lnSpc>
+                <a:spcPts val="3325"/>
+              </a:lnSpc>
+            </a:pPr>
+            <a:r>
+              <a:rPr sz="2800" spc="-10" dirty="0">
+                <a:latin typeface="Courier New" panose="02070309020205020404"/>
+                <a:cs typeface="Courier New" panose="02070309020205020404"/>
+              </a:rPr>
+              <a:t>...</a:t>
+            </a:r>
+            <a:endParaRPr sz="2800">
+              <a:latin typeface="Courier New" panose="02070309020205020404"/>
+              <a:cs typeface="Courier New" panose="02070309020205020404"/>
+            </a:endParaRPr>
+          </a:p>
+          <a:p>
+            <a:pPr marL="1033145">
+              <a:lnSpc>
+                <a:spcPct val="100000"/>
+              </a:lnSpc>
+              <a:spcBef>
+                <a:spcPts val="45"/>
+              </a:spcBef>
+            </a:pPr>
+            <a:r>
+              <a:rPr sz="2800" spc="-10" dirty="0">
+                <a:latin typeface="Courier New" panose="02070309020205020404"/>
+                <a:cs typeface="Courier New" panose="02070309020205020404"/>
+              </a:rPr>
+              <a:t>constructor(</a:t>
+            </a:r>
+            <a:r>
+              <a:rPr sz="2800" spc="-10" dirty="0">
+                <a:solidFill>
+                  <a:srgbClr val="002FFF"/>
+                </a:solidFill>
+                <a:latin typeface="Courier New" panose="02070309020205020404"/>
+                <a:cs typeface="Courier New" panose="02070309020205020404"/>
+              </a:rPr>
+              <a:t>private</a:t>
+            </a:r>
+            <a:r>
+              <a:rPr sz="2800" spc="-30" dirty="0">
+                <a:solidFill>
+                  <a:srgbClr val="002FFF"/>
+                </a:solidFill>
+                <a:latin typeface="Courier New" panose="02070309020205020404"/>
+                <a:cs typeface="Courier New" panose="02070309020205020404"/>
+              </a:rPr>
+              <a:t> </a:t>
+            </a:r>
+            <a:r>
+              <a:rPr sz="2800" spc="-10" dirty="0">
+                <a:latin typeface="Courier New" panose="02070309020205020404"/>
+                <a:cs typeface="Courier New" panose="02070309020205020404"/>
+              </a:rPr>
+              <a:t>router:</a:t>
+            </a:r>
+            <a:r>
+              <a:rPr sz="2800" spc="-30" dirty="0">
+                <a:latin typeface="Courier New" panose="02070309020205020404"/>
+                <a:cs typeface="Courier New" panose="02070309020205020404"/>
+              </a:rPr>
+              <a:t> </a:t>
+            </a:r>
+            <a:r>
+              <a:rPr sz="2800" spc="-10" dirty="0">
+                <a:latin typeface="Courier New" panose="02070309020205020404"/>
+                <a:cs typeface="Courier New" panose="02070309020205020404"/>
+              </a:rPr>
+              <a:t>Router)</a:t>
+            </a:r>
+            <a:r>
+              <a:rPr sz="2800" spc="-30" dirty="0">
+                <a:latin typeface="Courier New" panose="02070309020205020404"/>
+                <a:cs typeface="Courier New" panose="02070309020205020404"/>
+              </a:rPr>
+              <a:t> </a:t>
+            </a:r>
+            <a:r>
+              <a:rPr sz="2800" dirty="0">
+                <a:latin typeface="Courier New" panose="02070309020205020404"/>
+                <a:cs typeface="Courier New" panose="02070309020205020404"/>
+              </a:rPr>
+              <a:t>{</a:t>
+            </a:r>
+            <a:r>
+              <a:rPr sz="2800" spc="-30" dirty="0">
+                <a:latin typeface="Courier New" panose="02070309020205020404"/>
+                <a:cs typeface="Courier New" panose="02070309020205020404"/>
+              </a:rPr>
+              <a:t> </a:t>
+            </a:r>
+            <a:r>
+              <a:rPr sz="2800" dirty="0">
+                <a:latin typeface="Courier New" panose="02070309020205020404"/>
+                <a:cs typeface="Courier New" panose="02070309020205020404"/>
+              </a:rPr>
+              <a:t>}</a:t>
+            </a:r>
+            <a:endParaRPr sz="2800">
+              <a:latin typeface="Courier New" panose="02070309020205020404"/>
+              <a:cs typeface="Courier New" panose="02070309020205020404"/>
+            </a:endParaRPr>
+          </a:p>
+          <a:p>
+            <a:pPr marL="1553845" marR="1549400" indent="-520700">
+              <a:lnSpc>
+                <a:spcPct val="101000"/>
+              </a:lnSpc>
+              <a:spcBef>
+                <a:spcPts val="3290"/>
+              </a:spcBef>
+            </a:pPr>
+            <a:r>
+              <a:rPr sz="2800" spc="-10" dirty="0">
+                <a:latin typeface="Courier New" panose="02070309020205020404"/>
+                <a:cs typeface="Courier New" panose="02070309020205020404"/>
+              </a:rPr>
+              <a:t>onBack(): void </a:t>
+            </a:r>
+            <a:r>
+              <a:rPr sz="2800" dirty="0">
+                <a:latin typeface="Courier New" panose="02070309020205020404"/>
+                <a:cs typeface="Courier New" panose="02070309020205020404"/>
+              </a:rPr>
+              <a:t>{ </a:t>
+            </a:r>
+            <a:r>
+              <a:rPr sz="2800" spc="5" dirty="0">
+                <a:latin typeface="Courier New" panose="02070309020205020404"/>
+                <a:cs typeface="Courier New" panose="02070309020205020404"/>
+              </a:rPr>
+              <a:t> </a:t>
+            </a:r>
+            <a:r>
+              <a:rPr sz="2800" spc="-10" dirty="0">
+                <a:solidFill>
+                  <a:srgbClr val="002FFF"/>
+                </a:solidFill>
+                <a:latin typeface="Courier New" panose="02070309020205020404"/>
+                <a:cs typeface="Courier New" panose="02070309020205020404"/>
+              </a:rPr>
+              <a:t>this</a:t>
+            </a:r>
+            <a:r>
+              <a:rPr sz="2800" spc="-10" dirty="0">
+                <a:latin typeface="Courier New" panose="02070309020205020404"/>
+                <a:cs typeface="Courier New" panose="02070309020205020404"/>
+              </a:rPr>
+              <a:t>.router.navigate([</a:t>
+            </a:r>
+            <a:r>
+              <a:rPr sz="2800" spc="-10" dirty="0">
+                <a:solidFill>
+                  <a:srgbClr val="A31515"/>
+                </a:solidFill>
+                <a:latin typeface="Courier New" panose="02070309020205020404"/>
+                <a:cs typeface="Courier New" panose="02070309020205020404"/>
+              </a:rPr>
+              <a:t>'/products'</a:t>
+            </a:r>
+            <a:r>
+              <a:rPr sz="2800" spc="-10" dirty="0">
+                <a:latin typeface="Courier New" panose="02070309020205020404"/>
+                <a:cs typeface="Courier New" panose="02070309020205020404"/>
+              </a:rPr>
+              <a:t>]);</a:t>
+            </a:r>
+            <a:endParaRPr sz="2800">
+              <a:latin typeface="Courier New" panose="02070309020205020404"/>
+              <a:cs typeface="Courier New" panose="02070309020205020404"/>
+            </a:endParaRPr>
+          </a:p>
+          <a:p>
+            <a:pPr marL="1033145">
+              <a:lnSpc>
+                <a:spcPts val="3290"/>
+              </a:lnSpc>
+            </a:pPr>
+            <a:r>
+              <a:rPr sz="2800" dirty="0">
+                <a:latin typeface="Courier New" panose="02070309020205020404"/>
+                <a:cs typeface="Courier New" panose="02070309020205020404"/>
+              </a:rPr>
+              <a:t>}</a:t>
+            </a:r>
+            <a:endParaRPr sz="2800">
+              <a:latin typeface="Courier New" panose="02070309020205020404"/>
+              <a:cs typeface="Courier New" panose="02070309020205020404"/>
+            </a:endParaRPr>
+          </a:p>
+        </p:txBody>
+      </p:sp>
+      <p:sp>
+        <p:nvSpPr>
+          <p:cNvPr id="11" name="object 11"/>
+          <p:cNvSpPr txBox="1"/>
+          <p:nvPr/>
+        </p:nvSpPr>
+        <p:spPr>
+          <a:xfrm>
+            <a:off x="3985370" y="9201715"/>
+            <a:ext cx="10770235" cy="523240"/>
+          </a:xfrm>
+          <a:prstGeom prst="rect">
+            <a:avLst/>
+          </a:prstGeom>
+          <a:ln w="12700">
+            <a:solidFill>
+              <a:srgbClr val="9BC850"/>
+            </a:solidFill>
+          </a:ln>
+        </p:spPr>
+        <p:txBody>
+          <a:bodyPr vert="horz" wrap="square" lIns="0" tIns="31750" rIns="0" bIns="0" rtlCol="0">
+            <a:spAutoFit/>
+          </a:bodyPr>
+          <a:lstStyle/>
+          <a:p>
+            <a:pPr marL="90805">
+              <a:lnSpc>
+                <a:spcPct val="100000"/>
+              </a:lnSpc>
+              <a:spcBef>
+                <a:spcPts val="250"/>
+              </a:spcBef>
+            </a:pPr>
+            <a:r>
+              <a:rPr sz="2800" spc="-10" dirty="0">
+                <a:solidFill>
+                  <a:srgbClr val="800000"/>
+                </a:solidFill>
+                <a:latin typeface="Courier New" panose="02070309020205020404"/>
+                <a:cs typeface="Courier New" panose="02070309020205020404"/>
+              </a:rPr>
+              <a:t>&lt;button</a:t>
+            </a:r>
+            <a:r>
+              <a:rPr sz="2800" spc="-70" dirty="0">
+                <a:solidFill>
+                  <a:srgbClr val="800000"/>
+                </a:solidFill>
+                <a:latin typeface="Courier New" panose="02070309020205020404"/>
+                <a:cs typeface="Courier New" panose="02070309020205020404"/>
+              </a:rPr>
+              <a:t> </a:t>
+            </a:r>
+            <a:r>
+              <a:rPr sz="2800" spc="-10" dirty="0">
+                <a:solidFill>
+                  <a:srgbClr val="FF0000"/>
+                </a:solidFill>
+                <a:latin typeface="Courier New" panose="02070309020205020404"/>
+                <a:cs typeface="Courier New" panose="02070309020205020404"/>
+              </a:rPr>
+              <a:t>(click)</a:t>
+            </a:r>
+            <a:r>
+              <a:rPr sz="2800" spc="-10" dirty="0">
+                <a:latin typeface="Courier New" panose="02070309020205020404"/>
+                <a:cs typeface="Courier New" panose="02070309020205020404"/>
+              </a:rPr>
+              <a:t>=</a:t>
+            </a:r>
+            <a:r>
+              <a:rPr sz="2800" spc="-10" dirty="0">
+                <a:solidFill>
+                  <a:srgbClr val="0000FF"/>
+                </a:solidFill>
+                <a:latin typeface="Courier New" panose="02070309020205020404"/>
+                <a:cs typeface="Courier New" panose="02070309020205020404"/>
+              </a:rPr>
+              <a:t>'onBack()'</a:t>
+            </a:r>
+            <a:r>
+              <a:rPr sz="2800" spc="-10" dirty="0">
+                <a:solidFill>
+                  <a:srgbClr val="800000"/>
+                </a:solidFill>
+                <a:latin typeface="Courier New" panose="02070309020205020404"/>
+                <a:cs typeface="Courier New" panose="02070309020205020404"/>
+              </a:rPr>
+              <a:t>&gt;</a:t>
+            </a:r>
+            <a:r>
+              <a:rPr sz="2800" spc="-10" dirty="0">
+                <a:latin typeface="Courier New" panose="02070309020205020404"/>
+                <a:cs typeface="Courier New" panose="02070309020205020404"/>
+              </a:rPr>
+              <a:t>Back</a:t>
+            </a:r>
+            <a:r>
+              <a:rPr sz="2800" spc="-10" dirty="0">
+                <a:solidFill>
+                  <a:srgbClr val="800000"/>
+                </a:solidFill>
+                <a:latin typeface="Courier New" panose="02070309020205020404"/>
+                <a:cs typeface="Courier New" panose="02070309020205020404"/>
+              </a:rPr>
+              <a:t>&lt;/button&gt;</a:t>
+            </a:r>
+            <a:endParaRPr sz="2800">
+              <a:latin typeface="Courier New" panose="02070309020205020404"/>
+              <a:cs typeface="Courier New" panose="02070309020205020404"/>
+            </a:endParaRPr>
+          </a:p>
+        </p:txBody>
+      </p:sp>
+      <p:sp>
+        <p:nvSpPr>
+          <p:cNvPr id="12" name="Slide Number Placeholder 11"/>
+          <p:cNvSpPr>
+            <a:spLocks noGrp="1"/>
+          </p:cNvSpPr>
+          <p:nvPr>
+            <p:ph type="sldNum" sz="quarter" idx="7"/>
+          </p:nvPr>
+        </p:nvSpPr>
+        <p:spPr/>
+        <p:txBody>
+          <a:bodyPr/>
+          <a:lstStyle/>
+          <a:p>
+            <a:fld id="{B6F15528-21DE-4FAA-801E-634DDDAF4B2B}" type="slidenum">
+              <a:rPr/>
+            </a:fld>
+            <a:endParaRPr/>
+          </a:p>
+        </p:txBody>
+      </p:sp>
+    </p:spTree>
+  </p:cSld>
+  <p:clrMapOvr>
+    <a:masterClrMapping/>
+  </p:clrMapOvr>
+</p:sld>
+</file>
+
+<file path=ppt/slides/slide24.xml><?xml version="1.0" encoding="utf-8"?>
+<p:sld xmlns:a="http://schemas.openxmlformats.org/drawingml/2006/main" xmlns:r="http://schemas.openxmlformats.org/officeDocument/2006/relationships" xmlns:p="http://schemas.openxmlformats.org/presentationml/2006/main" showMasterSp="0">
+  <p:cSld>
+    <p:spTree>
+      <p:nvGrpSpPr>
+        <p:cNvPr id="1" name=""/>
+        <p:cNvGrpSpPr/>
+        <p:nvPr/>
+      </p:nvGrpSpPr>
+      <p:grpSpPr>
+        <a:xfrm>
+          <a:off x="0" y="0"/>
+          <a:ext cx="0" cy="0"/>
+          <a:chOff x="0" y="0"/>
+          <a:chExt cx="0" cy="0"/>
+        </a:xfrm>
+      </p:grpSpPr>
+      <p:grpSp>
+        <p:nvGrpSpPr>
+          <p:cNvPr id="2" name="object 2"/>
+          <p:cNvGrpSpPr/>
+          <p:nvPr/>
+        </p:nvGrpSpPr>
+        <p:grpSpPr>
+          <a:xfrm>
+            <a:off x="0" y="0"/>
+            <a:ext cx="3657600" cy="10287000"/>
+            <a:chOff x="0" y="0"/>
+            <a:chExt cx="3657600" cy="10287000"/>
+          </a:xfrm>
+        </p:grpSpPr>
+        <p:sp>
+          <p:nvSpPr>
+            <p:cNvPr id="3" name="object 3"/>
+            <p:cNvSpPr/>
+            <p:nvPr/>
+          </p:nvSpPr>
+          <p:spPr>
+            <a:xfrm>
+              <a:off x="0" y="0"/>
+              <a:ext cx="3657600" cy="10287000"/>
+            </a:xfrm>
+            <a:custGeom>
+              <a:avLst/>
+              <a:gdLst/>
+              <a:ahLst/>
+              <a:cxnLst/>
+              <a:rect l="l" t="t" r="r" b="b"/>
+              <a:pathLst>
+                <a:path w="3657600" h="10287000">
+                  <a:moveTo>
+                    <a:pt x="3657600" y="0"/>
+                  </a:moveTo>
+                  <a:lnTo>
+                    <a:pt x="0" y="0"/>
+                  </a:lnTo>
+                  <a:lnTo>
+                    <a:pt x="0" y="10286999"/>
+                  </a:lnTo>
+                  <a:lnTo>
+                    <a:pt x="3657600" y="10286999"/>
+                  </a:lnTo>
+                  <a:lnTo>
+                    <a:pt x="3657600" y="0"/>
+                  </a:lnTo>
+                  <a:close/>
+                </a:path>
+              </a:pathLst>
+            </a:custGeom>
+            <a:solidFill>
+              <a:srgbClr val="9BC850"/>
+            </a:solidFill>
+          </p:spPr>
+          <p:txBody>
+            <a:bodyPr wrap="square" lIns="0" tIns="0" rIns="0" bIns="0" rtlCol="0"/>
+            <a:lstStyle/>
+            <a:p/>
+          </p:txBody>
+        </p:sp>
+        <p:sp>
+          <p:nvSpPr>
+            <p:cNvPr id="4" name="object 4"/>
+            <p:cNvSpPr/>
+            <p:nvPr/>
+          </p:nvSpPr>
+          <p:spPr>
+            <a:xfrm>
+              <a:off x="320736" y="4016010"/>
+              <a:ext cx="2689225" cy="2255520"/>
+            </a:xfrm>
+            <a:custGeom>
+              <a:avLst/>
+              <a:gdLst/>
+              <a:ahLst/>
+              <a:cxnLst/>
+              <a:rect l="l" t="t" r="r" b="b"/>
+              <a:pathLst>
+                <a:path w="2689225" h="2255520">
+                  <a:moveTo>
+                    <a:pt x="2688950" y="0"/>
+                  </a:moveTo>
+                  <a:lnTo>
+                    <a:pt x="0" y="0"/>
+                  </a:lnTo>
+                  <a:lnTo>
+                    <a:pt x="0" y="2254977"/>
+                  </a:lnTo>
+                  <a:lnTo>
+                    <a:pt x="2688950" y="2254977"/>
+                  </a:lnTo>
+                  <a:lnTo>
+                    <a:pt x="2688950" y="0"/>
+                  </a:lnTo>
+                  <a:close/>
+                </a:path>
+              </a:pathLst>
+            </a:custGeom>
+            <a:solidFill>
+              <a:srgbClr val="FFFFFF"/>
+            </a:solidFill>
+          </p:spPr>
+          <p:txBody>
+            <a:bodyPr wrap="square" lIns="0" tIns="0" rIns="0" bIns="0" rtlCol="0"/>
+            <a:lstStyle/>
+            <a:p/>
+          </p:txBody>
+        </p:sp>
+        <p:sp>
+          <p:nvSpPr>
+            <p:cNvPr id="5" name="object 5"/>
+            <p:cNvSpPr/>
+            <p:nvPr/>
+          </p:nvSpPr>
+          <p:spPr>
+            <a:xfrm>
+              <a:off x="320736" y="4016010"/>
+              <a:ext cx="2689225" cy="2255520"/>
+            </a:xfrm>
+            <a:custGeom>
+              <a:avLst/>
+              <a:gdLst/>
+              <a:ahLst/>
+              <a:cxnLst/>
+              <a:rect l="l" t="t" r="r" b="b"/>
+              <a:pathLst>
+                <a:path w="2689225" h="2255520">
+                  <a:moveTo>
+                    <a:pt x="0" y="0"/>
+                  </a:moveTo>
+                  <a:lnTo>
+                    <a:pt x="2688951" y="0"/>
+                  </a:lnTo>
+                  <a:lnTo>
+                    <a:pt x="2688951" y="2254977"/>
+                  </a:lnTo>
+                  <a:lnTo>
+                    <a:pt x="0" y="2254977"/>
+                  </a:lnTo>
+                  <a:lnTo>
+                    <a:pt x="0" y="0"/>
+                  </a:lnTo>
+                  <a:close/>
+                </a:path>
+              </a:pathLst>
+            </a:custGeom>
+            <a:ln w="50800">
+              <a:solidFill>
+                <a:srgbClr val="9BC850"/>
+              </a:solidFill>
+            </a:ln>
+          </p:spPr>
+          <p:txBody>
+            <a:bodyPr wrap="square" lIns="0" tIns="0" rIns="0" bIns="0" rtlCol="0"/>
+            <a:lstStyle/>
+            <a:p/>
+          </p:txBody>
+        </p:sp>
+        <p:pic>
+          <p:nvPicPr>
+            <p:cNvPr id="6" name="object 6"/>
+            <p:cNvPicPr/>
+            <p:nvPr/>
+          </p:nvPicPr>
+          <p:blipFill>
+            <a:blip r:embed="rId1" cstate="print"/>
             <a:stretch>
               <a:fillRect/>
             </a:stretch>
@@ -13515,6 +13709,10 @@
               </a:rPr>
               <a:t>}</a:t>
             </a:r>
+            <a:endParaRPr sz="2800" dirty="0">
+              <a:latin typeface="Courier New" panose="02070309020205020404"/>
+              <a:cs typeface="Courier New" panose="02070309020205020404"/>
+            </a:endParaRPr>
           </a:p>
           <a:p>
             <a:pPr marL="182245">
@@ -13529,6 +13727,10 @@
               </a:rPr>
               <a:t>}</a:t>
             </a:r>
+            <a:endParaRPr sz="2800" dirty="0">
+              <a:latin typeface="Courier New" panose="02070309020205020404"/>
+              <a:cs typeface="Courier New" panose="02070309020205020404"/>
+            </a:endParaRPr>
           </a:p>
         </p:txBody>
       </p:sp>
@@ -13710,7 +13912,6 @@
           <a:p>
             <a:fld id="{B6F15528-21DE-4FAA-801E-634DDDAF4B2B}" type="slidenum">
               <a:rPr/>
-              <a:t>23</a:t>
             </a:fld>
             <a:endParaRPr/>
           </a:p>
@@ -13724,7 +13925,7 @@
 </p:sld>
 </file>
 
-<file path=ppt/slides/slide24.xml><?xml version="1.0" encoding="utf-8"?>
+<file path=ppt/slides/slide25.xml><?xml version="1.0" encoding="utf-8"?>
 <p:sld xmlns:a="http://schemas.openxmlformats.org/drawingml/2006/main" xmlns:r="http://schemas.openxmlformats.org/officeDocument/2006/relationships" xmlns:p="http://schemas.openxmlformats.org/presentationml/2006/main" showMasterSp="0">
   <p:cSld>
     <p:spTree>
@@ -13786,6 +13987,7 @@
               <a:rPr spc="110" dirty="0"/>
               <a:t>Architecture</a:t>
             </a:r>
+            <a:endParaRPr spc="110" dirty="0"/>
           </a:p>
         </p:txBody>
       </p:sp>
@@ -14163,9 +14365,7 @@
         <p:txBody>
           <a:bodyPr wrap="square" lIns="0" tIns="0" rIns="0" bIns="0" rtlCol="0"/>
           <a:lstStyle/>
-          <a:p>
-            <a:endParaRPr/>
-          </a:p>
+          <a:p/>
         </p:txBody>
       </p:sp>
       <p:sp>
@@ -14252,9 +14452,7 @@
         <p:txBody>
           <a:bodyPr wrap="square" lIns="0" tIns="0" rIns="0" bIns="0" rtlCol="0"/>
           <a:lstStyle/>
-          <a:p>
-            <a:endParaRPr/>
-          </a:p>
+          <a:p/>
         </p:txBody>
       </p:sp>
       <p:grpSp>
@@ -14376,9 +14574,7 @@
           <p:txBody>
             <a:bodyPr wrap="square" lIns="0" tIns="0" rIns="0" bIns="0" rtlCol="0"/>
             <a:lstStyle/>
-            <a:p>
-              <a:endParaRPr/>
-            </a:p>
+            <a:p/>
           </p:txBody>
         </p:sp>
         <p:sp>
@@ -14486,9 +14682,7 @@
           <p:txBody>
             <a:bodyPr wrap="square" lIns="0" tIns="0" rIns="0" bIns="0" rtlCol="0"/>
             <a:lstStyle/>
-            <a:p>
-              <a:endParaRPr/>
-            </a:p>
+            <a:p/>
           </p:txBody>
         </p:sp>
       </p:grpSp>
@@ -14573,9 +14767,7 @@
         <p:txBody>
           <a:bodyPr wrap="square" lIns="0" tIns="0" rIns="0" bIns="0" rtlCol="0"/>
           <a:lstStyle/>
-          <a:p>
-            <a:endParaRPr/>
-          </a:p>
+          <a:p/>
         </p:txBody>
       </p:sp>
       <p:sp>
@@ -15031,7 +15223,6 @@
           <a:p>
             <a:fld id="{B6F15528-21DE-4FAA-801E-634DDDAF4B2B}" type="slidenum">
               <a:rPr/>
-              <a:t>24</a:t>
             </a:fld>
             <a:endParaRPr/>
           </a:p>
@@ -15045,7 +15236,7 @@
 </p:sld>
 </file>
 
-<file path=ppt/slides/slide25.xml><?xml version="1.0" encoding="utf-8"?>
+<file path=ppt/slides/slide26.xml><?xml version="1.0" encoding="utf-8"?>
 <p:sld xmlns:a="http://schemas.openxmlformats.org/drawingml/2006/main" xmlns:r="http://schemas.openxmlformats.org/officeDocument/2006/relationships" xmlns:p="http://schemas.openxmlformats.org/presentationml/2006/main" showMasterSp="0">
   <p:cSld>
     <p:spTree>
@@ -15068,13 +15259,7 @@
           <p:cNvGraphicFramePr>
             <a:graphicFrameLocks noGrp="1"/>
           </p:cNvGraphicFramePr>
-          <p:nvPr>
-            <p:extLst>
-              <p:ext uri="{D42A27DB-BD31-4B8C-83A1-F6EECF244321}">
-                <p14:modId xmlns:p14="http://schemas.microsoft.com/office/powerpoint/2010/main" val="1409416717"/>
-              </p:ext>
-            </p:extLst>
-          </p:nvPr>
+          <p:nvPr/>
         </p:nvGraphicFramePr>
         <p:xfrm>
           <a:off x="5910783" y="4662393"/>
@@ -15087,20 +15272,8 @@
                 <a:tableStyleId>{2D5ABB26-0587-4C30-8999-92F81FD0307C}</a:tableStyleId>
               </a:tblPr>
               <a:tblGrid>
-                <a:gridCol w="1572260">
-                  <a:extLst>
-                    <a:ext uri="{9D8B030D-6E8A-4147-A177-3AD203B41FA5}">
-                      <a16:colId xmlns:a16="http://schemas.microsoft.com/office/drawing/2014/main" val="20000"/>
-                    </a:ext>
-                  </a:extLst>
-                </a:gridCol>
-                <a:gridCol w="1562735">
-                  <a:extLst>
-                    <a:ext uri="{9D8B030D-6E8A-4147-A177-3AD203B41FA5}">
-                      <a16:colId xmlns:a16="http://schemas.microsoft.com/office/drawing/2014/main" val="20001"/>
-                    </a:ext>
-                  </a:extLst>
-                </a:gridCol>
+                <a:gridCol w="1572260"/>
+                <a:gridCol w="1562735"/>
               </a:tblGrid>
               <a:tr h="867206">
                 <a:tc gridSpan="2">
@@ -15163,20 +15336,8 @@
                   </a:tcPr>
                 </a:tc>
                 <a:tc hMerge="1">
-                  <a:txBody>
-                    <a:bodyPr/>
-                    <a:lstStyle/>
-                    <a:p>
-                      <a:endParaRPr lang="en-US"/>
-                    </a:p>
-                  </a:txBody>
                   <a:tcPr marL="0" marR="0" marT="0" marB="0"/>
                 </a:tc>
-                <a:extLst>
-                  <a:ext uri="{0D108BD9-81ED-4DB2-BD59-A6C34878D82A}">
-                    <a16:rowId xmlns:a16="http://schemas.microsoft.com/office/drawing/2014/main" val="10000"/>
-                  </a:ext>
-                </a:extLst>
               </a:tr>
               <a:tr h="348318">
                 <a:tc>
@@ -15253,11 +15414,6 @@
                     </a:lnB>
                   </a:tcPr>
                 </a:tc>
-                <a:extLst>
-                  <a:ext uri="{0D108BD9-81ED-4DB2-BD59-A6C34878D82A}">
-                    <a16:rowId xmlns:a16="http://schemas.microsoft.com/office/drawing/2014/main" val="10001"/>
-                  </a:ext>
-                </a:extLst>
               </a:tr>
               <a:tr h="867206">
                 <a:tc>
@@ -15446,11 +15602,6 @@
                     </a:solidFill>
                   </a:tcPr>
                 </a:tc>
-                <a:extLst>
-                  <a:ext uri="{0D108BD9-81ED-4DB2-BD59-A6C34878D82A}">
-                    <a16:rowId xmlns:a16="http://schemas.microsoft.com/office/drawing/2014/main" val="10002"/>
-                  </a:ext>
-                </a:extLst>
               </a:tr>
               <a:tr h="348318">
                 <a:tc>
@@ -15527,11 +15678,6 @@
                     </a:lnB>
                   </a:tcPr>
                 </a:tc>
-                <a:extLst>
-                  <a:ext uri="{0D108BD9-81ED-4DB2-BD59-A6C34878D82A}">
-                    <a16:rowId xmlns:a16="http://schemas.microsoft.com/office/drawing/2014/main" val="10003"/>
-                  </a:ext>
-                </a:extLst>
               </a:tr>
               <a:tr h="864108">
                 <a:tc>
@@ -15744,11 +15890,6 @@
                     </a:solidFill>
                   </a:tcPr>
                 </a:tc>
-                <a:extLst>
-                  <a:ext uri="{0D108BD9-81ED-4DB2-BD59-A6C34878D82A}">
-                    <a16:rowId xmlns:a16="http://schemas.microsoft.com/office/drawing/2014/main" val="10004"/>
-                  </a:ext>
-                </a:extLst>
               </a:tr>
               <a:tr h="348319">
                 <a:tc>
@@ -15825,11 +15966,6 @@
                     </a:lnB>
                   </a:tcPr>
                 </a:tc>
-                <a:extLst>
-                  <a:ext uri="{0D108BD9-81ED-4DB2-BD59-A6C34878D82A}">
-                    <a16:rowId xmlns:a16="http://schemas.microsoft.com/office/drawing/2014/main" val="10005"/>
-                  </a:ext>
-                </a:extLst>
               </a:tr>
               <a:tr h="864108">
                 <a:tc gridSpan="2">
@@ -15892,20 +16028,8 @@
                   </a:tcPr>
                 </a:tc>
                 <a:tc hMerge="1">
-                  <a:txBody>
-                    <a:bodyPr/>
-                    <a:lstStyle/>
-                    <a:p>
-                      <a:endParaRPr lang="en-US"/>
-                    </a:p>
-                  </a:txBody>
                   <a:tcPr marL="0" marR="0" marT="0" marB="0"/>
                 </a:tc>
-                <a:extLst>
-                  <a:ext uri="{0D108BD9-81ED-4DB2-BD59-A6C34878D82A}">
-                    <a16:rowId xmlns:a16="http://schemas.microsoft.com/office/drawing/2014/main" val="10006"/>
-                  </a:ext>
-                </a:extLst>
               </a:tr>
             </a:tbl>
           </a:graphicData>
@@ -17189,9 +17313,7 @@
         <p:txBody>
           <a:bodyPr wrap="square" lIns="0" tIns="0" rIns="0" bIns="0" rtlCol="0"/>
           <a:lstStyle/>
-          <a:p>
-            <a:endParaRPr/>
-          </a:p>
+          <a:p/>
         </p:txBody>
       </p:sp>
       <p:sp>
@@ -17776,9 +17898,7 @@
         <p:txBody>
           <a:bodyPr wrap="square" lIns="0" tIns="0" rIns="0" bIns="0" rtlCol="0"/>
           <a:lstStyle/>
-          <a:p>
-            <a:endParaRPr/>
-          </a:p>
+          <a:p/>
         </p:txBody>
       </p:sp>
       <p:sp>
@@ -19029,9 +19149,7 @@
         <p:txBody>
           <a:bodyPr wrap="square" lIns="0" tIns="0" rIns="0" bIns="0" rtlCol="0"/>
           <a:lstStyle/>
-          <a:p>
-            <a:endParaRPr/>
-          </a:p>
+          <a:p/>
         </p:txBody>
       </p:sp>
       <p:sp>
@@ -19111,55 +19229,13 @@
                 <a:tableStyleId>{2D5ABB26-0587-4C30-8999-92F81FD0307C}</a:tableStyleId>
               </a:tblPr>
               <a:tblGrid>
-                <a:gridCol w="2743200">
-                  <a:extLst>
-                    <a:ext uri="{9D8B030D-6E8A-4147-A177-3AD203B41FA5}">
-                      <a16:colId xmlns:a16="http://schemas.microsoft.com/office/drawing/2014/main" val="20000"/>
-                    </a:ext>
-                  </a:extLst>
-                </a:gridCol>
-                <a:gridCol w="765810">
-                  <a:extLst>
-                    <a:ext uri="{9D8B030D-6E8A-4147-A177-3AD203B41FA5}">
-                      <a16:colId xmlns:a16="http://schemas.microsoft.com/office/drawing/2014/main" val="20001"/>
-                    </a:ext>
-                  </a:extLst>
-                </a:gridCol>
-                <a:gridCol w="2743200">
-                  <a:extLst>
-                    <a:ext uri="{9D8B030D-6E8A-4147-A177-3AD203B41FA5}">
-                      <a16:colId xmlns:a16="http://schemas.microsoft.com/office/drawing/2014/main" val="20002"/>
-                    </a:ext>
-                  </a:extLst>
-                </a:gridCol>
-                <a:gridCol w="765810">
-                  <a:extLst>
-                    <a:ext uri="{9D8B030D-6E8A-4147-A177-3AD203B41FA5}">
-                      <a16:colId xmlns:a16="http://schemas.microsoft.com/office/drawing/2014/main" val="20003"/>
-                    </a:ext>
-                  </a:extLst>
-                </a:gridCol>
-                <a:gridCol w="3065145">
-                  <a:extLst>
-                    <a:ext uri="{9D8B030D-6E8A-4147-A177-3AD203B41FA5}">
-                      <a16:colId xmlns:a16="http://schemas.microsoft.com/office/drawing/2014/main" val="20004"/>
-                    </a:ext>
-                  </a:extLst>
-                </a:gridCol>
-                <a:gridCol w="443865">
-                  <a:extLst>
-                    <a:ext uri="{9D8B030D-6E8A-4147-A177-3AD203B41FA5}">
-                      <a16:colId xmlns:a16="http://schemas.microsoft.com/office/drawing/2014/main" val="20005"/>
-                    </a:ext>
-                  </a:extLst>
-                </a:gridCol>
-                <a:gridCol w="2743200">
-                  <a:extLst>
-                    <a:ext uri="{9D8B030D-6E8A-4147-A177-3AD203B41FA5}">
-                      <a16:colId xmlns:a16="http://schemas.microsoft.com/office/drawing/2014/main" val="20006"/>
-                    </a:ext>
-                  </a:extLst>
-                </a:gridCol>
+                <a:gridCol w="2743200"/>
+                <a:gridCol w="765810"/>
+                <a:gridCol w="2743200"/>
+                <a:gridCol w="765810"/>
+                <a:gridCol w="3065145"/>
+                <a:gridCol w="443865"/>
+                <a:gridCol w="2743200"/>
               </a:tblGrid>
               <a:tr h="864108">
                 <a:tc>
@@ -19500,11 +19576,6 @@
                     </a:solidFill>
                   </a:tcPr>
                 </a:tc>
-                <a:extLst>
-                  <a:ext uri="{0D108BD9-81ED-4DB2-BD59-A6C34878D82A}">
-                    <a16:rowId xmlns:a16="http://schemas.microsoft.com/office/drawing/2014/main" val="10000"/>
-                  </a:ext>
-                </a:extLst>
               </a:tr>
             </a:tbl>
           </a:graphicData>
@@ -19516,13 +19587,7 @@
           <p:cNvGraphicFramePr>
             <a:graphicFrameLocks noGrp="1"/>
           </p:cNvGraphicFramePr>
-          <p:nvPr>
-            <p:extLst>
-              <p:ext uri="{D42A27DB-BD31-4B8C-83A1-F6EECF244321}">
-                <p14:modId xmlns:p14="http://schemas.microsoft.com/office/powerpoint/2010/main" val="1663564826"/>
-              </p:ext>
-            </p:extLst>
-          </p:nvPr>
+          <p:nvPr/>
         </p:nvGraphicFramePr>
         <p:xfrm>
           <a:off x="9581438" y="4662392"/>
@@ -19535,20 +19600,8 @@
                 <a:tableStyleId>{2D5ABB26-0587-4C30-8999-92F81FD0307C}</a:tableStyleId>
               </a:tblPr>
               <a:tblGrid>
-                <a:gridCol w="1765300">
-                  <a:extLst>
-                    <a:ext uri="{9D8B030D-6E8A-4147-A177-3AD203B41FA5}">
-                      <a16:colId xmlns:a16="http://schemas.microsoft.com/office/drawing/2014/main" val="20000"/>
-                    </a:ext>
-                  </a:extLst>
-                </a:gridCol>
-                <a:gridCol w="1765300">
-                  <a:extLst>
-                    <a:ext uri="{9D8B030D-6E8A-4147-A177-3AD203B41FA5}">
-                      <a16:colId xmlns:a16="http://schemas.microsoft.com/office/drawing/2014/main" val="20001"/>
-                    </a:ext>
-                  </a:extLst>
-                </a:gridCol>
+                <a:gridCol w="1765300"/>
+                <a:gridCol w="1765300"/>
               </a:tblGrid>
               <a:tr h="867206">
                 <a:tc gridSpan="2">
@@ -19641,20 +19694,8 @@
                   </a:tcPr>
                 </a:tc>
                 <a:tc hMerge="1">
-                  <a:txBody>
-                    <a:bodyPr/>
-                    <a:lstStyle/>
-                    <a:p>
-                      <a:endParaRPr lang="en-US"/>
-                    </a:p>
-                  </a:txBody>
                   <a:tcPr marL="0" marR="0" marT="0" marB="0"/>
                 </a:tc>
-                <a:extLst>
-                  <a:ext uri="{0D108BD9-81ED-4DB2-BD59-A6C34878D82A}">
-                    <a16:rowId xmlns:a16="http://schemas.microsoft.com/office/drawing/2014/main" val="10000"/>
-                  </a:ext>
-                </a:extLst>
               </a:tr>
               <a:tr h="348319">
                 <a:tc>
@@ -19731,11 +19772,6 @@
                     </a:lnB>
                   </a:tcPr>
                 </a:tc>
-                <a:extLst>
-                  <a:ext uri="{0D108BD9-81ED-4DB2-BD59-A6C34878D82A}">
-                    <a16:rowId xmlns:a16="http://schemas.microsoft.com/office/drawing/2014/main" val="10001"/>
-                  </a:ext>
-                </a:extLst>
               </a:tr>
               <a:tr h="867206">
                 <a:tc gridSpan="2">
@@ -19798,20 +19834,8 @@
                   </a:tcPr>
                 </a:tc>
                 <a:tc hMerge="1">
-                  <a:txBody>
-                    <a:bodyPr/>
-                    <a:lstStyle/>
-                    <a:p>
-                      <a:endParaRPr lang="en-US"/>
-                    </a:p>
-                  </a:txBody>
                   <a:tcPr marL="0" marR="0" marT="0" marB="0"/>
                 </a:tc>
-                <a:extLst>
-                  <a:ext uri="{0D108BD9-81ED-4DB2-BD59-A6C34878D82A}">
-                    <a16:rowId xmlns:a16="http://schemas.microsoft.com/office/drawing/2014/main" val="10002"/>
-                  </a:ext>
-                </a:extLst>
               </a:tr>
             </a:tbl>
           </a:graphicData>
@@ -20050,9 +20074,7 @@
         <p:txBody>
           <a:bodyPr wrap="square" lIns="0" tIns="0" rIns="0" bIns="0" rtlCol="0"/>
           <a:lstStyle/>
-          <a:p>
-            <a:endParaRPr/>
-          </a:p>
+          <a:p/>
         </p:txBody>
       </p:sp>
       <p:sp>
@@ -20092,9 +20114,7 @@
         <p:txBody>
           <a:bodyPr wrap="square" lIns="0" tIns="0" rIns="0" bIns="0" rtlCol="0"/>
           <a:lstStyle/>
-          <a:p>
-            <a:endParaRPr/>
-          </a:p>
+          <a:p/>
         </p:txBody>
       </p:sp>
       <p:sp>
@@ -20134,9 +20154,7 @@
         <p:txBody>
           <a:bodyPr wrap="square" lIns="0" tIns="0" rIns="0" bIns="0" rtlCol="0"/>
           <a:lstStyle/>
-          <a:p>
-            <a:endParaRPr/>
-          </a:p>
+          <a:p/>
         </p:txBody>
       </p:sp>
       <p:sp>
@@ -20176,9 +20194,7 @@
         <p:txBody>
           <a:bodyPr wrap="square" lIns="0" tIns="0" rIns="0" bIns="0" rtlCol="0"/>
           <a:lstStyle/>
-          <a:p>
-            <a:endParaRPr/>
-          </a:p>
+          <a:p/>
         </p:txBody>
       </p:sp>
       <p:sp>
@@ -20198,7 +20214,6 @@
           <a:p>
             <a:fld id="{B6F15528-21DE-4FAA-801E-634DDDAF4B2B}" type="slidenum">
               <a:rPr/>
-              <a:t>25</a:t>
             </a:fld>
             <a:endParaRPr/>
           </a:p>
@@ -20212,7 +20227,7 @@
 </p:sld>
 </file>
 
-<file path=ppt/slides/slide26.xml><?xml version="1.0" encoding="utf-8"?>
+<file path=ppt/slides/slide27.xml><?xml version="1.0" encoding="utf-8"?>
 <p:sld xmlns:a="http://schemas.openxmlformats.org/drawingml/2006/main" xmlns:r="http://schemas.openxmlformats.org/officeDocument/2006/relationships" xmlns:p="http://schemas.openxmlformats.org/presentationml/2006/main" showMasterSp="0">
   <p:cSld>
     <p:spTree>
@@ -20369,7 +20384,7 @@
           <p:nvPr/>
         </p:nvPicPr>
         <p:blipFill>
-          <a:blip r:embed="rId2" cstate="print"/>
+          <a:blip r:embed="rId1" cstate="print"/>
           <a:stretch>
             <a:fillRect/>
           </a:stretch>
@@ -20401,7 +20416,6 @@
           <a:p>
             <a:fld id="{B6F15528-21DE-4FAA-801E-634DDDAF4B2B}" type="slidenum">
               <a:rPr/>
-              <a:t>26</a:t>
             </a:fld>
             <a:endParaRPr/>
           </a:p>
@@ -20439,7 +20453,7 @@
           <p:nvPr/>
         </p:nvPicPr>
         <p:blipFill>
-          <a:blip r:embed="rId2" cstate="print"/>
+          <a:blip r:embed="rId1" cstate="print"/>
           <a:stretch>
             <a:fillRect/>
           </a:stretch>
@@ -20782,7 +20796,6 @@
           <a:p>
             <a:fld id="{B6F15528-21DE-4FAA-801E-634DDDAF4B2B}" type="slidenum">
               <a:rPr/>
-              <a:t>3</a:t>
             </a:fld>
             <a:endParaRPr/>
           </a:p>
@@ -20858,6 +20871,7 @@
               <a:rPr spc="110" dirty="0"/>
               <a:t>Architecture</a:t>
             </a:r>
+            <a:endParaRPr spc="110" dirty="0"/>
           </a:p>
         </p:txBody>
       </p:sp>
@@ -21235,9 +21249,7 @@
         <p:txBody>
           <a:bodyPr wrap="square" lIns="0" tIns="0" rIns="0" bIns="0" rtlCol="0"/>
           <a:lstStyle/>
-          <a:p>
-            <a:endParaRPr/>
-          </a:p>
+          <a:p/>
         </p:txBody>
       </p:sp>
       <p:sp>
@@ -21324,9 +21336,7 @@
         <p:txBody>
           <a:bodyPr wrap="square" lIns="0" tIns="0" rIns="0" bIns="0" rtlCol="0"/>
           <a:lstStyle/>
-          <a:p>
-            <a:endParaRPr/>
-          </a:p>
+          <a:p/>
         </p:txBody>
       </p:sp>
       <p:grpSp>
@@ -21448,9 +21458,7 @@
           <p:txBody>
             <a:bodyPr wrap="square" lIns="0" tIns="0" rIns="0" bIns="0" rtlCol="0"/>
             <a:lstStyle/>
-            <a:p>
-              <a:endParaRPr/>
-            </a:p>
+            <a:p/>
           </p:txBody>
         </p:sp>
         <p:sp>
@@ -21558,9 +21566,7 @@
           <p:txBody>
             <a:bodyPr wrap="square" lIns="0" tIns="0" rIns="0" bIns="0" rtlCol="0"/>
             <a:lstStyle/>
-            <a:p>
-              <a:endParaRPr/>
-            </a:p>
+            <a:p/>
           </p:txBody>
         </p:sp>
       </p:grpSp>
@@ -21645,9 +21651,7 @@
         <p:txBody>
           <a:bodyPr wrap="square" lIns="0" tIns="0" rIns="0" bIns="0" rtlCol="0"/>
           <a:lstStyle/>
-          <a:p>
-            <a:endParaRPr/>
-          </a:p>
+          <a:p/>
         </p:txBody>
       </p:sp>
       <p:sp>
@@ -22103,7 +22107,6 @@
           <a:p>
             <a:fld id="{B6F15528-21DE-4FAA-801E-634DDDAF4B2B}" type="slidenum">
               <a:rPr/>
-              <a:t>4</a:t>
             </a:fld>
             <a:endParaRPr/>
           </a:p>
@@ -22203,6 +22206,7 @@
               <a:rPr spc="15" dirty="0"/>
               <a:t>Route</a:t>
             </a:r>
+            <a:endParaRPr spc="15" dirty="0"/>
           </a:p>
         </p:txBody>
       </p:sp>
@@ -22227,7 +22231,7 @@
             <p:nvPr/>
           </p:nvPicPr>
           <p:blipFill>
-            <a:blip r:embed="rId2" cstate="print"/>
+            <a:blip r:embed="rId1" cstate="print"/>
             <a:stretch>
               <a:fillRect/>
             </a:stretch>
@@ -22289,9 +22293,7 @@
           <p:txBody>
             <a:bodyPr wrap="square" lIns="0" tIns="0" rIns="0" bIns="0" rtlCol="0"/>
             <a:lstStyle/>
-            <a:p>
-              <a:endParaRPr/>
-            </a:p>
+            <a:p/>
           </p:txBody>
         </p:sp>
       </p:grpSp>
@@ -22312,7 +22314,6 @@
           <a:p>
             <a:fld id="{B6F15528-21DE-4FAA-801E-634DDDAF4B2B}" type="slidenum">
               <a:rPr/>
-              <a:t>5</a:t>
             </a:fld>
             <a:endParaRPr/>
           </a:p>
@@ -22412,6 +22413,7 @@
               <a:rPr spc="15" dirty="0"/>
               <a:t>Route</a:t>
             </a:r>
+            <a:endParaRPr spc="15" dirty="0"/>
           </a:p>
         </p:txBody>
       </p:sp>
@@ -22474,9 +22476,7 @@
           <p:txBody>
             <a:bodyPr wrap="square" lIns="0" tIns="0" rIns="0" bIns="0" rtlCol="0"/>
             <a:lstStyle/>
-            <a:p>
-              <a:endParaRPr/>
-            </a:p>
+            <a:p/>
           </p:txBody>
         </p:sp>
         <p:sp>
@@ -22526,9 +22526,7 @@
           <p:txBody>
             <a:bodyPr wrap="square" lIns="0" tIns="0" rIns="0" bIns="0" rtlCol="0"/>
             <a:lstStyle/>
-            <a:p>
-              <a:endParaRPr/>
-            </a:p>
+            <a:p/>
           </p:txBody>
         </p:sp>
         <p:sp>
@@ -22576,9 +22574,7 @@
           <p:txBody>
             <a:bodyPr wrap="square" lIns="0" tIns="0" rIns="0" bIns="0" rtlCol="0"/>
             <a:lstStyle/>
-            <a:p>
-              <a:endParaRPr/>
-            </a:p>
+            <a:p/>
           </p:txBody>
         </p:sp>
         <p:sp>
@@ -22628,9 +22624,7 @@
           <p:txBody>
             <a:bodyPr wrap="square" lIns="0" tIns="0" rIns="0" bIns="0" rtlCol="0"/>
             <a:lstStyle/>
-            <a:p>
-              <a:endParaRPr/>
-            </a:p>
+            <a:p/>
           </p:txBody>
         </p:sp>
       </p:grpSp>
@@ -23530,7 +23524,6 @@
           <a:p>
             <a:fld id="{B6F15528-21DE-4FAA-801E-634DDDAF4B2B}" type="slidenum">
               <a:rPr/>
-              <a:t>6</a:t>
             </a:fld>
             <a:endParaRPr/>
           </a:p>
@@ -23630,6 +23623,7 @@
               <a:rPr spc="15" dirty="0"/>
               <a:t>Route</a:t>
             </a:r>
+            <a:endParaRPr spc="15" dirty="0"/>
           </a:p>
         </p:txBody>
       </p:sp>
@@ -23729,9 +23723,7 @@
         <p:txBody>
           <a:bodyPr wrap="square" lIns="0" tIns="0" rIns="0" bIns="0" rtlCol="0"/>
           <a:lstStyle/>
-          <a:p>
-            <a:endParaRPr/>
-          </a:p>
+          <a:p/>
         </p:txBody>
       </p:sp>
       <p:sp>
@@ -23949,9 +23941,7 @@
         <p:txBody>
           <a:bodyPr wrap="square" lIns="0" tIns="0" rIns="0" bIns="0" rtlCol="0"/>
           <a:lstStyle/>
-          <a:p>
-            <a:endParaRPr/>
-          </a:p>
+          <a:p/>
         </p:txBody>
       </p:sp>
       <p:sp>
@@ -24148,7 +24138,6 @@
           <a:p>
             <a:fld id="{B6F15528-21DE-4FAA-801E-634DDDAF4B2B}" type="slidenum">
               <a:rPr/>
-              <a:t>7</a:t>
             </a:fld>
             <a:endParaRPr/>
           </a:p>
@@ -24244,6 +24233,7 @@
               <a:rPr spc="15" dirty="0"/>
               <a:t>Route</a:t>
             </a:r>
+            <a:endParaRPr spc="15" dirty="0"/>
           </a:p>
         </p:txBody>
       </p:sp>
@@ -24268,7 +24258,7 @@
             <p:nvPr/>
           </p:nvPicPr>
           <p:blipFill>
-            <a:blip r:embed="rId2" cstate="print"/>
+            <a:blip r:embed="rId1" cstate="print"/>
             <a:stretch>
               <a:fillRect/>
             </a:stretch>
@@ -24330,9 +24320,7 @@
           <p:txBody>
             <a:bodyPr wrap="square" lIns="0" tIns="0" rIns="0" bIns="0" rtlCol="0"/>
             <a:lstStyle/>
-            <a:p>
-              <a:endParaRPr/>
-            </a:p>
+            <a:p/>
           </p:txBody>
         </p:sp>
       </p:grpSp>
@@ -24353,7 +24341,6 @@
           <a:p>
             <a:fld id="{B6F15528-21DE-4FAA-801E-634DDDAF4B2B}" type="slidenum">
               <a:rPr/>
-              <a:t>8</a:t>
             </a:fld>
             <a:endParaRPr/>
           </a:p>
@@ -24449,6 +24436,7 @@
               <a:rPr spc="15" dirty="0"/>
               <a:t>Route</a:t>
             </a:r>
+            <a:endParaRPr spc="15" dirty="0"/>
           </a:p>
         </p:txBody>
       </p:sp>
@@ -24499,9 +24487,7 @@
         <p:txBody>
           <a:bodyPr wrap="square" lIns="0" tIns="0" rIns="0" bIns="0" rtlCol="0"/>
           <a:lstStyle/>
-          <a:p>
-            <a:endParaRPr/>
-          </a:p>
+          <a:p/>
         </p:txBody>
       </p:sp>
       <p:sp>
@@ -24778,6 +24764,10 @@
               </a:rPr>
               <a:t>}</a:t>
             </a:r>
+            <a:endParaRPr sz="3000" dirty="0">
+              <a:latin typeface="Courier New" panose="02070309020205020404"/>
+              <a:cs typeface="Courier New" panose="02070309020205020404"/>
+            </a:endParaRPr>
           </a:p>
         </p:txBody>
       </p:sp>
@@ -24828,9 +24818,7 @@
         <p:txBody>
           <a:bodyPr wrap="square" lIns="0" tIns="0" rIns="0" bIns="0" rtlCol="0"/>
           <a:lstStyle/>
-          <a:p>
-            <a:endParaRPr/>
-          </a:p>
+          <a:p/>
         </p:txBody>
       </p:sp>
       <p:sp>
@@ -25003,6 +24991,10 @@
               </a:rPr>
               <a:t>}</a:t>
             </a:r>
+            <a:endParaRPr sz="3000" dirty="0">
+              <a:latin typeface="Courier New" panose="02070309020205020404"/>
+              <a:cs typeface="Courier New" panose="02070309020205020404"/>
+            </a:endParaRPr>
           </a:p>
         </p:txBody>
       </p:sp>
@@ -25023,7 +25015,6 @@
           <a:p>
             <a:fld id="{B6F15528-21DE-4FAA-801E-634DDDAF4B2B}" type="slidenum">
               <a:rPr/>
-              <a:t>9</a:t>
             </a:fld>
             <a:endParaRPr/>
           </a:p>
@@ -25315,8 +25306,6 @@
       </a:bgFillStyleLst>
     </a:fmtScheme>
   </a:themeElements>
-  <a:objectDefaults/>
-  <a:extraClrSchemeLst/>
   <a:extLst>
     <a:ext uri="{05A4C25C-085E-4340-85A3-A5531E510DB2}">
       <thm15:themeFamily xmlns:thm15="http://schemas.microsoft.com/office/thememl/2012/main" name="Office Theme" id="{62F939B6-93AF-4DB8-9C6B-D6C7DFDC589F}" vid="{4A3C46E8-61CC-4603-A589-7422A47A8E4A}"/>
@@ -25576,8 +25565,6 @@
       </a:bgFillStyleLst>
     </a:fmtScheme>
   </a:themeElements>
-  <a:objectDefaults/>
-  <a:extraClrSchemeLst/>
   <a:extLst>
     <a:ext uri="{05A4C25C-085E-4340-85A3-A5531E510DB2}">
       <thm15:themeFamily xmlns:thm15="http://schemas.microsoft.com/office/thememl/2012/main" name="Office Theme" id="{62F939B6-93AF-4DB8-9C6B-D6C7DFDC589F}" vid="{4A3C46E8-61CC-4603-A589-7422A47A8E4A}"/>
